--- a/files/ppt_demo.pptx
+++ b/files/ppt_demo.pptx
@@ -6,7 +6,7 @@
     <p:sldMasterId id="2147483699" r:id="rId11"/>
   </p:sldMasterIdLst>
   <p:notesMasterIdLst>
-    <p:notesMasterId r:id="rId23"/>
+    <p:notesMasterId r:id="rId25"/>
   </p:notesMasterIdLst>
   <p:sldIdLst>
     <p:sldId id="257" r:id="rId12"/>
@@ -16,10 +16,12 @@
     <p:sldId id="374" r:id="rId16"/>
     <p:sldId id="375" r:id="rId17"/>
     <p:sldId id="492" r:id="rId18"/>
-    <p:sldId id="493" r:id="rId19"/>
-    <p:sldId id="339" r:id="rId20"/>
-    <p:sldId id="380" r:id="rId21"/>
-    <p:sldId id="330" r:id="rId22"/>
+    <p:sldId id="494" r:id="rId19"/>
+    <p:sldId id="495" r:id="rId20"/>
+    <p:sldId id="493" r:id="rId21"/>
+    <p:sldId id="339" r:id="rId22"/>
+    <p:sldId id="380" r:id="rId23"/>
+    <p:sldId id="330" r:id="rId24"/>
   </p:sldIdLst>
   <p:sldSz cx="12192000" cy="6858000"/>
   <p:notesSz cx="6858000" cy="9144000"/>
@@ -130,6 +132,8 @@
             <p14:sldId id="374"/>
             <p14:sldId id="375"/>
             <p14:sldId id="492"/>
+            <p14:sldId id="494"/>
+            <p14:sldId id="495"/>
             <p14:sldId id="493"/>
           </p14:sldIdLst>
         </p14:section>
@@ -198,6 +202,4492 @@
 </p:cmAuthorLst>
 </file>
 
+<file path=ppt/charts/chart1.xml><?xml version="1.0" encoding="utf-8"?>
+<c:chartSpace xmlns:c="http://schemas.openxmlformats.org/drawingml/2006/chart" xmlns:a="http://schemas.openxmlformats.org/drawingml/2006/main" xmlns:r="http://schemas.openxmlformats.org/officeDocument/2006/relationships" xmlns:c16r2="http://schemas.microsoft.com/office/drawing/2015/06/chart">
+  <c:date1904 val="0"/>
+  <c:lang val="en-US"/>
+  <c:roundedCorners val="0"/>
+  <mc:AlternateContent xmlns:mc="http://schemas.openxmlformats.org/markup-compatibility/2006">
+    <mc:Choice xmlns:c14="http://schemas.microsoft.com/office/drawing/2007/8/2/chart" Requires="c14">
+      <c14:style val="102"/>
+    </mc:Choice>
+    <mc:Fallback>
+      <c:style val="2"/>
+    </mc:Fallback>
+  </mc:AlternateContent>
+  <c:chart>
+    <c:title>
+      <c:tx>
+        <c:rich>
+          <a:bodyPr rot="0" spcFirstLastPara="1" vertOverflow="ellipsis" vert="horz" wrap="square" anchor="ctr" anchorCtr="1"/>
+          <a:lstStyle/>
+          <a:p>
+            <a:pPr>
+              <a:defRPr sz="1400" b="0" i="0" u="none" strike="noStrike" kern="1200" spc="0" baseline="0">
+                <a:solidFill>
+                  <a:schemeClr val="tx1">
+                    <a:lumMod val="65000"/>
+                    <a:lumOff val="35000"/>
+                  </a:schemeClr>
+                </a:solidFill>
+                <a:latin typeface="+mn-lt"/>
+                <a:ea typeface="+mn-ea"/>
+                <a:cs typeface="+mn-cs"/>
+              </a:defRPr>
+            </a:pPr>
+            <a:r>
+              <a:rPr lang="sv-SE"/>
+              <a:t>BAU</a:t>
+            </a:r>
+          </a:p>
+        </c:rich>
+      </c:tx>
+      <c:layout/>
+      <c:overlay val="0"/>
+      <c:spPr>
+        <a:noFill/>
+        <a:ln>
+          <a:noFill/>
+        </a:ln>
+        <a:effectLst/>
+      </c:spPr>
+      <c:txPr>
+        <a:bodyPr rot="0" spcFirstLastPara="1" vertOverflow="ellipsis" vert="horz" wrap="square" anchor="ctr" anchorCtr="1"/>
+        <a:lstStyle/>
+        <a:p>
+          <a:pPr>
+            <a:defRPr sz="1400" b="0" i="0" u="none" strike="noStrike" kern="1200" spc="0" baseline="0">
+              <a:solidFill>
+                <a:schemeClr val="tx1">
+                  <a:lumMod val="65000"/>
+                  <a:lumOff val="35000"/>
+                </a:schemeClr>
+              </a:solidFill>
+              <a:latin typeface="+mn-lt"/>
+              <a:ea typeface="+mn-ea"/>
+              <a:cs typeface="+mn-cs"/>
+            </a:defRPr>
+          </a:pPr>
+          <a:endParaRPr lang="sv-SE"/>
+        </a:p>
+      </c:txPr>
+    </c:title>
+    <c:autoTitleDeleted val="0"/>
+    <c:plotArea>
+      <c:layout/>
+      <c:doughnutChart>
+        <c:varyColors val="1"/>
+        <c:ser>
+          <c:idx val="0"/>
+          <c:order val="0"/>
+          <c:tx>
+            <c:strRef>
+              <c:f>'Summary Scenarios'!$C$346</c:f>
+              <c:strCache>
+                <c:ptCount val="1"/>
+                <c:pt idx="0">
+                  <c:v>BAU</c:v>
+                </c:pt>
+              </c:strCache>
+            </c:strRef>
+          </c:tx>
+          <c:dPt>
+            <c:idx val="0"/>
+            <c:bubble3D val="0"/>
+            <c:spPr>
+              <a:solidFill>
+                <a:schemeClr val="accent1"/>
+              </a:solidFill>
+              <a:ln w="19050">
+                <a:solidFill>
+                  <a:schemeClr val="lt1"/>
+                </a:solidFill>
+              </a:ln>
+              <a:effectLst/>
+            </c:spPr>
+            <c:extLst>
+              <c:ext xmlns:c16="http://schemas.microsoft.com/office/drawing/2014/chart" uri="{C3380CC4-5D6E-409C-BE32-E72D297353CC}">
+                <c16:uniqueId val="{00000001-C285-44BE-B186-665CACD05B7A}"/>
+              </c:ext>
+            </c:extLst>
+          </c:dPt>
+          <c:dPt>
+            <c:idx val="1"/>
+            <c:bubble3D val="0"/>
+            <c:spPr>
+              <a:solidFill>
+                <a:schemeClr val="accent2"/>
+              </a:solidFill>
+              <a:ln w="19050">
+                <a:solidFill>
+                  <a:schemeClr val="lt1"/>
+                </a:solidFill>
+              </a:ln>
+              <a:effectLst/>
+            </c:spPr>
+            <c:extLst>
+              <c:ext xmlns:c16="http://schemas.microsoft.com/office/drawing/2014/chart" uri="{C3380CC4-5D6E-409C-BE32-E72D297353CC}">
+                <c16:uniqueId val="{00000003-C285-44BE-B186-665CACD05B7A}"/>
+              </c:ext>
+            </c:extLst>
+          </c:dPt>
+          <c:dPt>
+            <c:idx val="2"/>
+            <c:bubble3D val="0"/>
+            <c:spPr>
+              <a:solidFill>
+                <a:schemeClr val="accent4"/>
+              </a:solidFill>
+              <a:ln w="19050">
+                <a:solidFill>
+                  <a:schemeClr val="lt1"/>
+                </a:solidFill>
+              </a:ln>
+              <a:effectLst/>
+            </c:spPr>
+            <c:extLst>
+              <c:ext xmlns:c16="http://schemas.microsoft.com/office/drawing/2014/chart" uri="{C3380CC4-5D6E-409C-BE32-E72D297353CC}">
+                <c16:uniqueId val="{00000005-C285-44BE-B186-665CACD05B7A}"/>
+              </c:ext>
+            </c:extLst>
+          </c:dPt>
+          <c:dPt>
+            <c:idx val="3"/>
+            <c:bubble3D val="0"/>
+            <c:spPr>
+              <a:solidFill>
+                <a:schemeClr val="accent4">
+                  <a:lumMod val="75000"/>
+                </a:schemeClr>
+              </a:solidFill>
+              <a:ln w="19050">
+                <a:solidFill>
+                  <a:schemeClr val="lt1"/>
+                </a:solidFill>
+              </a:ln>
+              <a:effectLst/>
+            </c:spPr>
+            <c:extLst>
+              <c:ext xmlns:c16="http://schemas.microsoft.com/office/drawing/2014/chart" uri="{C3380CC4-5D6E-409C-BE32-E72D297353CC}">
+                <c16:uniqueId val="{00000007-C285-44BE-B186-665CACD05B7A}"/>
+              </c:ext>
+            </c:extLst>
+          </c:dPt>
+          <c:dPt>
+            <c:idx val="4"/>
+            <c:bubble3D val="0"/>
+            <c:spPr>
+              <a:solidFill>
+                <a:schemeClr val="accent5"/>
+              </a:solidFill>
+              <a:ln w="19050">
+                <a:solidFill>
+                  <a:schemeClr val="lt1"/>
+                </a:solidFill>
+              </a:ln>
+              <a:effectLst/>
+            </c:spPr>
+            <c:extLst>
+              <c:ext xmlns:c16="http://schemas.microsoft.com/office/drawing/2014/chart" uri="{C3380CC4-5D6E-409C-BE32-E72D297353CC}">
+                <c16:uniqueId val="{00000009-C285-44BE-B186-665CACD05B7A}"/>
+              </c:ext>
+            </c:extLst>
+          </c:dPt>
+          <c:dPt>
+            <c:idx val="5"/>
+            <c:bubble3D val="0"/>
+            <c:spPr>
+              <a:solidFill>
+                <a:schemeClr val="accent2">
+                  <a:lumMod val="75000"/>
+                </a:schemeClr>
+              </a:solidFill>
+              <a:ln w="19050">
+                <a:solidFill>
+                  <a:schemeClr val="lt1"/>
+                </a:solidFill>
+              </a:ln>
+              <a:effectLst/>
+            </c:spPr>
+            <c:extLst>
+              <c:ext xmlns:c16="http://schemas.microsoft.com/office/drawing/2014/chart" uri="{C3380CC4-5D6E-409C-BE32-E72D297353CC}">
+                <c16:uniqueId val="{0000000B-C285-44BE-B186-665CACD05B7A}"/>
+              </c:ext>
+            </c:extLst>
+          </c:dPt>
+          <c:dPt>
+            <c:idx val="6"/>
+            <c:bubble3D val="0"/>
+            <c:spPr>
+              <a:solidFill>
+                <a:schemeClr val="accent1">
+                  <a:lumMod val="60000"/>
+                </a:schemeClr>
+              </a:solidFill>
+              <a:ln w="19050">
+                <a:solidFill>
+                  <a:schemeClr val="lt1"/>
+                </a:solidFill>
+              </a:ln>
+              <a:effectLst/>
+            </c:spPr>
+            <c:extLst>
+              <c:ext xmlns:c16="http://schemas.microsoft.com/office/drawing/2014/chart" uri="{C3380CC4-5D6E-409C-BE32-E72D297353CC}">
+                <c16:uniqueId val="{0000000D-C285-44BE-B186-665CACD05B7A}"/>
+              </c:ext>
+            </c:extLst>
+          </c:dPt>
+          <c:dPt>
+            <c:idx val="7"/>
+            <c:bubble3D val="0"/>
+            <c:spPr>
+              <a:solidFill>
+                <a:schemeClr val="bg2">
+                  <a:lumMod val="50000"/>
+                </a:schemeClr>
+              </a:solidFill>
+              <a:ln w="19050">
+                <a:solidFill>
+                  <a:schemeClr val="lt1"/>
+                </a:solidFill>
+              </a:ln>
+              <a:effectLst/>
+            </c:spPr>
+            <c:extLst>
+              <c:ext xmlns:c16="http://schemas.microsoft.com/office/drawing/2014/chart" uri="{C3380CC4-5D6E-409C-BE32-E72D297353CC}">
+                <c16:uniqueId val="{0000000F-C285-44BE-B186-665CACD05B7A}"/>
+              </c:ext>
+            </c:extLst>
+          </c:dPt>
+          <c:dPt>
+            <c:idx val="8"/>
+            <c:bubble3D val="0"/>
+            <c:spPr>
+              <a:solidFill>
+                <a:schemeClr val="accent3">
+                  <a:lumMod val="60000"/>
+                </a:schemeClr>
+              </a:solidFill>
+              <a:ln w="19050">
+                <a:solidFill>
+                  <a:schemeClr val="lt1"/>
+                </a:solidFill>
+              </a:ln>
+              <a:effectLst/>
+            </c:spPr>
+            <c:extLst>
+              <c:ext xmlns:c16="http://schemas.microsoft.com/office/drawing/2014/chart" uri="{C3380CC4-5D6E-409C-BE32-E72D297353CC}">
+                <c16:uniqueId val="{00000011-C285-44BE-B186-665CACD05B7A}"/>
+              </c:ext>
+            </c:extLst>
+          </c:dPt>
+          <c:dPt>
+            <c:idx val="9"/>
+            <c:bubble3D val="0"/>
+            <c:spPr>
+              <a:solidFill>
+                <a:schemeClr val="accent4">
+                  <a:lumMod val="60000"/>
+                </a:schemeClr>
+              </a:solidFill>
+              <a:ln w="19050">
+                <a:solidFill>
+                  <a:schemeClr val="lt1"/>
+                </a:solidFill>
+              </a:ln>
+              <a:effectLst/>
+            </c:spPr>
+            <c:extLst>
+              <c:ext xmlns:c16="http://schemas.microsoft.com/office/drawing/2014/chart" uri="{C3380CC4-5D6E-409C-BE32-E72D297353CC}">
+                <c16:uniqueId val="{00000013-C285-44BE-B186-665CACD05B7A}"/>
+              </c:ext>
+            </c:extLst>
+          </c:dPt>
+          <c:cat>
+            <c:strRef>
+              <c:f>'Summary Scenarios'!$B$347:$B$356</c:f>
+              <c:strCache>
+                <c:ptCount val="9"/>
+                <c:pt idx="0">
+                  <c:v>Biomass</c:v>
+                </c:pt>
+                <c:pt idx="1">
+                  <c:v>Wind</c:v>
+                </c:pt>
+                <c:pt idx="2">
+                  <c:v>Solar</c:v>
+                </c:pt>
+                <c:pt idx="3">
+                  <c:v>Geothermal</c:v>
+                </c:pt>
+                <c:pt idx="4">
+                  <c:v>Hydro</c:v>
+                </c:pt>
+                <c:pt idx="5">
+                  <c:v>Diesel</c:v>
+                </c:pt>
+                <c:pt idx="6">
+                  <c:v>Gas</c:v>
+                </c:pt>
+                <c:pt idx="7">
+                  <c:v>Coal</c:v>
+                </c:pt>
+                <c:pt idx="8">
+                  <c:v>Renewable Share</c:v>
+                </c:pt>
+              </c:strCache>
+            </c:strRef>
+          </c:cat>
+          <c:val>
+            <c:numRef>
+              <c:f>'Summary Scenarios'!$C$347:$C$356</c:f>
+              <c:numCache>
+                <c:formatCode>_(* #\ ##0_);_(* \(#\ ##0\);_(* "-"??_);_(@_)</c:formatCode>
+                <c:ptCount val="10"/>
+                <c:pt idx="0">
+                  <c:v>89.899999999999991</c:v>
+                </c:pt>
+                <c:pt idx="1">
+                  <c:v>0</c:v>
+                </c:pt>
+                <c:pt idx="2">
+                  <c:v>2256.4</c:v>
+                </c:pt>
+                <c:pt idx="3">
+                  <c:v>2901.3</c:v>
+                </c:pt>
+                <c:pt idx="4">
+                  <c:v>11374.3</c:v>
+                </c:pt>
+                <c:pt idx="5">
+                  <c:v>300.59999999999997</c:v>
+                </c:pt>
+                <c:pt idx="6">
+                  <c:v>5983.9</c:v>
+                </c:pt>
+                <c:pt idx="7">
+                  <c:v>58682.7</c:v>
+                </c:pt>
+              </c:numCache>
+            </c:numRef>
+          </c:val>
+          <c:extLst>
+            <c:ext xmlns:c16="http://schemas.microsoft.com/office/drawing/2014/chart" uri="{C3380CC4-5D6E-409C-BE32-E72D297353CC}">
+              <c16:uniqueId val="{00000014-C285-44BE-B186-665CACD05B7A}"/>
+            </c:ext>
+          </c:extLst>
+        </c:ser>
+        <c:ser>
+          <c:idx val="1"/>
+          <c:order val="1"/>
+          <c:tx>
+            <c:strRef>
+              <c:f>'Summary Scenarios'!$D$346</c:f>
+              <c:strCache>
+                <c:ptCount val="1"/>
+              </c:strCache>
+            </c:strRef>
+          </c:tx>
+          <c:dPt>
+            <c:idx val="0"/>
+            <c:bubble3D val="0"/>
+            <c:spPr>
+              <a:solidFill>
+                <a:schemeClr val="accent1"/>
+              </a:solidFill>
+              <a:ln w="19050">
+                <a:solidFill>
+                  <a:schemeClr val="lt1"/>
+                </a:solidFill>
+              </a:ln>
+              <a:effectLst/>
+            </c:spPr>
+            <c:extLst>
+              <c:ext xmlns:c16="http://schemas.microsoft.com/office/drawing/2014/chart" uri="{C3380CC4-5D6E-409C-BE32-E72D297353CC}">
+                <c16:uniqueId val="{00000016-C285-44BE-B186-665CACD05B7A}"/>
+              </c:ext>
+            </c:extLst>
+          </c:dPt>
+          <c:dPt>
+            <c:idx val="1"/>
+            <c:bubble3D val="0"/>
+            <c:spPr>
+              <a:solidFill>
+                <a:schemeClr val="accent2"/>
+              </a:solidFill>
+              <a:ln w="19050">
+                <a:solidFill>
+                  <a:schemeClr val="lt1"/>
+                </a:solidFill>
+              </a:ln>
+              <a:effectLst/>
+            </c:spPr>
+            <c:extLst>
+              <c:ext xmlns:c16="http://schemas.microsoft.com/office/drawing/2014/chart" uri="{C3380CC4-5D6E-409C-BE32-E72D297353CC}">
+                <c16:uniqueId val="{00000018-C285-44BE-B186-665CACD05B7A}"/>
+              </c:ext>
+            </c:extLst>
+          </c:dPt>
+          <c:dPt>
+            <c:idx val="2"/>
+            <c:bubble3D val="0"/>
+            <c:spPr>
+              <a:solidFill>
+                <a:schemeClr val="accent3"/>
+              </a:solidFill>
+              <a:ln w="19050">
+                <a:solidFill>
+                  <a:schemeClr val="lt1"/>
+                </a:solidFill>
+              </a:ln>
+              <a:effectLst/>
+            </c:spPr>
+            <c:extLst>
+              <c:ext xmlns:c16="http://schemas.microsoft.com/office/drawing/2014/chart" uri="{C3380CC4-5D6E-409C-BE32-E72D297353CC}">
+                <c16:uniqueId val="{0000001A-C285-44BE-B186-665CACD05B7A}"/>
+              </c:ext>
+            </c:extLst>
+          </c:dPt>
+          <c:dPt>
+            <c:idx val="3"/>
+            <c:bubble3D val="0"/>
+            <c:spPr>
+              <a:solidFill>
+                <a:schemeClr val="accent4"/>
+              </a:solidFill>
+              <a:ln w="19050">
+                <a:solidFill>
+                  <a:schemeClr val="lt1"/>
+                </a:solidFill>
+              </a:ln>
+              <a:effectLst/>
+            </c:spPr>
+            <c:extLst>
+              <c:ext xmlns:c16="http://schemas.microsoft.com/office/drawing/2014/chart" uri="{C3380CC4-5D6E-409C-BE32-E72D297353CC}">
+                <c16:uniqueId val="{0000001C-C285-44BE-B186-665CACD05B7A}"/>
+              </c:ext>
+            </c:extLst>
+          </c:dPt>
+          <c:dPt>
+            <c:idx val="4"/>
+            <c:bubble3D val="0"/>
+            <c:spPr>
+              <a:solidFill>
+                <a:schemeClr val="accent5"/>
+              </a:solidFill>
+              <a:ln w="19050">
+                <a:solidFill>
+                  <a:schemeClr val="lt1"/>
+                </a:solidFill>
+              </a:ln>
+              <a:effectLst/>
+            </c:spPr>
+            <c:extLst>
+              <c:ext xmlns:c16="http://schemas.microsoft.com/office/drawing/2014/chart" uri="{C3380CC4-5D6E-409C-BE32-E72D297353CC}">
+                <c16:uniqueId val="{0000001E-C285-44BE-B186-665CACD05B7A}"/>
+              </c:ext>
+            </c:extLst>
+          </c:dPt>
+          <c:dPt>
+            <c:idx val="5"/>
+            <c:bubble3D val="0"/>
+            <c:spPr>
+              <a:solidFill>
+                <a:schemeClr val="accent6"/>
+              </a:solidFill>
+              <a:ln w="19050">
+                <a:solidFill>
+                  <a:schemeClr val="lt1"/>
+                </a:solidFill>
+              </a:ln>
+              <a:effectLst/>
+            </c:spPr>
+            <c:extLst>
+              <c:ext xmlns:c16="http://schemas.microsoft.com/office/drawing/2014/chart" uri="{C3380CC4-5D6E-409C-BE32-E72D297353CC}">
+                <c16:uniqueId val="{00000020-C285-44BE-B186-665CACD05B7A}"/>
+              </c:ext>
+            </c:extLst>
+          </c:dPt>
+          <c:dPt>
+            <c:idx val="6"/>
+            <c:bubble3D val="0"/>
+            <c:spPr>
+              <a:solidFill>
+                <a:schemeClr val="accent1">
+                  <a:lumMod val="60000"/>
+                </a:schemeClr>
+              </a:solidFill>
+              <a:ln w="19050">
+                <a:solidFill>
+                  <a:schemeClr val="lt1"/>
+                </a:solidFill>
+              </a:ln>
+              <a:effectLst/>
+            </c:spPr>
+            <c:extLst>
+              <c:ext xmlns:c16="http://schemas.microsoft.com/office/drawing/2014/chart" uri="{C3380CC4-5D6E-409C-BE32-E72D297353CC}">
+                <c16:uniqueId val="{00000022-C285-44BE-B186-665CACD05B7A}"/>
+              </c:ext>
+            </c:extLst>
+          </c:dPt>
+          <c:dPt>
+            <c:idx val="7"/>
+            <c:bubble3D val="0"/>
+            <c:spPr>
+              <a:solidFill>
+                <a:schemeClr val="accent2">
+                  <a:lumMod val="60000"/>
+                </a:schemeClr>
+              </a:solidFill>
+              <a:ln w="19050">
+                <a:solidFill>
+                  <a:schemeClr val="lt1"/>
+                </a:solidFill>
+              </a:ln>
+              <a:effectLst/>
+            </c:spPr>
+            <c:extLst>
+              <c:ext xmlns:c16="http://schemas.microsoft.com/office/drawing/2014/chart" uri="{C3380CC4-5D6E-409C-BE32-E72D297353CC}">
+                <c16:uniqueId val="{00000024-C285-44BE-B186-665CACD05B7A}"/>
+              </c:ext>
+            </c:extLst>
+          </c:dPt>
+          <c:dPt>
+            <c:idx val="8"/>
+            <c:bubble3D val="0"/>
+            <c:spPr>
+              <a:solidFill>
+                <a:schemeClr val="accent6">
+                  <a:lumMod val="60000"/>
+                  <a:lumOff val="40000"/>
+                </a:schemeClr>
+              </a:solidFill>
+              <a:ln w="19050">
+                <a:solidFill>
+                  <a:schemeClr val="lt1"/>
+                </a:solidFill>
+              </a:ln>
+              <a:effectLst/>
+            </c:spPr>
+            <c:extLst>
+              <c:ext xmlns:c16="http://schemas.microsoft.com/office/drawing/2014/chart" uri="{C3380CC4-5D6E-409C-BE32-E72D297353CC}">
+                <c16:uniqueId val="{00000026-C285-44BE-B186-665CACD05B7A}"/>
+              </c:ext>
+            </c:extLst>
+          </c:dPt>
+          <c:dPt>
+            <c:idx val="9"/>
+            <c:bubble3D val="0"/>
+            <c:spPr>
+              <a:noFill/>
+              <a:ln w="19050">
+                <a:solidFill>
+                  <a:schemeClr val="lt1"/>
+                </a:solidFill>
+              </a:ln>
+              <a:effectLst/>
+            </c:spPr>
+            <c:extLst>
+              <c:ext xmlns:c16="http://schemas.microsoft.com/office/drawing/2014/chart" uri="{C3380CC4-5D6E-409C-BE32-E72D297353CC}">
+                <c16:uniqueId val="{00000028-C285-44BE-B186-665CACD05B7A}"/>
+              </c:ext>
+            </c:extLst>
+          </c:dPt>
+          <c:cat>
+            <c:strRef>
+              <c:f>'Summary Scenarios'!$B$347:$B$356</c:f>
+              <c:strCache>
+                <c:ptCount val="9"/>
+                <c:pt idx="0">
+                  <c:v>Biomass</c:v>
+                </c:pt>
+                <c:pt idx="1">
+                  <c:v>Wind</c:v>
+                </c:pt>
+                <c:pt idx="2">
+                  <c:v>Solar</c:v>
+                </c:pt>
+                <c:pt idx="3">
+                  <c:v>Geothermal</c:v>
+                </c:pt>
+                <c:pt idx="4">
+                  <c:v>Hydro</c:v>
+                </c:pt>
+                <c:pt idx="5">
+                  <c:v>Diesel</c:v>
+                </c:pt>
+                <c:pt idx="6">
+                  <c:v>Gas</c:v>
+                </c:pt>
+                <c:pt idx="7">
+                  <c:v>Coal</c:v>
+                </c:pt>
+                <c:pt idx="8">
+                  <c:v>Renewable Share</c:v>
+                </c:pt>
+              </c:strCache>
+            </c:strRef>
+          </c:cat>
+          <c:val>
+            <c:numRef>
+              <c:f>'Summary Scenarios'!$D$347:$D$356</c:f>
+              <c:numCache>
+                <c:formatCode>General</c:formatCode>
+                <c:ptCount val="10"/>
+                <c:pt idx="8" formatCode="_(* #\ ##0_);_(* \(#\ ##0\);_(* &quot;-&quot;??_);_(@_)">
+                  <c:v>16621.900000000001</c:v>
+                </c:pt>
+                <c:pt idx="9" formatCode="_(* #\ ##0_);_(* \(#\ ##0\);_(* &quot;-&quot;??_);_(@_)">
+                  <c:v>64967.199999999997</c:v>
+                </c:pt>
+              </c:numCache>
+            </c:numRef>
+          </c:val>
+          <c:extLst>
+            <c:ext xmlns:c16="http://schemas.microsoft.com/office/drawing/2014/chart" uri="{C3380CC4-5D6E-409C-BE32-E72D297353CC}">
+              <c16:uniqueId val="{00000029-C285-44BE-B186-665CACD05B7A}"/>
+            </c:ext>
+          </c:extLst>
+        </c:ser>
+        <c:dLbls>
+          <c:showLegendKey val="0"/>
+          <c:showVal val="0"/>
+          <c:showCatName val="0"/>
+          <c:showSerName val="0"/>
+          <c:showPercent val="0"/>
+          <c:showBubbleSize val="0"/>
+          <c:showLeaderLines val="1"/>
+        </c:dLbls>
+        <c:firstSliceAng val="0"/>
+        <c:holeSize val="42"/>
+      </c:doughnutChart>
+      <c:spPr>
+        <a:noFill/>
+        <a:ln>
+          <a:noFill/>
+        </a:ln>
+        <a:effectLst/>
+      </c:spPr>
+    </c:plotArea>
+    <c:legend>
+      <c:legendPos val="b"/>
+      <c:legendEntry>
+        <c:idx val="9"/>
+        <c:delete val="1"/>
+      </c:legendEntry>
+      <c:layout/>
+      <c:overlay val="0"/>
+      <c:spPr>
+        <a:noFill/>
+        <a:ln>
+          <a:noFill/>
+        </a:ln>
+        <a:effectLst/>
+      </c:spPr>
+      <c:txPr>
+        <a:bodyPr rot="0" spcFirstLastPara="1" vertOverflow="ellipsis" vert="horz" wrap="square" anchor="ctr" anchorCtr="1"/>
+        <a:lstStyle/>
+        <a:p>
+          <a:pPr>
+            <a:defRPr sz="900" b="0" i="0" u="none" strike="noStrike" kern="1200" baseline="0">
+              <a:solidFill>
+                <a:schemeClr val="tx1">
+                  <a:lumMod val="65000"/>
+                  <a:lumOff val="35000"/>
+                </a:schemeClr>
+              </a:solidFill>
+              <a:latin typeface="+mn-lt"/>
+              <a:ea typeface="+mn-ea"/>
+              <a:cs typeface="+mn-cs"/>
+            </a:defRPr>
+          </a:pPr>
+          <a:endParaRPr lang="sv-SE"/>
+        </a:p>
+      </c:txPr>
+    </c:legend>
+    <c:plotVisOnly val="1"/>
+    <c:dispBlanksAs val="gap"/>
+    <c:showDLblsOverMax val="0"/>
+  </c:chart>
+  <c:spPr>
+    <a:noFill/>
+    <a:ln>
+      <a:noFill/>
+    </a:ln>
+    <a:effectLst/>
+  </c:spPr>
+  <c:txPr>
+    <a:bodyPr/>
+    <a:lstStyle/>
+    <a:p>
+      <a:pPr>
+        <a:defRPr/>
+      </a:pPr>
+      <a:endParaRPr lang="sv-SE"/>
+    </a:p>
+  </c:txPr>
+  <c:externalData r:id="rId3">
+    <c:autoUpdate val="0"/>
+  </c:externalData>
+</c:chartSpace>
+</file>
+
+<file path=ppt/charts/colors1.xml><?xml version="1.0" encoding="utf-8"?>
+<cs:colorStyle xmlns:cs="http://schemas.microsoft.com/office/drawing/2012/chartStyle" xmlns:a="http://schemas.openxmlformats.org/drawingml/2006/main" meth="cycle" id="10">
+  <a:schemeClr val="accent1"/>
+  <a:schemeClr val="accent2"/>
+  <a:schemeClr val="accent3"/>
+  <a:schemeClr val="accent4"/>
+  <a:schemeClr val="accent5"/>
+  <a:schemeClr val="accent6"/>
+  <cs:variation/>
+  <cs:variation>
+    <a:lumMod val="60000"/>
+  </cs:variation>
+  <cs:variation>
+    <a:lumMod val="80000"/>
+    <a:lumOff val="20000"/>
+  </cs:variation>
+  <cs:variation>
+    <a:lumMod val="80000"/>
+  </cs:variation>
+  <cs:variation>
+    <a:lumMod val="60000"/>
+    <a:lumOff val="40000"/>
+  </cs:variation>
+  <cs:variation>
+    <a:lumMod val="50000"/>
+  </cs:variation>
+  <cs:variation>
+    <a:lumMod val="70000"/>
+    <a:lumOff val="30000"/>
+  </cs:variation>
+  <cs:variation>
+    <a:lumMod val="70000"/>
+  </cs:variation>
+  <cs:variation>
+    <a:lumMod val="50000"/>
+    <a:lumOff val="50000"/>
+  </cs:variation>
+</cs:colorStyle>
+</file>
+
+<file path=ppt/charts/style1.xml><?xml version="1.0" encoding="utf-8"?>
+<cs:chartStyle xmlns:cs="http://schemas.microsoft.com/office/drawing/2012/chartStyle" xmlns:a="http://schemas.openxmlformats.org/drawingml/2006/main" id="251">
+  <cs:axisTitle>
+    <cs:lnRef idx="0"/>
+    <cs:fillRef idx="0"/>
+    <cs:effectRef idx="0"/>
+    <cs:fontRef idx="minor">
+      <a:schemeClr val="tx1">
+        <a:lumMod val="65000"/>
+        <a:lumOff val="35000"/>
+      </a:schemeClr>
+    </cs:fontRef>
+    <cs:defRPr sz="1000" kern="1200"/>
+  </cs:axisTitle>
+  <cs:categoryAxis>
+    <cs:lnRef idx="0"/>
+    <cs:fillRef idx="0"/>
+    <cs:effectRef idx="0"/>
+    <cs:fontRef idx="minor">
+      <a:schemeClr val="tx1">
+        <a:lumMod val="65000"/>
+        <a:lumOff val="35000"/>
+      </a:schemeClr>
+    </cs:fontRef>
+    <cs:spPr>
+      <a:ln w="9525" cap="flat" cmpd="sng" algn="ctr">
+        <a:solidFill>
+          <a:schemeClr val="tx1">
+            <a:lumMod val="15000"/>
+            <a:lumOff val="85000"/>
+          </a:schemeClr>
+        </a:solidFill>
+        <a:round/>
+      </a:ln>
+    </cs:spPr>
+    <cs:defRPr sz="900" kern="1200"/>
+  </cs:categoryAxis>
+  <cs:chartArea mods="allowNoFillOverride allowNoLineOverride">
+    <cs:lnRef idx="0"/>
+    <cs:fillRef idx="0"/>
+    <cs:effectRef idx="0"/>
+    <cs:fontRef idx="minor">
+      <a:schemeClr val="tx1"/>
+    </cs:fontRef>
+    <cs:spPr>
+      <a:solidFill>
+        <a:schemeClr val="bg1"/>
+      </a:solidFill>
+      <a:ln w="9525" cap="flat" cmpd="sng" algn="ctr">
+        <a:solidFill>
+          <a:schemeClr val="tx1">
+            <a:lumMod val="15000"/>
+            <a:lumOff val="85000"/>
+          </a:schemeClr>
+        </a:solidFill>
+        <a:round/>
+      </a:ln>
+    </cs:spPr>
+    <cs:defRPr sz="900" kern="1200"/>
+  </cs:chartArea>
+  <cs:dataLabel>
+    <cs:lnRef idx="0"/>
+    <cs:fillRef idx="0"/>
+    <cs:effectRef idx="0"/>
+    <cs:fontRef idx="minor">
+      <a:schemeClr val="tx1">
+        <a:lumMod val="75000"/>
+        <a:lumOff val="25000"/>
+      </a:schemeClr>
+    </cs:fontRef>
+    <cs:defRPr sz="900" kern="1200"/>
+  </cs:dataLabel>
+  <cs:dataLabelCallout>
+    <cs:lnRef idx="0"/>
+    <cs:fillRef idx="0"/>
+    <cs:effectRef idx="0"/>
+    <cs:fontRef idx="minor">
+      <a:schemeClr val="dk1">
+        <a:lumMod val="65000"/>
+        <a:lumOff val="35000"/>
+      </a:schemeClr>
+    </cs:fontRef>
+    <cs:spPr>
+      <a:solidFill>
+        <a:schemeClr val="lt1"/>
+      </a:solidFill>
+      <a:ln>
+        <a:solidFill>
+          <a:schemeClr val="dk1">
+            <a:lumMod val="25000"/>
+            <a:lumOff val="75000"/>
+          </a:schemeClr>
+        </a:solidFill>
+      </a:ln>
+    </cs:spPr>
+    <cs:defRPr sz="900" kern="1200"/>
+    <cs:bodyPr rot="0" spcFirstLastPara="1" vertOverflow="clip" horzOverflow="clip" vert="horz" wrap="square" lIns="36576" tIns="18288" rIns="36576" bIns="18288" anchor="ctr" anchorCtr="1">
+      <a:spAutoFit/>
+    </cs:bodyPr>
+  </cs:dataLabelCallout>
+  <cs:dataPoint>
+    <cs:lnRef idx="0"/>
+    <cs:fillRef idx="1">
+      <cs:styleClr val="auto"/>
+    </cs:fillRef>
+    <cs:effectRef idx="0"/>
+    <cs:fontRef idx="minor">
+      <a:schemeClr val="tx1"/>
+    </cs:fontRef>
+    <cs:spPr>
+      <a:ln w="19050">
+        <a:solidFill>
+          <a:schemeClr val="lt1"/>
+        </a:solidFill>
+      </a:ln>
+    </cs:spPr>
+  </cs:dataPoint>
+  <cs:dataPoint3D>
+    <cs:lnRef idx="0"/>
+    <cs:fillRef idx="1">
+      <cs:styleClr val="auto"/>
+    </cs:fillRef>
+    <cs:effectRef idx="0"/>
+    <cs:fontRef idx="minor">
+      <a:schemeClr val="tx1"/>
+    </cs:fontRef>
+    <cs:spPr>
+      <a:ln w="25400">
+        <a:solidFill>
+          <a:schemeClr val="lt1"/>
+        </a:solidFill>
+      </a:ln>
+    </cs:spPr>
+  </cs:dataPoint3D>
+  <cs:dataPointLine>
+    <cs:lnRef idx="0">
+      <cs:styleClr val="auto"/>
+    </cs:lnRef>
+    <cs:fillRef idx="0"/>
+    <cs:effectRef idx="0"/>
+    <cs:fontRef idx="minor">
+      <a:schemeClr val="tx1"/>
+    </cs:fontRef>
+    <cs:spPr>
+      <a:ln w="28575" cap="rnd">
+        <a:solidFill>
+          <a:schemeClr val="phClr"/>
+        </a:solidFill>
+        <a:round/>
+      </a:ln>
+    </cs:spPr>
+  </cs:dataPointLine>
+  <cs:dataPointMarker>
+    <cs:lnRef idx="0">
+      <cs:styleClr val="auto"/>
+    </cs:lnRef>
+    <cs:fillRef idx="1">
+      <cs:styleClr val="auto"/>
+    </cs:fillRef>
+    <cs:effectRef idx="0"/>
+    <cs:fontRef idx="minor">
+      <a:schemeClr val="tx1"/>
+    </cs:fontRef>
+    <cs:spPr>
+      <a:ln w="9525">
+        <a:solidFill>
+          <a:schemeClr val="phClr"/>
+        </a:solidFill>
+      </a:ln>
+    </cs:spPr>
+  </cs:dataPointMarker>
+  <cs:dataPointMarkerLayout symbol="circle" size="5"/>
+  <cs:dataPointWireframe>
+    <cs:lnRef idx="0">
+      <cs:styleClr val="auto"/>
+    </cs:lnRef>
+    <cs:fillRef idx="0"/>
+    <cs:effectRef idx="0"/>
+    <cs:fontRef idx="minor">
+      <a:schemeClr val="tx1"/>
+    </cs:fontRef>
+    <cs:spPr>
+      <a:ln w="9525" cap="rnd">
+        <a:solidFill>
+          <a:schemeClr val="phClr"/>
+        </a:solidFill>
+        <a:round/>
+      </a:ln>
+    </cs:spPr>
+  </cs:dataPointWireframe>
+  <cs:dataTable>
+    <cs:lnRef idx="0"/>
+    <cs:fillRef idx="0"/>
+    <cs:effectRef idx="0"/>
+    <cs:fontRef idx="minor">
+      <a:schemeClr val="tx1">
+        <a:lumMod val="65000"/>
+        <a:lumOff val="35000"/>
+      </a:schemeClr>
+    </cs:fontRef>
+    <cs:spPr>
+      <a:noFill/>
+      <a:ln w="9525" cap="flat" cmpd="sng" algn="ctr">
+        <a:solidFill>
+          <a:schemeClr val="tx1">
+            <a:lumMod val="15000"/>
+            <a:lumOff val="85000"/>
+          </a:schemeClr>
+        </a:solidFill>
+        <a:round/>
+      </a:ln>
+    </cs:spPr>
+    <cs:defRPr sz="900" kern="1200"/>
+  </cs:dataTable>
+  <cs:downBar>
+    <cs:lnRef idx="0"/>
+    <cs:fillRef idx="0"/>
+    <cs:effectRef idx="0"/>
+    <cs:fontRef idx="minor">
+      <a:schemeClr val="tx1"/>
+    </cs:fontRef>
+    <cs:spPr>
+      <a:solidFill>
+        <a:schemeClr val="dk1">
+          <a:lumMod val="75000"/>
+          <a:lumOff val="25000"/>
+        </a:schemeClr>
+      </a:solidFill>
+      <a:ln w="9525" cap="flat" cmpd="sng" algn="ctr">
+        <a:solidFill>
+          <a:schemeClr val="tx1">
+            <a:lumMod val="65000"/>
+            <a:lumOff val="35000"/>
+          </a:schemeClr>
+        </a:solidFill>
+        <a:round/>
+      </a:ln>
+    </cs:spPr>
+  </cs:downBar>
+  <cs:dropLine>
+    <cs:lnRef idx="0"/>
+    <cs:fillRef idx="0"/>
+    <cs:effectRef idx="0"/>
+    <cs:fontRef idx="minor">
+      <a:schemeClr val="tx1"/>
+    </cs:fontRef>
+    <cs:spPr>
+      <a:ln w="9525" cap="flat" cmpd="sng" algn="ctr">
+        <a:solidFill>
+          <a:schemeClr val="tx1">
+            <a:lumMod val="35000"/>
+            <a:lumOff val="65000"/>
+          </a:schemeClr>
+        </a:solidFill>
+        <a:round/>
+      </a:ln>
+    </cs:spPr>
+  </cs:dropLine>
+  <cs:errorBar>
+    <cs:lnRef idx="0"/>
+    <cs:fillRef idx="0"/>
+    <cs:effectRef idx="0"/>
+    <cs:fontRef idx="minor">
+      <a:schemeClr val="tx1"/>
+    </cs:fontRef>
+    <cs:spPr>
+      <a:ln w="9525" cap="flat" cmpd="sng" algn="ctr">
+        <a:solidFill>
+          <a:schemeClr val="tx1">
+            <a:lumMod val="65000"/>
+            <a:lumOff val="35000"/>
+          </a:schemeClr>
+        </a:solidFill>
+        <a:round/>
+      </a:ln>
+    </cs:spPr>
+  </cs:errorBar>
+  <cs:floor>
+    <cs:lnRef idx="0"/>
+    <cs:fillRef idx="0"/>
+    <cs:effectRef idx="0"/>
+    <cs:fontRef idx="minor">
+      <a:schemeClr val="tx1"/>
+    </cs:fontRef>
+    <cs:spPr>
+      <a:noFill/>
+      <a:ln>
+        <a:noFill/>
+      </a:ln>
+    </cs:spPr>
+  </cs:floor>
+  <cs:gridlineMajor>
+    <cs:lnRef idx="0"/>
+    <cs:fillRef idx="0"/>
+    <cs:effectRef idx="0"/>
+    <cs:fontRef idx="minor">
+      <a:schemeClr val="tx1"/>
+    </cs:fontRef>
+    <cs:spPr>
+      <a:ln w="9525" cap="flat" cmpd="sng" algn="ctr">
+        <a:solidFill>
+          <a:schemeClr val="tx1">
+            <a:lumMod val="15000"/>
+            <a:lumOff val="85000"/>
+          </a:schemeClr>
+        </a:solidFill>
+        <a:round/>
+      </a:ln>
+    </cs:spPr>
+  </cs:gridlineMajor>
+  <cs:gridlineMinor>
+    <cs:lnRef idx="0"/>
+    <cs:fillRef idx="0"/>
+    <cs:effectRef idx="0"/>
+    <cs:fontRef idx="minor">
+      <a:schemeClr val="tx1"/>
+    </cs:fontRef>
+    <cs:spPr>
+      <a:ln w="9525" cap="flat" cmpd="sng" algn="ctr">
+        <a:solidFill>
+          <a:schemeClr val="tx1">
+            <a:lumMod val="5000"/>
+            <a:lumOff val="95000"/>
+          </a:schemeClr>
+        </a:solidFill>
+        <a:round/>
+      </a:ln>
+    </cs:spPr>
+  </cs:gridlineMinor>
+  <cs:hiLoLine>
+    <cs:lnRef idx="0"/>
+    <cs:fillRef idx="0"/>
+    <cs:effectRef idx="0"/>
+    <cs:fontRef idx="minor">
+      <a:schemeClr val="tx1"/>
+    </cs:fontRef>
+    <cs:spPr>
+      <a:ln w="9525" cap="flat" cmpd="sng" algn="ctr">
+        <a:solidFill>
+          <a:schemeClr val="tx1">
+            <a:lumMod val="50000"/>
+            <a:lumOff val="50000"/>
+          </a:schemeClr>
+        </a:solidFill>
+        <a:round/>
+      </a:ln>
+    </cs:spPr>
+  </cs:hiLoLine>
+  <cs:leaderLine>
+    <cs:lnRef idx="0"/>
+    <cs:fillRef idx="0"/>
+    <cs:effectRef idx="0"/>
+    <cs:fontRef idx="minor">
+      <a:schemeClr val="tx1"/>
+    </cs:fontRef>
+    <cs:spPr>
+      <a:ln w="9525" cap="flat" cmpd="sng" algn="ctr">
+        <a:solidFill>
+          <a:schemeClr val="tx1">
+            <a:lumMod val="35000"/>
+            <a:lumOff val="65000"/>
+          </a:schemeClr>
+        </a:solidFill>
+        <a:round/>
+      </a:ln>
+    </cs:spPr>
+  </cs:leaderLine>
+  <cs:legend>
+    <cs:lnRef idx="0"/>
+    <cs:fillRef idx="0"/>
+    <cs:effectRef idx="0"/>
+    <cs:fontRef idx="minor">
+      <a:schemeClr val="tx1">
+        <a:lumMod val="65000"/>
+        <a:lumOff val="35000"/>
+      </a:schemeClr>
+    </cs:fontRef>
+    <cs:defRPr sz="900" kern="1200"/>
+  </cs:legend>
+  <cs:plotArea mods="allowNoFillOverride allowNoLineOverride">
+    <cs:lnRef idx="0"/>
+    <cs:fillRef idx="0"/>
+    <cs:effectRef idx="0"/>
+    <cs:fontRef idx="minor">
+      <a:schemeClr val="tx1"/>
+    </cs:fontRef>
+  </cs:plotArea>
+  <cs:plotArea3D mods="allowNoFillOverride allowNoLineOverride">
+    <cs:lnRef idx="0"/>
+    <cs:fillRef idx="0"/>
+    <cs:effectRef idx="0"/>
+    <cs:fontRef idx="minor">
+      <a:schemeClr val="tx1"/>
+    </cs:fontRef>
+  </cs:plotArea3D>
+  <cs:seriesAxis>
+    <cs:lnRef idx="0"/>
+    <cs:fillRef idx="0"/>
+    <cs:effectRef idx="0"/>
+    <cs:fontRef idx="minor">
+      <a:schemeClr val="tx1">
+        <a:lumMod val="65000"/>
+        <a:lumOff val="35000"/>
+      </a:schemeClr>
+    </cs:fontRef>
+    <cs:defRPr sz="900" kern="1200"/>
+  </cs:seriesAxis>
+  <cs:seriesLine>
+    <cs:lnRef idx="0"/>
+    <cs:fillRef idx="0"/>
+    <cs:effectRef idx="0"/>
+    <cs:fontRef idx="minor">
+      <a:schemeClr val="tx1"/>
+    </cs:fontRef>
+    <cs:spPr>
+      <a:ln w="9525" cap="flat" cmpd="sng" algn="ctr">
+        <a:solidFill>
+          <a:schemeClr val="tx1">
+            <a:lumMod val="35000"/>
+            <a:lumOff val="65000"/>
+          </a:schemeClr>
+        </a:solidFill>
+        <a:round/>
+      </a:ln>
+    </cs:spPr>
+  </cs:seriesLine>
+  <cs:title>
+    <cs:lnRef idx="0"/>
+    <cs:fillRef idx="0"/>
+    <cs:effectRef idx="0"/>
+    <cs:fontRef idx="minor">
+      <a:schemeClr val="tx1">
+        <a:lumMod val="65000"/>
+        <a:lumOff val="35000"/>
+      </a:schemeClr>
+    </cs:fontRef>
+    <cs:defRPr sz="1400" b="0" kern="1200" spc="0" baseline="0"/>
+  </cs:title>
+  <cs:trendline>
+    <cs:lnRef idx="0">
+      <cs:styleClr val="auto"/>
+    </cs:lnRef>
+    <cs:fillRef idx="0"/>
+    <cs:effectRef idx="0"/>
+    <cs:fontRef idx="minor">
+      <a:schemeClr val="tx1"/>
+    </cs:fontRef>
+    <cs:spPr>
+      <a:ln w="19050" cap="rnd">
+        <a:solidFill>
+          <a:schemeClr val="phClr"/>
+        </a:solidFill>
+        <a:prstDash val="sysDot"/>
+      </a:ln>
+    </cs:spPr>
+  </cs:trendline>
+  <cs:trendlineLabel>
+    <cs:lnRef idx="0"/>
+    <cs:fillRef idx="0"/>
+    <cs:effectRef idx="0"/>
+    <cs:fontRef idx="minor">
+      <a:schemeClr val="tx1">
+        <a:lumMod val="65000"/>
+        <a:lumOff val="35000"/>
+      </a:schemeClr>
+    </cs:fontRef>
+    <cs:defRPr sz="900" kern="1200"/>
+  </cs:trendlineLabel>
+  <cs:upBar>
+    <cs:lnRef idx="0"/>
+    <cs:fillRef idx="0"/>
+    <cs:effectRef idx="0"/>
+    <cs:fontRef idx="minor">
+      <a:schemeClr val="tx1"/>
+    </cs:fontRef>
+    <cs:spPr>
+      <a:solidFill>
+        <a:schemeClr val="lt1"/>
+      </a:solidFill>
+      <a:ln w="9525" cap="flat" cmpd="sng" algn="ctr">
+        <a:solidFill>
+          <a:schemeClr val="tx1">
+            <a:lumMod val="65000"/>
+            <a:lumOff val="35000"/>
+          </a:schemeClr>
+        </a:solidFill>
+        <a:round/>
+      </a:ln>
+    </cs:spPr>
+  </cs:upBar>
+  <cs:valueAxis>
+    <cs:lnRef idx="0"/>
+    <cs:fillRef idx="0"/>
+    <cs:effectRef idx="0"/>
+    <cs:fontRef idx="minor">
+      <a:schemeClr val="tx1">
+        <a:lumMod val="65000"/>
+        <a:lumOff val="35000"/>
+      </a:schemeClr>
+    </cs:fontRef>
+    <cs:defRPr sz="900" kern="1200"/>
+  </cs:valueAxis>
+  <cs:wall>
+    <cs:lnRef idx="0"/>
+    <cs:fillRef idx="0"/>
+    <cs:effectRef idx="0"/>
+    <cs:fontRef idx="minor">
+      <a:schemeClr val="tx1"/>
+    </cs:fontRef>
+    <cs:spPr>
+      <a:noFill/>
+      <a:ln>
+        <a:noFill/>
+      </a:ln>
+    </cs:spPr>
+  </cs:wall>
+</cs:chartStyle>
+</file>
+
+<file path=ppt/diagrams/colors1.xml><?xml version="1.0" encoding="utf-8"?>
+<dgm:colorsDef xmlns:dgm="http://schemas.openxmlformats.org/drawingml/2006/diagram" xmlns:a="http://schemas.openxmlformats.org/drawingml/2006/main" uniqueId="urn:microsoft.com/office/officeart/2005/8/colors/accent1_2">
+  <dgm:title val=""/>
+  <dgm:desc val=""/>
+  <dgm:catLst>
+    <dgm:cat type="accent1" pri="11200"/>
+  </dgm:catLst>
+  <dgm:styleLbl name="node0">
+    <dgm:fillClrLst meth="repeat">
+      <a:schemeClr val="accent1"/>
+    </dgm:fillClrLst>
+    <dgm:linClrLst meth="repeat">
+      <a:schemeClr val="lt1"/>
+    </dgm:linClrLst>
+    <dgm:effectClrLst/>
+    <dgm:txLinClrLst/>
+    <dgm:txFillClrLst/>
+    <dgm:txEffectClrLst/>
+  </dgm:styleLbl>
+  <dgm:styleLbl name="alignNode1">
+    <dgm:fillClrLst meth="repeat">
+      <a:schemeClr val="accent1"/>
+    </dgm:fillClrLst>
+    <dgm:linClrLst meth="repeat">
+      <a:schemeClr val="accent1"/>
+    </dgm:linClrLst>
+    <dgm:effectClrLst/>
+    <dgm:txLinClrLst/>
+    <dgm:txFillClrLst/>
+    <dgm:txEffectClrLst/>
+  </dgm:styleLbl>
+  <dgm:styleLbl name="node1">
+    <dgm:fillClrLst meth="repeat">
+      <a:schemeClr val="accent1"/>
+    </dgm:fillClrLst>
+    <dgm:linClrLst meth="repeat">
+      <a:schemeClr val="lt1"/>
+    </dgm:linClrLst>
+    <dgm:effectClrLst/>
+    <dgm:txLinClrLst/>
+    <dgm:txFillClrLst/>
+    <dgm:txEffectClrLst/>
+  </dgm:styleLbl>
+  <dgm:styleLbl name="lnNode1">
+    <dgm:fillClrLst meth="repeat">
+      <a:schemeClr val="accent1"/>
+    </dgm:fillClrLst>
+    <dgm:linClrLst meth="repeat">
+      <a:schemeClr val="lt1"/>
+    </dgm:linClrLst>
+    <dgm:effectClrLst/>
+    <dgm:txLinClrLst/>
+    <dgm:txFillClrLst/>
+    <dgm:txEffectClrLst/>
+  </dgm:styleLbl>
+  <dgm:styleLbl name="vennNode1">
+    <dgm:fillClrLst meth="repeat">
+      <a:schemeClr val="accent1">
+        <a:alpha val="50000"/>
+      </a:schemeClr>
+    </dgm:fillClrLst>
+    <dgm:linClrLst meth="repeat">
+      <a:schemeClr val="lt1"/>
+    </dgm:linClrLst>
+    <dgm:effectClrLst/>
+    <dgm:txLinClrLst/>
+    <dgm:txFillClrLst/>
+    <dgm:txEffectClrLst/>
+  </dgm:styleLbl>
+  <dgm:styleLbl name="node2">
+    <dgm:fillClrLst meth="repeat">
+      <a:schemeClr val="accent1"/>
+    </dgm:fillClrLst>
+    <dgm:linClrLst meth="repeat">
+      <a:schemeClr val="lt1"/>
+    </dgm:linClrLst>
+    <dgm:effectClrLst/>
+    <dgm:txLinClrLst/>
+    <dgm:txFillClrLst/>
+    <dgm:txEffectClrLst/>
+  </dgm:styleLbl>
+  <dgm:styleLbl name="node3">
+    <dgm:fillClrLst meth="repeat">
+      <a:schemeClr val="accent1"/>
+    </dgm:fillClrLst>
+    <dgm:linClrLst meth="repeat">
+      <a:schemeClr val="lt1"/>
+    </dgm:linClrLst>
+    <dgm:effectClrLst/>
+    <dgm:txLinClrLst/>
+    <dgm:txFillClrLst/>
+    <dgm:txEffectClrLst/>
+  </dgm:styleLbl>
+  <dgm:styleLbl name="node4">
+    <dgm:fillClrLst meth="repeat">
+      <a:schemeClr val="accent1"/>
+    </dgm:fillClrLst>
+    <dgm:linClrLst meth="repeat">
+      <a:schemeClr val="lt1"/>
+    </dgm:linClrLst>
+    <dgm:effectClrLst/>
+    <dgm:txLinClrLst/>
+    <dgm:txFillClrLst/>
+    <dgm:txEffectClrLst/>
+  </dgm:styleLbl>
+  <dgm:styleLbl name="fgImgPlace1">
+    <dgm:fillClrLst meth="repeat">
+      <a:schemeClr val="accent1">
+        <a:tint val="50000"/>
+      </a:schemeClr>
+    </dgm:fillClrLst>
+    <dgm:linClrLst meth="repeat">
+      <a:schemeClr val="lt1"/>
+    </dgm:linClrLst>
+    <dgm:effectClrLst/>
+    <dgm:txLinClrLst/>
+    <dgm:txFillClrLst meth="repeat">
+      <a:schemeClr val="lt1"/>
+    </dgm:txFillClrLst>
+    <dgm:txEffectClrLst/>
+  </dgm:styleLbl>
+  <dgm:styleLbl name="alignImgPlace1">
+    <dgm:fillClrLst meth="repeat">
+      <a:schemeClr val="accent1">
+        <a:tint val="50000"/>
+      </a:schemeClr>
+    </dgm:fillClrLst>
+    <dgm:linClrLst meth="repeat">
+      <a:schemeClr val="lt1"/>
+    </dgm:linClrLst>
+    <dgm:effectClrLst/>
+    <dgm:txLinClrLst/>
+    <dgm:txFillClrLst meth="repeat">
+      <a:schemeClr val="lt1"/>
+    </dgm:txFillClrLst>
+    <dgm:txEffectClrLst/>
+  </dgm:styleLbl>
+  <dgm:styleLbl name="bgImgPlace1">
+    <dgm:fillClrLst meth="repeat">
+      <a:schemeClr val="accent1">
+        <a:tint val="50000"/>
+      </a:schemeClr>
+    </dgm:fillClrLst>
+    <dgm:linClrLst meth="repeat">
+      <a:schemeClr val="lt1"/>
+    </dgm:linClrLst>
+    <dgm:effectClrLst/>
+    <dgm:txLinClrLst/>
+    <dgm:txFillClrLst meth="repeat">
+      <a:schemeClr val="lt1"/>
+    </dgm:txFillClrLst>
+    <dgm:txEffectClrLst/>
+  </dgm:styleLbl>
+  <dgm:styleLbl name="sibTrans2D1">
+    <dgm:fillClrLst meth="repeat">
+      <a:schemeClr val="accent1">
+        <a:tint val="60000"/>
+      </a:schemeClr>
+    </dgm:fillClrLst>
+    <dgm:linClrLst meth="repeat">
+      <a:schemeClr val="accent1">
+        <a:tint val="60000"/>
+      </a:schemeClr>
+    </dgm:linClrLst>
+    <dgm:effectClrLst/>
+    <dgm:txLinClrLst/>
+    <dgm:txFillClrLst/>
+    <dgm:txEffectClrLst/>
+  </dgm:styleLbl>
+  <dgm:styleLbl name="fgSibTrans2D1">
+    <dgm:fillClrLst meth="repeat">
+      <a:schemeClr val="accent1">
+        <a:tint val="60000"/>
+      </a:schemeClr>
+    </dgm:fillClrLst>
+    <dgm:linClrLst meth="repeat">
+      <a:schemeClr val="accent1">
+        <a:tint val="60000"/>
+      </a:schemeClr>
+    </dgm:linClrLst>
+    <dgm:effectClrLst/>
+    <dgm:txLinClrLst/>
+    <dgm:txFillClrLst/>
+    <dgm:txEffectClrLst/>
+  </dgm:styleLbl>
+  <dgm:styleLbl name="bgSibTrans2D1">
+    <dgm:fillClrLst meth="repeat">
+      <a:schemeClr val="accent1">
+        <a:tint val="60000"/>
+      </a:schemeClr>
+    </dgm:fillClrLst>
+    <dgm:linClrLst meth="repeat">
+      <a:schemeClr val="accent1">
+        <a:tint val="60000"/>
+      </a:schemeClr>
+    </dgm:linClrLst>
+    <dgm:effectClrLst/>
+    <dgm:txLinClrLst/>
+    <dgm:txFillClrLst/>
+    <dgm:txEffectClrLst/>
+  </dgm:styleLbl>
+  <dgm:styleLbl name="sibTrans1D1">
+    <dgm:fillClrLst meth="repeat">
+      <a:schemeClr val="accent1"/>
+    </dgm:fillClrLst>
+    <dgm:linClrLst meth="repeat">
+      <a:schemeClr val="accent1"/>
+    </dgm:linClrLst>
+    <dgm:effectClrLst/>
+    <dgm:txLinClrLst/>
+    <dgm:txFillClrLst meth="repeat">
+      <a:schemeClr val="tx1"/>
+    </dgm:txFillClrLst>
+    <dgm:txEffectClrLst/>
+  </dgm:styleLbl>
+  <dgm:styleLbl name="callout">
+    <dgm:fillClrLst meth="repeat">
+      <a:schemeClr val="accent1"/>
+    </dgm:fillClrLst>
+    <dgm:linClrLst meth="repeat">
+      <a:schemeClr val="accent1">
+        <a:tint val="50000"/>
+      </a:schemeClr>
+    </dgm:linClrLst>
+    <dgm:effectClrLst/>
+    <dgm:txLinClrLst/>
+    <dgm:txFillClrLst meth="repeat">
+      <a:schemeClr val="tx1"/>
+    </dgm:txFillClrLst>
+    <dgm:txEffectClrLst/>
+  </dgm:styleLbl>
+  <dgm:styleLbl name="asst0">
+    <dgm:fillClrLst meth="repeat">
+      <a:schemeClr val="accent1"/>
+    </dgm:fillClrLst>
+    <dgm:linClrLst meth="repeat">
+      <a:schemeClr val="lt1"/>
+    </dgm:linClrLst>
+    <dgm:effectClrLst/>
+    <dgm:txLinClrLst/>
+    <dgm:txFillClrLst/>
+    <dgm:txEffectClrLst/>
+  </dgm:styleLbl>
+  <dgm:styleLbl name="asst1">
+    <dgm:fillClrLst meth="repeat">
+      <a:schemeClr val="accent1"/>
+    </dgm:fillClrLst>
+    <dgm:linClrLst meth="repeat">
+      <a:schemeClr val="lt1"/>
+    </dgm:linClrLst>
+    <dgm:effectClrLst/>
+    <dgm:txLinClrLst/>
+    <dgm:txFillClrLst/>
+    <dgm:txEffectClrLst/>
+  </dgm:styleLbl>
+  <dgm:styleLbl name="asst2">
+    <dgm:fillClrLst meth="repeat">
+      <a:schemeClr val="accent1"/>
+    </dgm:fillClrLst>
+    <dgm:linClrLst meth="repeat">
+      <a:schemeClr val="lt1"/>
+    </dgm:linClrLst>
+    <dgm:effectClrLst/>
+    <dgm:txLinClrLst/>
+    <dgm:txFillClrLst/>
+    <dgm:txEffectClrLst/>
+  </dgm:styleLbl>
+  <dgm:styleLbl name="asst3">
+    <dgm:fillClrLst meth="repeat">
+      <a:schemeClr val="accent1"/>
+    </dgm:fillClrLst>
+    <dgm:linClrLst meth="repeat">
+      <a:schemeClr val="lt1"/>
+    </dgm:linClrLst>
+    <dgm:effectClrLst/>
+    <dgm:txLinClrLst/>
+    <dgm:txFillClrLst/>
+    <dgm:txEffectClrLst/>
+  </dgm:styleLbl>
+  <dgm:styleLbl name="asst4">
+    <dgm:fillClrLst meth="repeat">
+      <a:schemeClr val="accent1"/>
+    </dgm:fillClrLst>
+    <dgm:linClrLst meth="repeat">
+      <a:schemeClr val="lt1"/>
+    </dgm:linClrLst>
+    <dgm:effectClrLst/>
+    <dgm:txLinClrLst/>
+    <dgm:txFillClrLst/>
+    <dgm:txEffectClrLst/>
+  </dgm:styleLbl>
+  <dgm:styleLbl name="parChTrans2D1">
+    <dgm:fillClrLst meth="repeat">
+      <a:schemeClr val="accent1">
+        <a:tint val="60000"/>
+      </a:schemeClr>
+    </dgm:fillClrLst>
+    <dgm:linClrLst meth="repeat">
+      <a:schemeClr val="accent1">
+        <a:tint val="60000"/>
+      </a:schemeClr>
+    </dgm:linClrLst>
+    <dgm:effectClrLst/>
+    <dgm:txLinClrLst/>
+    <dgm:txFillClrLst meth="repeat">
+      <a:schemeClr val="lt1"/>
+    </dgm:txFillClrLst>
+    <dgm:txEffectClrLst/>
+  </dgm:styleLbl>
+  <dgm:styleLbl name="parChTrans2D2">
+    <dgm:fillClrLst meth="repeat">
+      <a:schemeClr val="accent1"/>
+    </dgm:fillClrLst>
+    <dgm:linClrLst meth="repeat">
+      <a:schemeClr val="accent1"/>
+    </dgm:linClrLst>
+    <dgm:effectClrLst/>
+    <dgm:txLinClrLst/>
+    <dgm:txFillClrLst meth="repeat">
+      <a:schemeClr val="lt1"/>
+    </dgm:txFillClrLst>
+    <dgm:txEffectClrLst/>
+  </dgm:styleLbl>
+  <dgm:styleLbl name="parChTrans2D3">
+    <dgm:fillClrLst meth="repeat">
+      <a:schemeClr val="accent1"/>
+    </dgm:fillClrLst>
+    <dgm:linClrLst meth="repeat">
+      <a:schemeClr val="accent1"/>
+    </dgm:linClrLst>
+    <dgm:effectClrLst/>
+    <dgm:txLinClrLst/>
+    <dgm:txFillClrLst meth="repeat">
+      <a:schemeClr val="lt1"/>
+    </dgm:txFillClrLst>
+    <dgm:txEffectClrLst/>
+  </dgm:styleLbl>
+  <dgm:styleLbl name="parChTrans2D4">
+    <dgm:fillClrLst meth="repeat">
+      <a:schemeClr val="accent1"/>
+    </dgm:fillClrLst>
+    <dgm:linClrLst meth="repeat">
+      <a:schemeClr val="accent1"/>
+    </dgm:linClrLst>
+    <dgm:effectClrLst/>
+    <dgm:txLinClrLst/>
+    <dgm:txFillClrLst meth="repeat">
+      <a:schemeClr val="lt1"/>
+    </dgm:txFillClrLst>
+    <dgm:txEffectClrLst/>
+  </dgm:styleLbl>
+  <dgm:styleLbl name="parChTrans1D1">
+    <dgm:fillClrLst meth="repeat">
+      <a:schemeClr val="accent1"/>
+    </dgm:fillClrLst>
+    <dgm:linClrLst meth="repeat">
+      <a:schemeClr val="accent1">
+        <a:shade val="60000"/>
+      </a:schemeClr>
+    </dgm:linClrLst>
+    <dgm:effectClrLst/>
+    <dgm:txLinClrLst/>
+    <dgm:txFillClrLst meth="repeat">
+      <a:schemeClr val="tx1"/>
+    </dgm:txFillClrLst>
+    <dgm:txEffectClrLst/>
+  </dgm:styleLbl>
+  <dgm:styleLbl name="parChTrans1D2">
+    <dgm:fillClrLst meth="repeat">
+      <a:schemeClr val="accent1"/>
+    </dgm:fillClrLst>
+    <dgm:linClrLst meth="repeat">
+      <a:schemeClr val="accent1">
+        <a:shade val="60000"/>
+      </a:schemeClr>
+    </dgm:linClrLst>
+    <dgm:effectClrLst/>
+    <dgm:txLinClrLst/>
+    <dgm:txFillClrLst meth="repeat">
+      <a:schemeClr val="tx1"/>
+    </dgm:txFillClrLst>
+    <dgm:txEffectClrLst/>
+  </dgm:styleLbl>
+  <dgm:styleLbl name="parChTrans1D3">
+    <dgm:fillClrLst meth="repeat">
+      <a:schemeClr val="accent1"/>
+    </dgm:fillClrLst>
+    <dgm:linClrLst meth="repeat">
+      <a:schemeClr val="accent1">
+        <a:shade val="80000"/>
+      </a:schemeClr>
+    </dgm:linClrLst>
+    <dgm:effectClrLst/>
+    <dgm:txLinClrLst/>
+    <dgm:txFillClrLst meth="repeat">
+      <a:schemeClr val="tx1"/>
+    </dgm:txFillClrLst>
+    <dgm:txEffectClrLst/>
+  </dgm:styleLbl>
+  <dgm:styleLbl name="parChTrans1D4">
+    <dgm:fillClrLst meth="repeat">
+      <a:schemeClr val="accent1"/>
+    </dgm:fillClrLst>
+    <dgm:linClrLst meth="repeat">
+      <a:schemeClr val="accent1">
+        <a:shade val="80000"/>
+      </a:schemeClr>
+    </dgm:linClrLst>
+    <dgm:effectClrLst/>
+    <dgm:txLinClrLst/>
+    <dgm:txFillClrLst meth="repeat">
+      <a:schemeClr val="tx1"/>
+    </dgm:txFillClrLst>
+    <dgm:txEffectClrLst/>
+  </dgm:styleLbl>
+  <dgm:styleLbl name="fgAcc1">
+    <dgm:fillClrLst meth="repeat">
+      <a:schemeClr val="lt1">
+        <a:alpha val="90000"/>
+      </a:schemeClr>
+    </dgm:fillClrLst>
+    <dgm:linClrLst meth="repeat">
+      <a:schemeClr val="accent1"/>
+    </dgm:linClrLst>
+    <dgm:effectClrLst/>
+    <dgm:txLinClrLst/>
+    <dgm:txFillClrLst meth="repeat">
+      <a:schemeClr val="dk1"/>
+    </dgm:txFillClrLst>
+    <dgm:txEffectClrLst/>
+  </dgm:styleLbl>
+  <dgm:styleLbl name="conFgAcc1">
+    <dgm:fillClrLst meth="repeat">
+      <a:schemeClr val="lt1">
+        <a:alpha val="90000"/>
+      </a:schemeClr>
+    </dgm:fillClrLst>
+    <dgm:linClrLst meth="repeat">
+      <a:schemeClr val="accent1"/>
+    </dgm:linClrLst>
+    <dgm:effectClrLst/>
+    <dgm:txLinClrLst/>
+    <dgm:txFillClrLst meth="repeat">
+      <a:schemeClr val="dk1"/>
+    </dgm:txFillClrLst>
+    <dgm:txEffectClrLst/>
+  </dgm:styleLbl>
+  <dgm:styleLbl name="alignAcc1">
+    <dgm:fillClrLst meth="repeat">
+      <a:schemeClr val="lt1">
+        <a:alpha val="90000"/>
+      </a:schemeClr>
+    </dgm:fillClrLst>
+    <dgm:linClrLst meth="repeat">
+      <a:schemeClr val="accent1"/>
+    </dgm:linClrLst>
+    <dgm:effectClrLst/>
+    <dgm:txLinClrLst/>
+    <dgm:txFillClrLst meth="repeat">
+      <a:schemeClr val="dk1"/>
+    </dgm:txFillClrLst>
+    <dgm:txEffectClrLst/>
+  </dgm:styleLbl>
+  <dgm:styleLbl name="trAlignAcc1">
+    <dgm:fillClrLst meth="repeat">
+      <a:schemeClr val="lt1">
+        <a:alpha val="40000"/>
+      </a:schemeClr>
+    </dgm:fillClrLst>
+    <dgm:linClrLst meth="repeat">
+      <a:schemeClr val="accent1"/>
+    </dgm:linClrLst>
+    <dgm:effectClrLst/>
+    <dgm:txLinClrLst/>
+    <dgm:txFillClrLst meth="repeat">
+      <a:schemeClr val="dk1"/>
+    </dgm:txFillClrLst>
+    <dgm:txEffectClrLst/>
+  </dgm:styleLbl>
+  <dgm:styleLbl name="bgAcc1">
+    <dgm:fillClrLst meth="repeat">
+      <a:schemeClr val="lt1">
+        <a:alpha val="90000"/>
+      </a:schemeClr>
+    </dgm:fillClrLst>
+    <dgm:linClrLst meth="repeat">
+      <a:schemeClr val="accent1"/>
+    </dgm:linClrLst>
+    <dgm:effectClrLst/>
+    <dgm:txLinClrLst/>
+    <dgm:txFillClrLst meth="repeat">
+      <a:schemeClr val="dk1"/>
+    </dgm:txFillClrLst>
+    <dgm:txEffectClrLst/>
+  </dgm:styleLbl>
+  <dgm:styleLbl name="solidFgAcc1">
+    <dgm:fillClrLst meth="repeat">
+      <a:schemeClr val="lt1"/>
+    </dgm:fillClrLst>
+    <dgm:linClrLst meth="repeat">
+      <a:schemeClr val="accent1"/>
+    </dgm:linClrLst>
+    <dgm:effectClrLst/>
+    <dgm:txLinClrLst/>
+    <dgm:txFillClrLst meth="repeat">
+      <a:schemeClr val="dk1"/>
+    </dgm:txFillClrLst>
+    <dgm:txEffectClrLst/>
+  </dgm:styleLbl>
+  <dgm:styleLbl name="solidAlignAcc1">
+    <dgm:fillClrLst meth="repeat">
+      <a:schemeClr val="lt1"/>
+    </dgm:fillClrLst>
+    <dgm:linClrLst meth="repeat">
+      <a:schemeClr val="accent1"/>
+    </dgm:linClrLst>
+    <dgm:effectClrLst/>
+    <dgm:txLinClrLst/>
+    <dgm:txFillClrLst meth="repeat">
+      <a:schemeClr val="dk1"/>
+    </dgm:txFillClrLst>
+    <dgm:txEffectClrLst/>
+  </dgm:styleLbl>
+  <dgm:styleLbl name="solidBgAcc1">
+    <dgm:fillClrLst meth="repeat">
+      <a:schemeClr val="lt1"/>
+    </dgm:fillClrLst>
+    <dgm:linClrLst meth="repeat">
+      <a:schemeClr val="accent1"/>
+    </dgm:linClrLst>
+    <dgm:effectClrLst/>
+    <dgm:txLinClrLst/>
+    <dgm:txFillClrLst meth="repeat">
+      <a:schemeClr val="dk1"/>
+    </dgm:txFillClrLst>
+    <dgm:txEffectClrLst/>
+  </dgm:styleLbl>
+  <dgm:styleLbl name="fgAccFollowNode1">
+    <dgm:fillClrLst meth="repeat">
+      <a:schemeClr val="accent1">
+        <a:alpha val="90000"/>
+        <a:tint val="40000"/>
+      </a:schemeClr>
+    </dgm:fillClrLst>
+    <dgm:linClrLst meth="repeat">
+      <a:schemeClr val="accent1">
+        <a:alpha val="90000"/>
+        <a:tint val="40000"/>
+      </a:schemeClr>
+    </dgm:linClrLst>
+    <dgm:effectClrLst/>
+    <dgm:txLinClrLst/>
+    <dgm:txFillClrLst meth="repeat">
+      <a:schemeClr val="dk1"/>
+    </dgm:txFillClrLst>
+    <dgm:txEffectClrLst/>
+  </dgm:styleLbl>
+  <dgm:styleLbl name="alignAccFollowNode1">
+    <dgm:fillClrLst meth="repeat">
+      <a:schemeClr val="accent1">
+        <a:alpha val="90000"/>
+        <a:tint val="40000"/>
+      </a:schemeClr>
+    </dgm:fillClrLst>
+    <dgm:linClrLst meth="repeat">
+      <a:schemeClr val="accent1">
+        <a:alpha val="90000"/>
+        <a:tint val="40000"/>
+      </a:schemeClr>
+    </dgm:linClrLst>
+    <dgm:effectClrLst/>
+    <dgm:txLinClrLst/>
+    <dgm:txFillClrLst meth="repeat">
+      <a:schemeClr val="dk1"/>
+    </dgm:txFillClrLst>
+    <dgm:txEffectClrLst/>
+  </dgm:styleLbl>
+  <dgm:styleLbl name="bgAccFollowNode1">
+    <dgm:fillClrLst meth="repeat">
+      <a:schemeClr val="accent1">
+        <a:alpha val="90000"/>
+        <a:tint val="40000"/>
+      </a:schemeClr>
+    </dgm:fillClrLst>
+    <dgm:linClrLst meth="repeat">
+      <a:schemeClr val="accent1">
+        <a:alpha val="90000"/>
+        <a:tint val="40000"/>
+      </a:schemeClr>
+    </dgm:linClrLst>
+    <dgm:effectClrLst/>
+    <dgm:txLinClrLst/>
+    <dgm:txFillClrLst meth="repeat">
+      <a:schemeClr val="dk1"/>
+    </dgm:txFillClrLst>
+    <dgm:txEffectClrLst/>
+  </dgm:styleLbl>
+  <dgm:styleLbl name="fgAcc0">
+    <dgm:fillClrLst meth="repeat">
+      <a:schemeClr val="lt1">
+        <a:alpha val="90000"/>
+      </a:schemeClr>
+    </dgm:fillClrLst>
+    <dgm:linClrLst meth="repeat">
+      <a:schemeClr val="accent1"/>
+    </dgm:linClrLst>
+    <dgm:effectClrLst/>
+    <dgm:txLinClrLst/>
+    <dgm:txFillClrLst meth="repeat">
+      <a:schemeClr val="dk1"/>
+    </dgm:txFillClrLst>
+    <dgm:txEffectClrLst/>
+  </dgm:styleLbl>
+  <dgm:styleLbl name="fgAcc2">
+    <dgm:fillClrLst meth="repeat">
+      <a:schemeClr val="lt1">
+        <a:alpha val="90000"/>
+      </a:schemeClr>
+    </dgm:fillClrLst>
+    <dgm:linClrLst meth="repeat">
+      <a:schemeClr val="accent1"/>
+    </dgm:linClrLst>
+    <dgm:effectClrLst/>
+    <dgm:txLinClrLst/>
+    <dgm:txFillClrLst meth="repeat">
+      <a:schemeClr val="dk1"/>
+    </dgm:txFillClrLst>
+    <dgm:txEffectClrLst/>
+  </dgm:styleLbl>
+  <dgm:styleLbl name="fgAcc3">
+    <dgm:fillClrLst meth="repeat">
+      <a:schemeClr val="lt1">
+        <a:alpha val="90000"/>
+      </a:schemeClr>
+    </dgm:fillClrLst>
+    <dgm:linClrLst meth="repeat">
+      <a:schemeClr val="accent1"/>
+    </dgm:linClrLst>
+    <dgm:effectClrLst/>
+    <dgm:txLinClrLst/>
+    <dgm:txFillClrLst meth="repeat">
+      <a:schemeClr val="dk1"/>
+    </dgm:txFillClrLst>
+    <dgm:txEffectClrLst/>
+  </dgm:styleLbl>
+  <dgm:styleLbl name="fgAcc4">
+    <dgm:fillClrLst meth="repeat">
+      <a:schemeClr val="lt1">
+        <a:alpha val="90000"/>
+      </a:schemeClr>
+    </dgm:fillClrLst>
+    <dgm:linClrLst meth="repeat">
+      <a:schemeClr val="accent1"/>
+    </dgm:linClrLst>
+    <dgm:effectClrLst/>
+    <dgm:txLinClrLst/>
+    <dgm:txFillClrLst meth="repeat">
+      <a:schemeClr val="dk1"/>
+    </dgm:txFillClrLst>
+    <dgm:txEffectClrLst/>
+  </dgm:styleLbl>
+  <dgm:styleLbl name="bgShp">
+    <dgm:fillClrLst meth="repeat">
+      <a:schemeClr val="accent1">
+        <a:tint val="40000"/>
+      </a:schemeClr>
+    </dgm:fillClrLst>
+    <dgm:linClrLst meth="repeat">
+      <a:schemeClr val="accent1"/>
+    </dgm:linClrLst>
+    <dgm:effectClrLst/>
+    <dgm:txLinClrLst/>
+    <dgm:txFillClrLst meth="repeat">
+      <a:schemeClr val="dk1"/>
+    </dgm:txFillClrLst>
+    <dgm:txEffectClrLst/>
+  </dgm:styleLbl>
+  <dgm:styleLbl name="dkBgShp">
+    <dgm:fillClrLst meth="repeat">
+      <a:schemeClr val="accent1">
+        <a:shade val="80000"/>
+      </a:schemeClr>
+    </dgm:fillClrLst>
+    <dgm:linClrLst meth="repeat">
+      <a:schemeClr val="accent1"/>
+    </dgm:linClrLst>
+    <dgm:effectClrLst/>
+    <dgm:txLinClrLst/>
+    <dgm:txFillClrLst meth="repeat">
+      <a:schemeClr val="lt1"/>
+    </dgm:txFillClrLst>
+    <dgm:txEffectClrLst/>
+  </dgm:styleLbl>
+  <dgm:styleLbl name="trBgShp">
+    <dgm:fillClrLst meth="repeat">
+      <a:schemeClr val="accent1">
+        <a:tint val="50000"/>
+        <a:alpha val="40000"/>
+      </a:schemeClr>
+    </dgm:fillClrLst>
+    <dgm:linClrLst meth="repeat">
+      <a:schemeClr val="accent1"/>
+    </dgm:linClrLst>
+    <dgm:effectClrLst/>
+    <dgm:txLinClrLst/>
+    <dgm:txFillClrLst meth="repeat">
+      <a:schemeClr val="lt1"/>
+    </dgm:txFillClrLst>
+    <dgm:txEffectClrLst/>
+  </dgm:styleLbl>
+  <dgm:styleLbl name="fgShp">
+    <dgm:fillClrLst meth="repeat">
+      <a:schemeClr val="accent1">
+        <a:tint val="60000"/>
+      </a:schemeClr>
+    </dgm:fillClrLst>
+    <dgm:linClrLst meth="repeat">
+      <a:schemeClr val="lt1"/>
+    </dgm:linClrLst>
+    <dgm:effectClrLst/>
+    <dgm:txLinClrLst/>
+    <dgm:txFillClrLst meth="repeat">
+      <a:schemeClr val="dk1"/>
+    </dgm:txFillClrLst>
+    <dgm:txEffectClrLst/>
+  </dgm:styleLbl>
+  <dgm:styleLbl name="revTx">
+    <dgm:fillClrLst meth="repeat">
+      <a:schemeClr val="lt1">
+        <a:alpha val="0"/>
+      </a:schemeClr>
+    </dgm:fillClrLst>
+    <dgm:linClrLst meth="repeat">
+      <a:schemeClr val="dk1">
+        <a:alpha val="0"/>
+      </a:schemeClr>
+    </dgm:linClrLst>
+    <dgm:effectClrLst/>
+    <dgm:txLinClrLst/>
+    <dgm:txFillClrLst meth="repeat">
+      <a:schemeClr val="tx1"/>
+    </dgm:txFillClrLst>
+    <dgm:txEffectClrLst/>
+  </dgm:styleLbl>
+</dgm:colorsDef>
+</file>
+
+<file path=ppt/diagrams/data1.xml><?xml version="1.0" encoding="utf-8"?>
+<dgm:dataModel xmlns:dgm="http://schemas.openxmlformats.org/drawingml/2006/diagram" xmlns:a="http://schemas.openxmlformats.org/drawingml/2006/main">
+  <dgm:ptLst>
+    <dgm:pt modelId="{F45EDC6C-8AE3-4FE2-9A00-7EEB7DEA2DE8}" type="doc">
+      <dgm:prSet loTypeId="urn:microsoft.com/office/officeart/2008/layout/AlternatingHexagons" loCatId="list" qsTypeId="urn:microsoft.com/office/officeart/2005/8/quickstyle/simple1" qsCatId="simple" csTypeId="urn:microsoft.com/office/officeart/2005/8/colors/accent1_2" csCatId="accent1" phldr="1"/>
+      <dgm:spPr/>
+      <dgm:t>
+        <a:bodyPr/>
+        <a:lstStyle/>
+        <a:p>
+          <a:endParaRPr lang="en-US"/>
+        </a:p>
+      </dgm:t>
+    </dgm:pt>
+    <dgm:pt modelId="{13989C2D-5BBD-4C79-89C8-04F5098C2D1D}">
+      <dgm:prSet phldrT="[Text]"/>
+      <dgm:spPr/>
+      <dgm:t>
+        <a:bodyPr/>
+        <a:lstStyle/>
+        <a:p>
+          <a:r>
+            <a:rPr lang="en-US" dirty="0" smtClean="0"/>
+            <a:t>first</a:t>
+          </a:r>
+          <a:endParaRPr lang="en-US" dirty="0"/>
+        </a:p>
+      </dgm:t>
+    </dgm:pt>
+    <dgm:pt modelId="{611008EA-D0E5-4B86-8EEA-3E731AAEC9FA}" type="parTrans" cxnId="{EFC58ACA-AD53-4782-84BA-D1C0498115D0}">
+      <dgm:prSet/>
+      <dgm:spPr/>
+      <dgm:t>
+        <a:bodyPr/>
+        <a:lstStyle/>
+        <a:p>
+          <a:endParaRPr lang="en-US"/>
+        </a:p>
+      </dgm:t>
+    </dgm:pt>
+    <dgm:pt modelId="{C31D5DD6-C492-4017-AEC5-16326E39A0B1}" type="sibTrans" cxnId="{EFC58ACA-AD53-4782-84BA-D1C0498115D0}">
+      <dgm:prSet/>
+      <dgm:spPr/>
+      <dgm:t>
+        <a:bodyPr/>
+        <a:lstStyle/>
+        <a:p>
+          <a:endParaRPr lang="en-US"/>
+        </a:p>
+      </dgm:t>
+    </dgm:pt>
+    <dgm:pt modelId="{2793A56D-7C5D-4A21-95ED-4409A84F6F79}">
+      <dgm:prSet phldrT="[Text]" phldr="1"/>
+      <dgm:spPr/>
+      <dgm:t>
+        <a:bodyPr/>
+        <a:lstStyle/>
+        <a:p>
+          <a:endParaRPr lang="en-US"/>
+        </a:p>
+      </dgm:t>
+    </dgm:pt>
+    <dgm:pt modelId="{07C639B7-039B-4E32-A53B-5961274E0BB7}" type="parTrans" cxnId="{35297B32-4F75-40C3-9225-A9C1B34D595F}">
+      <dgm:prSet/>
+      <dgm:spPr/>
+      <dgm:t>
+        <a:bodyPr/>
+        <a:lstStyle/>
+        <a:p>
+          <a:endParaRPr lang="en-US"/>
+        </a:p>
+      </dgm:t>
+    </dgm:pt>
+    <dgm:pt modelId="{1E6745CD-D003-42FA-B8B9-0D5E4A573ECC}" type="sibTrans" cxnId="{35297B32-4F75-40C3-9225-A9C1B34D595F}">
+      <dgm:prSet/>
+      <dgm:spPr/>
+      <dgm:t>
+        <a:bodyPr/>
+        <a:lstStyle/>
+        <a:p>
+          <a:endParaRPr lang="en-US"/>
+        </a:p>
+      </dgm:t>
+    </dgm:pt>
+    <dgm:pt modelId="{7A38B58A-A11A-41D6-B673-E485D411F451}">
+      <dgm:prSet phldrT="[Text]"/>
+      <dgm:spPr/>
+      <dgm:t>
+        <a:bodyPr/>
+        <a:lstStyle/>
+        <a:p>
+          <a:r>
+            <a:rPr lang="en-US" dirty="0" err="1" smtClean="0"/>
+            <a:t>secont</a:t>
+          </a:r>
+          <a:endParaRPr lang="en-US" dirty="0"/>
+        </a:p>
+      </dgm:t>
+    </dgm:pt>
+    <dgm:pt modelId="{A65BA891-8DB8-41EA-859D-F185065F4362}" type="parTrans" cxnId="{F8408688-F068-4EDE-A406-4CB7F84882DD}">
+      <dgm:prSet/>
+      <dgm:spPr/>
+      <dgm:t>
+        <a:bodyPr/>
+        <a:lstStyle/>
+        <a:p>
+          <a:endParaRPr lang="en-US"/>
+        </a:p>
+      </dgm:t>
+    </dgm:pt>
+    <dgm:pt modelId="{25D57FB3-053C-44B6-9F14-C1B73557C87F}" type="sibTrans" cxnId="{F8408688-F068-4EDE-A406-4CB7F84882DD}">
+      <dgm:prSet/>
+      <dgm:spPr/>
+      <dgm:t>
+        <a:bodyPr/>
+        <a:lstStyle/>
+        <a:p>
+          <a:endParaRPr lang="en-US"/>
+        </a:p>
+      </dgm:t>
+    </dgm:pt>
+    <dgm:pt modelId="{042AF18B-2F36-4D5C-AFFB-0A8C5B97A62F}">
+      <dgm:prSet phldrT="[Text]" phldr="1"/>
+      <dgm:spPr/>
+      <dgm:t>
+        <a:bodyPr/>
+        <a:lstStyle/>
+        <a:p>
+          <a:endParaRPr lang="en-US"/>
+        </a:p>
+      </dgm:t>
+    </dgm:pt>
+    <dgm:pt modelId="{5CC33D79-F92B-4C40-A12D-DC75802721F2}" type="parTrans" cxnId="{7117A5F6-0BF1-4E0C-BB03-63F22CE12200}">
+      <dgm:prSet/>
+      <dgm:spPr/>
+      <dgm:t>
+        <a:bodyPr/>
+        <a:lstStyle/>
+        <a:p>
+          <a:endParaRPr lang="en-US"/>
+        </a:p>
+      </dgm:t>
+    </dgm:pt>
+    <dgm:pt modelId="{55A6A8C6-588E-4BE0-99E9-5DD659CB7B41}" type="sibTrans" cxnId="{7117A5F6-0BF1-4E0C-BB03-63F22CE12200}">
+      <dgm:prSet/>
+      <dgm:spPr/>
+      <dgm:t>
+        <a:bodyPr/>
+        <a:lstStyle/>
+        <a:p>
+          <a:endParaRPr lang="en-US"/>
+        </a:p>
+      </dgm:t>
+    </dgm:pt>
+    <dgm:pt modelId="{3A882E34-6617-4325-8A39-F5280B090C59}">
+      <dgm:prSet phldrT="[Text]"/>
+      <dgm:spPr/>
+      <dgm:t>
+        <a:bodyPr/>
+        <a:lstStyle/>
+        <a:p>
+          <a:r>
+            <a:rPr lang="en-US" dirty="0" smtClean="0"/>
+            <a:t>third</a:t>
+          </a:r>
+          <a:endParaRPr lang="en-US" dirty="0"/>
+        </a:p>
+      </dgm:t>
+    </dgm:pt>
+    <dgm:pt modelId="{F0529C2A-F9AA-47E9-B730-2BC53146822C}" type="parTrans" cxnId="{33500339-21E2-4AA4-A7B4-DFF8548151B4}">
+      <dgm:prSet/>
+      <dgm:spPr/>
+      <dgm:t>
+        <a:bodyPr/>
+        <a:lstStyle/>
+        <a:p>
+          <a:endParaRPr lang="en-US"/>
+        </a:p>
+      </dgm:t>
+    </dgm:pt>
+    <dgm:pt modelId="{1D81F829-D153-4CE3-A785-095A58AAB5F8}" type="sibTrans" cxnId="{33500339-21E2-4AA4-A7B4-DFF8548151B4}">
+      <dgm:prSet/>
+      <dgm:spPr/>
+      <dgm:t>
+        <a:bodyPr/>
+        <a:lstStyle/>
+        <a:p>
+          <a:endParaRPr lang="en-US"/>
+        </a:p>
+      </dgm:t>
+    </dgm:pt>
+    <dgm:pt modelId="{E19B27D1-F466-4111-9C5C-094B68CE8803}">
+      <dgm:prSet phldrT="[Text]" phldr="1"/>
+      <dgm:spPr/>
+      <dgm:t>
+        <a:bodyPr/>
+        <a:lstStyle/>
+        <a:p>
+          <a:endParaRPr lang="en-US"/>
+        </a:p>
+      </dgm:t>
+    </dgm:pt>
+    <dgm:pt modelId="{150FFA0D-799F-46EA-A991-4262D31EAF96}" type="parTrans" cxnId="{24AA4D7D-EFBD-4D3C-B51A-25B7C36A1BE8}">
+      <dgm:prSet/>
+      <dgm:spPr/>
+      <dgm:t>
+        <a:bodyPr/>
+        <a:lstStyle/>
+        <a:p>
+          <a:endParaRPr lang="en-US"/>
+        </a:p>
+      </dgm:t>
+    </dgm:pt>
+    <dgm:pt modelId="{D8653F3C-10EC-46B6-9FB8-6BA28FE51BEE}" type="sibTrans" cxnId="{24AA4D7D-EFBD-4D3C-B51A-25B7C36A1BE8}">
+      <dgm:prSet/>
+      <dgm:spPr/>
+      <dgm:t>
+        <a:bodyPr/>
+        <a:lstStyle/>
+        <a:p>
+          <a:endParaRPr lang="en-US"/>
+        </a:p>
+      </dgm:t>
+    </dgm:pt>
+    <dgm:pt modelId="{F30FE32C-9C5B-42A8-9CC6-FC2D1A66885B}" type="pres">
+      <dgm:prSet presAssocID="{F45EDC6C-8AE3-4FE2-9A00-7EEB7DEA2DE8}" presName="Name0" presStyleCnt="0">
+        <dgm:presLayoutVars>
+          <dgm:chMax/>
+          <dgm:chPref/>
+          <dgm:dir/>
+          <dgm:animLvl val="lvl"/>
+        </dgm:presLayoutVars>
+      </dgm:prSet>
+      <dgm:spPr/>
+    </dgm:pt>
+    <dgm:pt modelId="{FBBE1E9B-7D6D-4EBF-A90A-18F5A44CF0BD}" type="pres">
+      <dgm:prSet presAssocID="{13989C2D-5BBD-4C79-89C8-04F5098C2D1D}" presName="composite" presStyleCnt="0"/>
+      <dgm:spPr/>
+    </dgm:pt>
+    <dgm:pt modelId="{71B17BFC-D67C-4F36-A550-39BD4FC48E9E}" type="pres">
+      <dgm:prSet presAssocID="{13989C2D-5BBD-4C79-89C8-04F5098C2D1D}" presName="Parent1" presStyleLbl="node1" presStyleIdx="0" presStyleCnt="6">
+        <dgm:presLayoutVars>
+          <dgm:chMax val="1"/>
+          <dgm:chPref val="1"/>
+          <dgm:bulletEnabled val="1"/>
+        </dgm:presLayoutVars>
+      </dgm:prSet>
+      <dgm:spPr/>
+    </dgm:pt>
+    <dgm:pt modelId="{BCF88D8A-FAF2-44AB-8CE4-A78B28883FED}" type="pres">
+      <dgm:prSet presAssocID="{13989C2D-5BBD-4C79-89C8-04F5098C2D1D}" presName="Childtext1" presStyleLbl="revTx" presStyleIdx="0" presStyleCnt="3">
+        <dgm:presLayoutVars>
+          <dgm:chMax val="0"/>
+          <dgm:chPref val="0"/>
+          <dgm:bulletEnabled val="1"/>
+        </dgm:presLayoutVars>
+      </dgm:prSet>
+      <dgm:spPr/>
+    </dgm:pt>
+    <dgm:pt modelId="{79500A40-9EEA-43CA-A468-E088D4BA6D70}" type="pres">
+      <dgm:prSet presAssocID="{13989C2D-5BBD-4C79-89C8-04F5098C2D1D}" presName="BalanceSpacing" presStyleCnt="0"/>
+      <dgm:spPr/>
+    </dgm:pt>
+    <dgm:pt modelId="{C4D177A3-6520-445B-8C4A-910D5EC5B97A}" type="pres">
+      <dgm:prSet presAssocID="{13989C2D-5BBD-4C79-89C8-04F5098C2D1D}" presName="BalanceSpacing1" presStyleCnt="0"/>
+      <dgm:spPr/>
+    </dgm:pt>
+    <dgm:pt modelId="{CB9678F9-7D6E-4B2B-A26F-490F905A17B5}" type="pres">
+      <dgm:prSet presAssocID="{C31D5DD6-C492-4017-AEC5-16326E39A0B1}" presName="Accent1Text" presStyleLbl="node1" presStyleIdx="1" presStyleCnt="6"/>
+      <dgm:spPr/>
+    </dgm:pt>
+    <dgm:pt modelId="{15A6742B-6728-4E0E-B2C2-4DB74ED5D7DE}" type="pres">
+      <dgm:prSet presAssocID="{C31D5DD6-C492-4017-AEC5-16326E39A0B1}" presName="spaceBetweenRectangles" presStyleCnt="0"/>
+      <dgm:spPr/>
+    </dgm:pt>
+    <dgm:pt modelId="{B9729D68-F491-4F41-9E6C-8E77AE4737BD}" type="pres">
+      <dgm:prSet presAssocID="{7A38B58A-A11A-41D6-B673-E485D411F451}" presName="composite" presStyleCnt="0"/>
+      <dgm:spPr/>
+    </dgm:pt>
+    <dgm:pt modelId="{E41E78E6-8375-46EB-8122-6D14E2FC100A}" type="pres">
+      <dgm:prSet presAssocID="{7A38B58A-A11A-41D6-B673-E485D411F451}" presName="Parent1" presStyleLbl="node1" presStyleIdx="2" presStyleCnt="6">
+        <dgm:presLayoutVars>
+          <dgm:chMax val="1"/>
+          <dgm:chPref val="1"/>
+          <dgm:bulletEnabled val="1"/>
+        </dgm:presLayoutVars>
+      </dgm:prSet>
+      <dgm:spPr/>
+    </dgm:pt>
+    <dgm:pt modelId="{5191775C-C28A-43D4-8072-9D8259C2FAA7}" type="pres">
+      <dgm:prSet presAssocID="{7A38B58A-A11A-41D6-B673-E485D411F451}" presName="Childtext1" presStyleLbl="revTx" presStyleIdx="1" presStyleCnt="3">
+        <dgm:presLayoutVars>
+          <dgm:chMax val="0"/>
+          <dgm:chPref val="0"/>
+          <dgm:bulletEnabled val="1"/>
+        </dgm:presLayoutVars>
+      </dgm:prSet>
+      <dgm:spPr/>
+    </dgm:pt>
+    <dgm:pt modelId="{11AB6FE1-425C-41F9-B050-C913AF1FBC2F}" type="pres">
+      <dgm:prSet presAssocID="{7A38B58A-A11A-41D6-B673-E485D411F451}" presName="BalanceSpacing" presStyleCnt="0"/>
+      <dgm:spPr/>
+    </dgm:pt>
+    <dgm:pt modelId="{C9E7E172-A68C-4603-94D3-349CCDDF2B18}" type="pres">
+      <dgm:prSet presAssocID="{7A38B58A-A11A-41D6-B673-E485D411F451}" presName="BalanceSpacing1" presStyleCnt="0"/>
+      <dgm:spPr/>
+    </dgm:pt>
+    <dgm:pt modelId="{958E7863-7E03-4CBC-951F-059E66E465E3}" type="pres">
+      <dgm:prSet presAssocID="{25D57FB3-053C-44B6-9F14-C1B73557C87F}" presName="Accent1Text" presStyleLbl="node1" presStyleIdx="3" presStyleCnt="6"/>
+      <dgm:spPr/>
+    </dgm:pt>
+    <dgm:pt modelId="{530997C0-A59A-4570-998B-35BDE1159949}" type="pres">
+      <dgm:prSet presAssocID="{25D57FB3-053C-44B6-9F14-C1B73557C87F}" presName="spaceBetweenRectangles" presStyleCnt="0"/>
+      <dgm:spPr/>
+    </dgm:pt>
+    <dgm:pt modelId="{75197842-A5CE-4400-9D00-429F44F0FCCE}" type="pres">
+      <dgm:prSet presAssocID="{3A882E34-6617-4325-8A39-F5280B090C59}" presName="composite" presStyleCnt="0"/>
+      <dgm:spPr/>
+    </dgm:pt>
+    <dgm:pt modelId="{6841CED3-D67B-4EC2-9333-33F63CEB93E3}" type="pres">
+      <dgm:prSet presAssocID="{3A882E34-6617-4325-8A39-F5280B090C59}" presName="Parent1" presStyleLbl="node1" presStyleIdx="4" presStyleCnt="6">
+        <dgm:presLayoutVars>
+          <dgm:chMax val="1"/>
+          <dgm:chPref val="1"/>
+          <dgm:bulletEnabled val="1"/>
+        </dgm:presLayoutVars>
+      </dgm:prSet>
+      <dgm:spPr/>
+      <dgm:t>
+        <a:bodyPr/>
+        <a:lstStyle/>
+        <a:p>
+          <a:endParaRPr lang="en-US"/>
+        </a:p>
+      </dgm:t>
+    </dgm:pt>
+    <dgm:pt modelId="{091D4454-8B75-432A-AAF5-12821D285302}" type="pres">
+      <dgm:prSet presAssocID="{3A882E34-6617-4325-8A39-F5280B090C59}" presName="Childtext1" presStyleLbl="revTx" presStyleIdx="2" presStyleCnt="3">
+        <dgm:presLayoutVars>
+          <dgm:chMax val="0"/>
+          <dgm:chPref val="0"/>
+          <dgm:bulletEnabled val="1"/>
+        </dgm:presLayoutVars>
+      </dgm:prSet>
+      <dgm:spPr/>
+    </dgm:pt>
+    <dgm:pt modelId="{97D90B55-A70C-4A58-AA46-B13F368B55FE}" type="pres">
+      <dgm:prSet presAssocID="{3A882E34-6617-4325-8A39-F5280B090C59}" presName="BalanceSpacing" presStyleCnt="0"/>
+      <dgm:spPr/>
+    </dgm:pt>
+    <dgm:pt modelId="{3EAAA852-C9DA-488B-B169-8ACE034ABD4F}" type="pres">
+      <dgm:prSet presAssocID="{3A882E34-6617-4325-8A39-F5280B090C59}" presName="BalanceSpacing1" presStyleCnt="0"/>
+      <dgm:spPr/>
+    </dgm:pt>
+    <dgm:pt modelId="{EA8D8AEF-CA32-444E-8227-C3B93B3A7FDD}" type="pres">
+      <dgm:prSet presAssocID="{1D81F829-D153-4CE3-A785-095A58AAB5F8}" presName="Accent1Text" presStyleLbl="node1" presStyleIdx="5" presStyleCnt="6"/>
+      <dgm:spPr/>
+    </dgm:pt>
+  </dgm:ptLst>
+  <dgm:cxnLst>
+    <dgm:cxn modelId="{EFC58ACA-AD53-4782-84BA-D1C0498115D0}" srcId="{F45EDC6C-8AE3-4FE2-9A00-7EEB7DEA2DE8}" destId="{13989C2D-5BBD-4C79-89C8-04F5098C2D1D}" srcOrd="0" destOrd="0" parTransId="{611008EA-D0E5-4B86-8EEA-3E731AAEC9FA}" sibTransId="{C31D5DD6-C492-4017-AEC5-16326E39A0B1}"/>
+    <dgm:cxn modelId="{6DBF24F7-2F9B-474E-A74E-2C1E5E615C47}" type="presOf" srcId="{3A882E34-6617-4325-8A39-F5280B090C59}" destId="{6841CED3-D67B-4EC2-9333-33F63CEB93E3}" srcOrd="0" destOrd="0" presId="urn:microsoft.com/office/officeart/2008/layout/AlternatingHexagons"/>
+    <dgm:cxn modelId="{5026966B-4B1F-4CDB-9E5B-0E3B016B7080}" type="presOf" srcId="{7A38B58A-A11A-41D6-B673-E485D411F451}" destId="{E41E78E6-8375-46EB-8122-6D14E2FC100A}" srcOrd="0" destOrd="0" presId="urn:microsoft.com/office/officeart/2008/layout/AlternatingHexagons"/>
+    <dgm:cxn modelId="{33500339-21E2-4AA4-A7B4-DFF8548151B4}" srcId="{F45EDC6C-8AE3-4FE2-9A00-7EEB7DEA2DE8}" destId="{3A882E34-6617-4325-8A39-F5280B090C59}" srcOrd="2" destOrd="0" parTransId="{F0529C2A-F9AA-47E9-B730-2BC53146822C}" sibTransId="{1D81F829-D153-4CE3-A785-095A58AAB5F8}"/>
+    <dgm:cxn modelId="{BA769C31-0E23-4D91-889C-5564EABCD0CA}" type="presOf" srcId="{1D81F829-D153-4CE3-A785-095A58AAB5F8}" destId="{EA8D8AEF-CA32-444E-8227-C3B93B3A7FDD}" srcOrd="0" destOrd="0" presId="urn:microsoft.com/office/officeart/2008/layout/AlternatingHexagons"/>
+    <dgm:cxn modelId="{F8408688-F068-4EDE-A406-4CB7F84882DD}" srcId="{F45EDC6C-8AE3-4FE2-9A00-7EEB7DEA2DE8}" destId="{7A38B58A-A11A-41D6-B673-E485D411F451}" srcOrd="1" destOrd="0" parTransId="{A65BA891-8DB8-41EA-859D-F185065F4362}" sibTransId="{25D57FB3-053C-44B6-9F14-C1B73557C87F}"/>
+    <dgm:cxn modelId="{7117A5F6-0BF1-4E0C-BB03-63F22CE12200}" srcId="{7A38B58A-A11A-41D6-B673-E485D411F451}" destId="{042AF18B-2F36-4D5C-AFFB-0A8C5B97A62F}" srcOrd="0" destOrd="0" parTransId="{5CC33D79-F92B-4C40-A12D-DC75802721F2}" sibTransId="{55A6A8C6-588E-4BE0-99E9-5DD659CB7B41}"/>
+    <dgm:cxn modelId="{AEEE530B-F7A2-4B4F-8B27-39BD2C5FFBC1}" type="presOf" srcId="{25D57FB3-053C-44B6-9F14-C1B73557C87F}" destId="{958E7863-7E03-4CBC-951F-059E66E465E3}" srcOrd="0" destOrd="0" presId="urn:microsoft.com/office/officeart/2008/layout/AlternatingHexagons"/>
+    <dgm:cxn modelId="{AC8B3A98-0F6C-45D6-995B-80F7EA618592}" type="presOf" srcId="{C31D5DD6-C492-4017-AEC5-16326E39A0B1}" destId="{CB9678F9-7D6E-4B2B-A26F-490F905A17B5}" srcOrd="0" destOrd="0" presId="urn:microsoft.com/office/officeart/2008/layout/AlternatingHexagons"/>
+    <dgm:cxn modelId="{7A2DC518-A536-489A-B3EA-4BCAE664A401}" type="presOf" srcId="{13989C2D-5BBD-4C79-89C8-04F5098C2D1D}" destId="{71B17BFC-D67C-4F36-A550-39BD4FC48E9E}" srcOrd="0" destOrd="0" presId="urn:microsoft.com/office/officeart/2008/layout/AlternatingHexagons"/>
+    <dgm:cxn modelId="{35297B32-4F75-40C3-9225-A9C1B34D595F}" srcId="{13989C2D-5BBD-4C79-89C8-04F5098C2D1D}" destId="{2793A56D-7C5D-4A21-95ED-4409A84F6F79}" srcOrd="0" destOrd="0" parTransId="{07C639B7-039B-4E32-A53B-5961274E0BB7}" sibTransId="{1E6745CD-D003-42FA-B8B9-0D5E4A573ECC}"/>
+    <dgm:cxn modelId="{EC321A97-0BE1-4C02-A5AE-075B418AC680}" type="presOf" srcId="{E19B27D1-F466-4111-9C5C-094B68CE8803}" destId="{091D4454-8B75-432A-AAF5-12821D285302}" srcOrd="0" destOrd="0" presId="urn:microsoft.com/office/officeart/2008/layout/AlternatingHexagons"/>
+    <dgm:cxn modelId="{96B06A9E-0DAB-44FC-811F-487EFC1B59F6}" type="presOf" srcId="{F45EDC6C-8AE3-4FE2-9A00-7EEB7DEA2DE8}" destId="{F30FE32C-9C5B-42A8-9CC6-FC2D1A66885B}" srcOrd="0" destOrd="0" presId="urn:microsoft.com/office/officeart/2008/layout/AlternatingHexagons"/>
+    <dgm:cxn modelId="{F24C1FBB-ABD9-4A66-9092-575C2FB319B3}" type="presOf" srcId="{2793A56D-7C5D-4A21-95ED-4409A84F6F79}" destId="{BCF88D8A-FAF2-44AB-8CE4-A78B28883FED}" srcOrd="0" destOrd="0" presId="urn:microsoft.com/office/officeart/2008/layout/AlternatingHexagons"/>
+    <dgm:cxn modelId="{24AA4D7D-EFBD-4D3C-B51A-25B7C36A1BE8}" srcId="{3A882E34-6617-4325-8A39-F5280B090C59}" destId="{E19B27D1-F466-4111-9C5C-094B68CE8803}" srcOrd="0" destOrd="0" parTransId="{150FFA0D-799F-46EA-A991-4262D31EAF96}" sibTransId="{D8653F3C-10EC-46B6-9FB8-6BA28FE51BEE}"/>
+    <dgm:cxn modelId="{C84467EB-53F2-41BC-8F28-4567615B3EB1}" type="presOf" srcId="{042AF18B-2F36-4D5C-AFFB-0A8C5B97A62F}" destId="{5191775C-C28A-43D4-8072-9D8259C2FAA7}" srcOrd="0" destOrd="0" presId="urn:microsoft.com/office/officeart/2008/layout/AlternatingHexagons"/>
+    <dgm:cxn modelId="{B3385730-F4E5-4A44-A79E-8B72EA5E0CF6}" type="presParOf" srcId="{F30FE32C-9C5B-42A8-9CC6-FC2D1A66885B}" destId="{FBBE1E9B-7D6D-4EBF-A90A-18F5A44CF0BD}" srcOrd="0" destOrd="0" presId="urn:microsoft.com/office/officeart/2008/layout/AlternatingHexagons"/>
+    <dgm:cxn modelId="{67C5EDEF-8369-4C65-AD5B-52EDDB8F90FF}" type="presParOf" srcId="{FBBE1E9B-7D6D-4EBF-A90A-18F5A44CF0BD}" destId="{71B17BFC-D67C-4F36-A550-39BD4FC48E9E}" srcOrd="0" destOrd="0" presId="urn:microsoft.com/office/officeart/2008/layout/AlternatingHexagons"/>
+    <dgm:cxn modelId="{4A5651BA-480F-4ED9-B9DD-8C9B96B7E220}" type="presParOf" srcId="{FBBE1E9B-7D6D-4EBF-A90A-18F5A44CF0BD}" destId="{BCF88D8A-FAF2-44AB-8CE4-A78B28883FED}" srcOrd="1" destOrd="0" presId="urn:microsoft.com/office/officeart/2008/layout/AlternatingHexagons"/>
+    <dgm:cxn modelId="{2B2F4BFB-1D7B-4FD2-A327-A1A2367E4A2C}" type="presParOf" srcId="{FBBE1E9B-7D6D-4EBF-A90A-18F5A44CF0BD}" destId="{79500A40-9EEA-43CA-A468-E088D4BA6D70}" srcOrd="2" destOrd="0" presId="urn:microsoft.com/office/officeart/2008/layout/AlternatingHexagons"/>
+    <dgm:cxn modelId="{F533D6D7-CEB6-47EA-9613-E5DEEB6C73F4}" type="presParOf" srcId="{FBBE1E9B-7D6D-4EBF-A90A-18F5A44CF0BD}" destId="{C4D177A3-6520-445B-8C4A-910D5EC5B97A}" srcOrd="3" destOrd="0" presId="urn:microsoft.com/office/officeart/2008/layout/AlternatingHexagons"/>
+    <dgm:cxn modelId="{AB4C50F7-8BB4-41BA-8129-556CC54CF78F}" type="presParOf" srcId="{FBBE1E9B-7D6D-4EBF-A90A-18F5A44CF0BD}" destId="{CB9678F9-7D6E-4B2B-A26F-490F905A17B5}" srcOrd="4" destOrd="0" presId="urn:microsoft.com/office/officeart/2008/layout/AlternatingHexagons"/>
+    <dgm:cxn modelId="{26305B4C-AED8-4451-BC69-91D2F303FDAF}" type="presParOf" srcId="{F30FE32C-9C5B-42A8-9CC6-FC2D1A66885B}" destId="{15A6742B-6728-4E0E-B2C2-4DB74ED5D7DE}" srcOrd="1" destOrd="0" presId="urn:microsoft.com/office/officeart/2008/layout/AlternatingHexagons"/>
+    <dgm:cxn modelId="{5F6F470E-F106-445F-B7BE-6EDD44998509}" type="presParOf" srcId="{F30FE32C-9C5B-42A8-9CC6-FC2D1A66885B}" destId="{B9729D68-F491-4F41-9E6C-8E77AE4737BD}" srcOrd="2" destOrd="0" presId="urn:microsoft.com/office/officeart/2008/layout/AlternatingHexagons"/>
+    <dgm:cxn modelId="{A0E18400-200D-4EFE-BB49-3A95F1E963F7}" type="presParOf" srcId="{B9729D68-F491-4F41-9E6C-8E77AE4737BD}" destId="{E41E78E6-8375-46EB-8122-6D14E2FC100A}" srcOrd="0" destOrd="0" presId="urn:microsoft.com/office/officeart/2008/layout/AlternatingHexagons"/>
+    <dgm:cxn modelId="{3E161B12-FCC4-497A-B784-91106C4EEA60}" type="presParOf" srcId="{B9729D68-F491-4F41-9E6C-8E77AE4737BD}" destId="{5191775C-C28A-43D4-8072-9D8259C2FAA7}" srcOrd="1" destOrd="0" presId="urn:microsoft.com/office/officeart/2008/layout/AlternatingHexagons"/>
+    <dgm:cxn modelId="{76C1B5EA-00ED-428C-A8B8-032B9CE5DB7D}" type="presParOf" srcId="{B9729D68-F491-4F41-9E6C-8E77AE4737BD}" destId="{11AB6FE1-425C-41F9-B050-C913AF1FBC2F}" srcOrd="2" destOrd="0" presId="urn:microsoft.com/office/officeart/2008/layout/AlternatingHexagons"/>
+    <dgm:cxn modelId="{9747D276-F77C-4D3D-9423-B4792B1F8084}" type="presParOf" srcId="{B9729D68-F491-4F41-9E6C-8E77AE4737BD}" destId="{C9E7E172-A68C-4603-94D3-349CCDDF2B18}" srcOrd="3" destOrd="0" presId="urn:microsoft.com/office/officeart/2008/layout/AlternatingHexagons"/>
+    <dgm:cxn modelId="{61FA7116-792D-4BC1-AAD6-ECD5E15AF23F}" type="presParOf" srcId="{B9729D68-F491-4F41-9E6C-8E77AE4737BD}" destId="{958E7863-7E03-4CBC-951F-059E66E465E3}" srcOrd="4" destOrd="0" presId="urn:microsoft.com/office/officeart/2008/layout/AlternatingHexagons"/>
+    <dgm:cxn modelId="{6DB95E81-5DA8-444D-BE3F-7A45B05043CB}" type="presParOf" srcId="{F30FE32C-9C5B-42A8-9CC6-FC2D1A66885B}" destId="{530997C0-A59A-4570-998B-35BDE1159949}" srcOrd="3" destOrd="0" presId="urn:microsoft.com/office/officeart/2008/layout/AlternatingHexagons"/>
+    <dgm:cxn modelId="{E7116DCA-E212-4D65-9FFE-1C6BA3257DDB}" type="presParOf" srcId="{F30FE32C-9C5B-42A8-9CC6-FC2D1A66885B}" destId="{75197842-A5CE-4400-9D00-429F44F0FCCE}" srcOrd="4" destOrd="0" presId="urn:microsoft.com/office/officeart/2008/layout/AlternatingHexagons"/>
+    <dgm:cxn modelId="{14113074-CB6C-4105-83A7-B5EED2807E27}" type="presParOf" srcId="{75197842-A5CE-4400-9D00-429F44F0FCCE}" destId="{6841CED3-D67B-4EC2-9333-33F63CEB93E3}" srcOrd="0" destOrd="0" presId="urn:microsoft.com/office/officeart/2008/layout/AlternatingHexagons"/>
+    <dgm:cxn modelId="{AD79C942-F269-4B54-B0F5-5F7036125B4D}" type="presParOf" srcId="{75197842-A5CE-4400-9D00-429F44F0FCCE}" destId="{091D4454-8B75-432A-AAF5-12821D285302}" srcOrd="1" destOrd="0" presId="urn:microsoft.com/office/officeart/2008/layout/AlternatingHexagons"/>
+    <dgm:cxn modelId="{63E90228-5CEB-4131-BF90-FC9E396FA63D}" type="presParOf" srcId="{75197842-A5CE-4400-9D00-429F44F0FCCE}" destId="{97D90B55-A70C-4A58-AA46-B13F368B55FE}" srcOrd="2" destOrd="0" presId="urn:microsoft.com/office/officeart/2008/layout/AlternatingHexagons"/>
+    <dgm:cxn modelId="{EAE8956B-F294-4791-8BAA-4BAD09DA3F41}" type="presParOf" srcId="{75197842-A5CE-4400-9D00-429F44F0FCCE}" destId="{3EAAA852-C9DA-488B-B169-8ACE034ABD4F}" srcOrd="3" destOrd="0" presId="urn:microsoft.com/office/officeart/2008/layout/AlternatingHexagons"/>
+    <dgm:cxn modelId="{B0CF0249-4BEB-43BD-8BAB-683CC7D581F9}" type="presParOf" srcId="{75197842-A5CE-4400-9D00-429F44F0FCCE}" destId="{EA8D8AEF-CA32-444E-8227-C3B93B3A7FDD}" srcOrd="4" destOrd="0" presId="urn:microsoft.com/office/officeart/2008/layout/AlternatingHexagons"/>
+  </dgm:cxnLst>
+  <dgm:bg/>
+  <dgm:whole/>
+  <dgm:extLst>
+    <a:ext uri="http://schemas.microsoft.com/office/drawing/2008/diagram">
+      <dsp:dataModelExt xmlns:dsp="http://schemas.microsoft.com/office/drawing/2008/diagram" relId="rId6" minVer="http://schemas.openxmlformats.org/drawingml/2006/diagram"/>
+    </a:ext>
+  </dgm:extLst>
+</dgm:dataModel>
+</file>
+
+<file path=ppt/diagrams/drawing1.xml><?xml version="1.0" encoding="utf-8"?>
+<dsp:drawing xmlns:dgm="http://schemas.openxmlformats.org/drawingml/2006/diagram" xmlns:dsp="http://schemas.microsoft.com/office/drawing/2008/diagram" xmlns:a="http://schemas.openxmlformats.org/drawingml/2006/main">
+  <dsp:spTree>
+    <dsp:nvGrpSpPr>
+      <dsp:cNvPr id="0" name=""/>
+      <dsp:cNvGrpSpPr/>
+    </dsp:nvGrpSpPr>
+    <dsp:grpSpPr/>
+    <dsp:sp modelId="{71B17BFC-D67C-4F36-A550-39BD4FC48E9E}">
+      <dsp:nvSpPr>
+        <dsp:cNvPr id="0" name=""/>
+        <dsp:cNvSpPr/>
+      </dsp:nvSpPr>
+      <dsp:spPr>
+        <a:xfrm rot="5400000">
+          <a:off x="4790145" y="111386"/>
+          <a:ext cx="1685850" cy="1466690"/>
+        </a:xfrm>
+        <a:prstGeom prst="hexagon">
+          <a:avLst>
+            <a:gd name="adj" fmla="val 25000"/>
+            <a:gd name="vf" fmla="val 115470"/>
+          </a:avLst>
+        </a:prstGeom>
+        <a:solidFill>
+          <a:schemeClr val="accent1">
+            <a:hueOff val="0"/>
+            <a:satOff val="0"/>
+            <a:lumOff val="0"/>
+            <a:alphaOff val="0"/>
+          </a:schemeClr>
+        </a:solidFill>
+        <a:ln w="12700" cap="flat" cmpd="sng" algn="ctr">
+          <a:solidFill>
+            <a:schemeClr val="lt1">
+              <a:hueOff val="0"/>
+              <a:satOff val="0"/>
+              <a:lumOff val="0"/>
+              <a:alphaOff val="0"/>
+            </a:schemeClr>
+          </a:solidFill>
+          <a:prstDash val="solid"/>
+          <a:miter lim="800000"/>
+        </a:ln>
+        <a:effectLst/>
+      </dsp:spPr>
+      <dsp:style>
+        <a:lnRef idx="2">
+          <a:scrgbClr r="0" g="0" b="0"/>
+        </a:lnRef>
+        <a:fillRef idx="1">
+          <a:scrgbClr r="0" g="0" b="0"/>
+        </a:fillRef>
+        <a:effectRef idx="0">
+          <a:scrgbClr r="0" g="0" b="0"/>
+        </a:effectRef>
+        <a:fontRef idx="minor">
+          <a:schemeClr val="lt1"/>
+        </a:fontRef>
+      </dsp:style>
+      <dsp:txBody>
+        <a:bodyPr spcFirstLastPara="0" vert="horz" wrap="square" lIns="91440" tIns="91440" rIns="91440" bIns="91440" numCol="1" spcCol="1270" anchor="ctr" anchorCtr="0">
+          <a:noAutofit/>
+        </a:bodyPr>
+        <a:lstStyle/>
+        <a:p>
+          <a:pPr lvl="0" algn="ctr" defTabSz="1066800">
+            <a:lnSpc>
+              <a:spcPct val="90000"/>
+            </a:lnSpc>
+            <a:spcBef>
+              <a:spcPct val="0"/>
+            </a:spcBef>
+            <a:spcAft>
+              <a:spcPct val="35000"/>
+            </a:spcAft>
+          </a:pPr>
+          <a:r>
+            <a:rPr lang="en-US" sz="2400" kern="1200" dirty="0" smtClean="0"/>
+            <a:t>first</a:t>
+          </a:r>
+          <a:endParaRPr lang="en-US" sz="2400" kern="1200" dirty="0"/>
+        </a:p>
+      </dsp:txBody>
+      <dsp:txXfrm rot="-5400000">
+        <a:off x="5128284" y="264518"/>
+        <a:ext cx="1009572" cy="1160426"/>
+      </dsp:txXfrm>
+    </dsp:sp>
+    <dsp:sp modelId="{BCF88D8A-FAF2-44AB-8CE4-A78B28883FED}">
+      <dsp:nvSpPr>
+        <dsp:cNvPr id="0" name=""/>
+        <dsp:cNvSpPr/>
+      </dsp:nvSpPr>
+      <dsp:spPr>
+        <a:xfrm>
+          <a:off x="6410921" y="338976"/>
+          <a:ext cx="1881409" cy="1011510"/>
+        </a:xfrm>
+        <a:prstGeom prst="rect">
+          <a:avLst/>
+        </a:prstGeom>
+        <a:noFill/>
+        <a:ln>
+          <a:noFill/>
+        </a:ln>
+        <a:effectLst/>
+      </dsp:spPr>
+      <dsp:style>
+        <a:lnRef idx="0">
+          <a:scrgbClr r="0" g="0" b="0"/>
+        </a:lnRef>
+        <a:fillRef idx="0">
+          <a:scrgbClr r="0" g="0" b="0"/>
+        </a:fillRef>
+        <a:effectRef idx="0">
+          <a:scrgbClr r="0" g="0" b="0"/>
+        </a:effectRef>
+        <a:fontRef idx="minor"/>
+      </dsp:style>
+      <dsp:txBody>
+        <a:bodyPr spcFirstLastPara="0" vert="horz" wrap="square" lIns="91440" tIns="91440" rIns="91440" bIns="91440" numCol="1" spcCol="1270" anchor="ctr" anchorCtr="0">
+          <a:noAutofit/>
+        </a:bodyPr>
+        <a:lstStyle/>
+        <a:p>
+          <a:pPr lvl="0" algn="l" defTabSz="1066800">
+            <a:lnSpc>
+              <a:spcPct val="90000"/>
+            </a:lnSpc>
+            <a:spcBef>
+              <a:spcPct val="0"/>
+            </a:spcBef>
+            <a:spcAft>
+              <a:spcPct val="35000"/>
+            </a:spcAft>
+          </a:pPr>
+          <a:endParaRPr lang="en-US" sz="2400" kern="1200"/>
+        </a:p>
+      </dsp:txBody>
+      <dsp:txXfrm>
+        <a:off x="6410921" y="338976"/>
+        <a:ext cx="1881409" cy="1011510"/>
+      </dsp:txXfrm>
+    </dsp:sp>
+    <dsp:sp modelId="{CB9678F9-7D6E-4B2B-A26F-490F905A17B5}">
+      <dsp:nvSpPr>
+        <dsp:cNvPr id="0" name=""/>
+        <dsp:cNvSpPr/>
+      </dsp:nvSpPr>
+      <dsp:spPr>
+        <a:xfrm rot="5400000">
+          <a:off x="3206119" y="111386"/>
+          <a:ext cx="1685850" cy="1466690"/>
+        </a:xfrm>
+        <a:prstGeom prst="hexagon">
+          <a:avLst>
+            <a:gd name="adj" fmla="val 25000"/>
+            <a:gd name="vf" fmla="val 115470"/>
+          </a:avLst>
+        </a:prstGeom>
+        <a:solidFill>
+          <a:schemeClr val="accent1">
+            <a:hueOff val="0"/>
+            <a:satOff val="0"/>
+            <a:lumOff val="0"/>
+            <a:alphaOff val="0"/>
+          </a:schemeClr>
+        </a:solidFill>
+        <a:ln w="12700" cap="flat" cmpd="sng" algn="ctr">
+          <a:solidFill>
+            <a:schemeClr val="lt1">
+              <a:hueOff val="0"/>
+              <a:satOff val="0"/>
+              <a:lumOff val="0"/>
+              <a:alphaOff val="0"/>
+            </a:schemeClr>
+          </a:solidFill>
+          <a:prstDash val="solid"/>
+          <a:miter lim="800000"/>
+        </a:ln>
+        <a:effectLst/>
+      </dsp:spPr>
+      <dsp:style>
+        <a:lnRef idx="2">
+          <a:scrgbClr r="0" g="0" b="0"/>
+        </a:lnRef>
+        <a:fillRef idx="1">
+          <a:scrgbClr r="0" g="0" b="0"/>
+        </a:fillRef>
+        <a:effectRef idx="0">
+          <a:scrgbClr r="0" g="0" b="0"/>
+        </a:effectRef>
+        <a:fontRef idx="minor">
+          <a:schemeClr val="lt1"/>
+        </a:fontRef>
+      </dsp:style>
+      <dsp:txBody>
+        <a:bodyPr spcFirstLastPara="0" vert="horz" wrap="square" lIns="0" tIns="0" rIns="0" bIns="0" numCol="1" spcCol="1270" anchor="ctr" anchorCtr="0">
+          <a:noAutofit/>
+        </a:bodyPr>
+        <a:lstStyle/>
+        <a:p>
+          <a:pPr lvl="0" algn="ctr" defTabSz="1600200">
+            <a:lnSpc>
+              <a:spcPct val="90000"/>
+            </a:lnSpc>
+            <a:spcBef>
+              <a:spcPct val="0"/>
+            </a:spcBef>
+            <a:spcAft>
+              <a:spcPct val="35000"/>
+            </a:spcAft>
+          </a:pPr>
+          <a:endParaRPr lang="en-US" sz="3600" kern="1200"/>
+        </a:p>
+      </dsp:txBody>
+      <dsp:txXfrm rot="-5400000">
+        <a:off x="3544258" y="264518"/>
+        <a:ext cx="1009572" cy="1160426"/>
+      </dsp:txXfrm>
+    </dsp:sp>
+    <dsp:sp modelId="{E41E78E6-8375-46EB-8122-6D14E2FC100A}">
+      <dsp:nvSpPr>
+        <dsp:cNvPr id="0" name=""/>
+        <dsp:cNvSpPr/>
+      </dsp:nvSpPr>
+      <dsp:spPr>
+        <a:xfrm rot="5400000">
+          <a:off x="3995097" y="1542336"/>
+          <a:ext cx="1685850" cy="1466690"/>
+        </a:xfrm>
+        <a:prstGeom prst="hexagon">
+          <a:avLst>
+            <a:gd name="adj" fmla="val 25000"/>
+            <a:gd name="vf" fmla="val 115470"/>
+          </a:avLst>
+        </a:prstGeom>
+        <a:solidFill>
+          <a:schemeClr val="accent1">
+            <a:hueOff val="0"/>
+            <a:satOff val="0"/>
+            <a:lumOff val="0"/>
+            <a:alphaOff val="0"/>
+          </a:schemeClr>
+        </a:solidFill>
+        <a:ln w="12700" cap="flat" cmpd="sng" algn="ctr">
+          <a:solidFill>
+            <a:schemeClr val="lt1">
+              <a:hueOff val="0"/>
+              <a:satOff val="0"/>
+              <a:lumOff val="0"/>
+              <a:alphaOff val="0"/>
+            </a:schemeClr>
+          </a:solidFill>
+          <a:prstDash val="solid"/>
+          <a:miter lim="800000"/>
+        </a:ln>
+        <a:effectLst/>
+      </dsp:spPr>
+      <dsp:style>
+        <a:lnRef idx="2">
+          <a:scrgbClr r="0" g="0" b="0"/>
+        </a:lnRef>
+        <a:fillRef idx="1">
+          <a:scrgbClr r="0" g="0" b="0"/>
+        </a:fillRef>
+        <a:effectRef idx="0">
+          <a:scrgbClr r="0" g="0" b="0"/>
+        </a:effectRef>
+        <a:fontRef idx="minor">
+          <a:schemeClr val="lt1"/>
+        </a:fontRef>
+      </dsp:style>
+      <dsp:txBody>
+        <a:bodyPr spcFirstLastPara="0" vert="horz" wrap="square" lIns="91440" tIns="91440" rIns="91440" bIns="91440" numCol="1" spcCol="1270" anchor="ctr" anchorCtr="0">
+          <a:noAutofit/>
+        </a:bodyPr>
+        <a:lstStyle/>
+        <a:p>
+          <a:pPr lvl="0" algn="ctr" defTabSz="1066800">
+            <a:lnSpc>
+              <a:spcPct val="90000"/>
+            </a:lnSpc>
+            <a:spcBef>
+              <a:spcPct val="0"/>
+            </a:spcBef>
+            <a:spcAft>
+              <a:spcPct val="35000"/>
+            </a:spcAft>
+          </a:pPr>
+          <a:r>
+            <a:rPr lang="en-US" sz="2400" kern="1200" dirty="0" err="1" smtClean="0"/>
+            <a:t>secont</a:t>
+          </a:r>
+          <a:endParaRPr lang="en-US" sz="2400" kern="1200" dirty="0"/>
+        </a:p>
+      </dsp:txBody>
+      <dsp:txXfrm rot="-5400000">
+        <a:off x="4333236" y="1695468"/>
+        <a:ext cx="1009572" cy="1160426"/>
+      </dsp:txXfrm>
+    </dsp:sp>
+    <dsp:sp modelId="{5191775C-C28A-43D4-8072-9D8259C2FAA7}">
+      <dsp:nvSpPr>
+        <dsp:cNvPr id="0" name=""/>
+        <dsp:cNvSpPr/>
+      </dsp:nvSpPr>
+      <dsp:spPr>
+        <a:xfrm>
+          <a:off x="2223268" y="1769926"/>
+          <a:ext cx="1820718" cy="1011510"/>
+        </a:xfrm>
+        <a:prstGeom prst="rect">
+          <a:avLst/>
+        </a:prstGeom>
+        <a:noFill/>
+        <a:ln>
+          <a:noFill/>
+        </a:ln>
+        <a:effectLst/>
+      </dsp:spPr>
+      <dsp:style>
+        <a:lnRef idx="0">
+          <a:scrgbClr r="0" g="0" b="0"/>
+        </a:lnRef>
+        <a:fillRef idx="0">
+          <a:scrgbClr r="0" g="0" b="0"/>
+        </a:fillRef>
+        <a:effectRef idx="0">
+          <a:scrgbClr r="0" g="0" b="0"/>
+        </a:effectRef>
+        <a:fontRef idx="minor"/>
+      </dsp:style>
+      <dsp:txBody>
+        <a:bodyPr spcFirstLastPara="0" vert="horz" wrap="square" lIns="91440" tIns="91440" rIns="91440" bIns="91440" numCol="1" spcCol="1270" anchor="ctr" anchorCtr="0">
+          <a:noAutofit/>
+        </a:bodyPr>
+        <a:lstStyle/>
+        <a:p>
+          <a:pPr lvl="0" algn="r" defTabSz="1066800">
+            <a:lnSpc>
+              <a:spcPct val="90000"/>
+            </a:lnSpc>
+            <a:spcBef>
+              <a:spcPct val="0"/>
+            </a:spcBef>
+            <a:spcAft>
+              <a:spcPct val="35000"/>
+            </a:spcAft>
+          </a:pPr>
+          <a:endParaRPr lang="en-US" sz="2400" kern="1200"/>
+        </a:p>
+      </dsp:txBody>
+      <dsp:txXfrm>
+        <a:off x="2223268" y="1769926"/>
+        <a:ext cx="1820718" cy="1011510"/>
+      </dsp:txXfrm>
+    </dsp:sp>
+    <dsp:sp modelId="{958E7863-7E03-4CBC-951F-059E66E465E3}">
+      <dsp:nvSpPr>
+        <dsp:cNvPr id="0" name=""/>
+        <dsp:cNvSpPr/>
+      </dsp:nvSpPr>
+      <dsp:spPr>
+        <a:xfrm rot="5400000">
+          <a:off x="5579123" y="1542336"/>
+          <a:ext cx="1685850" cy="1466690"/>
+        </a:xfrm>
+        <a:prstGeom prst="hexagon">
+          <a:avLst>
+            <a:gd name="adj" fmla="val 25000"/>
+            <a:gd name="vf" fmla="val 115470"/>
+          </a:avLst>
+        </a:prstGeom>
+        <a:solidFill>
+          <a:schemeClr val="accent1">
+            <a:hueOff val="0"/>
+            <a:satOff val="0"/>
+            <a:lumOff val="0"/>
+            <a:alphaOff val="0"/>
+          </a:schemeClr>
+        </a:solidFill>
+        <a:ln w="12700" cap="flat" cmpd="sng" algn="ctr">
+          <a:solidFill>
+            <a:schemeClr val="lt1">
+              <a:hueOff val="0"/>
+              <a:satOff val="0"/>
+              <a:lumOff val="0"/>
+              <a:alphaOff val="0"/>
+            </a:schemeClr>
+          </a:solidFill>
+          <a:prstDash val="solid"/>
+          <a:miter lim="800000"/>
+        </a:ln>
+        <a:effectLst/>
+      </dsp:spPr>
+      <dsp:style>
+        <a:lnRef idx="2">
+          <a:scrgbClr r="0" g="0" b="0"/>
+        </a:lnRef>
+        <a:fillRef idx="1">
+          <a:scrgbClr r="0" g="0" b="0"/>
+        </a:fillRef>
+        <a:effectRef idx="0">
+          <a:scrgbClr r="0" g="0" b="0"/>
+        </a:effectRef>
+        <a:fontRef idx="minor">
+          <a:schemeClr val="lt1"/>
+        </a:fontRef>
+      </dsp:style>
+      <dsp:txBody>
+        <a:bodyPr spcFirstLastPara="0" vert="horz" wrap="square" lIns="0" tIns="0" rIns="0" bIns="0" numCol="1" spcCol="1270" anchor="ctr" anchorCtr="0">
+          <a:noAutofit/>
+        </a:bodyPr>
+        <a:lstStyle/>
+        <a:p>
+          <a:pPr lvl="0" algn="ctr" defTabSz="1600200">
+            <a:lnSpc>
+              <a:spcPct val="90000"/>
+            </a:lnSpc>
+            <a:spcBef>
+              <a:spcPct val="0"/>
+            </a:spcBef>
+            <a:spcAft>
+              <a:spcPct val="35000"/>
+            </a:spcAft>
+          </a:pPr>
+          <a:endParaRPr lang="en-US" sz="3600" kern="1200"/>
+        </a:p>
+      </dsp:txBody>
+      <dsp:txXfrm rot="-5400000">
+        <a:off x="5917262" y="1695468"/>
+        <a:ext cx="1009572" cy="1160426"/>
+      </dsp:txXfrm>
+    </dsp:sp>
+    <dsp:sp modelId="{6841CED3-D67B-4EC2-9333-33F63CEB93E3}">
+      <dsp:nvSpPr>
+        <dsp:cNvPr id="0" name=""/>
+        <dsp:cNvSpPr/>
+      </dsp:nvSpPr>
+      <dsp:spPr>
+        <a:xfrm rot="5400000">
+          <a:off x="4790145" y="2973286"/>
+          <a:ext cx="1685850" cy="1466690"/>
+        </a:xfrm>
+        <a:prstGeom prst="hexagon">
+          <a:avLst>
+            <a:gd name="adj" fmla="val 25000"/>
+            <a:gd name="vf" fmla="val 115470"/>
+          </a:avLst>
+        </a:prstGeom>
+        <a:solidFill>
+          <a:schemeClr val="accent1">
+            <a:hueOff val="0"/>
+            <a:satOff val="0"/>
+            <a:lumOff val="0"/>
+            <a:alphaOff val="0"/>
+          </a:schemeClr>
+        </a:solidFill>
+        <a:ln w="12700" cap="flat" cmpd="sng" algn="ctr">
+          <a:solidFill>
+            <a:schemeClr val="lt1">
+              <a:hueOff val="0"/>
+              <a:satOff val="0"/>
+              <a:lumOff val="0"/>
+              <a:alphaOff val="0"/>
+            </a:schemeClr>
+          </a:solidFill>
+          <a:prstDash val="solid"/>
+          <a:miter lim="800000"/>
+        </a:ln>
+        <a:effectLst/>
+      </dsp:spPr>
+      <dsp:style>
+        <a:lnRef idx="2">
+          <a:scrgbClr r="0" g="0" b="0"/>
+        </a:lnRef>
+        <a:fillRef idx="1">
+          <a:scrgbClr r="0" g="0" b="0"/>
+        </a:fillRef>
+        <a:effectRef idx="0">
+          <a:scrgbClr r="0" g="0" b="0"/>
+        </a:effectRef>
+        <a:fontRef idx="minor">
+          <a:schemeClr val="lt1"/>
+        </a:fontRef>
+      </dsp:style>
+      <dsp:txBody>
+        <a:bodyPr spcFirstLastPara="0" vert="horz" wrap="square" lIns="91440" tIns="91440" rIns="91440" bIns="91440" numCol="1" spcCol="1270" anchor="ctr" anchorCtr="0">
+          <a:noAutofit/>
+        </a:bodyPr>
+        <a:lstStyle/>
+        <a:p>
+          <a:pPr lvl="0" algn="ctr" defTabSz="1066800">
+            <a:lnSpc>
+              <a:spcPct val="90000"/>
+            </a:lnSpc>
+            <a:spcBef>
+              <a:spcPct val="0"/>
+            </a:spcBef>
+            <a:spcAft>
+              <a:spcPct val="35000"/>
+            </a:spcAft>
+          </a:pPr>
+          <a:r>
+            <a:rPr lang="en-US" sz="2400" kern="1200" dirty="0" smtClean="0"/>
+            <a:t>third</a:t>
+          </a:r>
+          <a:endParaRPr lang="en-US" sz="2400" kern="1200" dirty="0"/>
+        </a:p>
+      </dsp:txBody>
+      <dsp:txXfrm rot="-5400000">
+        <a:off x="5128284" y="3126418"/>
+        <a:ext cx="1009572" cy="1160426"/>
+      </dsp:txXfrm>
+    </dsp:sp>
+    <dsp:sp modelId="{091D4454-8B75-432A-AAF5-12821D285302}">
+      <dsp:nvSpPr>
+        <dsp:cNvPr id="0" name=""/>
+        <dsp:cNvSpPr/>
+      </dsp:nvSpPr>
+      <dsp:spPr>
+        <a:xfrm>
+          <a:off x="6410921" y="3200876"/>
+          <a:ext cx="1881409" cy="1011510"/>
+        </a:xfrm>
+        <a:prstGeom prst="rect">
+          <a:avLst/>
+        </a:prstGeom>
+        <a:noFill/>
+        <a:ln>
+          <a:noFill/>
+        </a:ln>
+        <a:effectLst/>
+      </dsp:spPr>
+      <dsp:style>
+        <a:lnRef idx="0">
+          <a:scrgbClr r="0" g="0" b="0"/>
+        </a:lnRef>
+        <a:fillRef idx="0">
+          <a:scrgbClr r="0" g="0" b="0"/>
+        </a:fillRef>
+        <a:effectRef idx="0">
+          <a:scrgbClr r="0" g="0" b="0"/>
+        </a:effectRef>
+        <a:fontRef idx="minor"/>
+      </dsp:style>
+      <dsp:txBody>
+        <a:bodyPr spcFirstLastPara="0" vert="horz" wrap="square" lIns="91440" tIns="91440" rIns="91440" bIns="91440" numCol="1" spcCol="1270" anchor="ctr" anchorCtr="0">
+          <a:noAutofit/>
+        </a:bodyPr>
+        <a:lstStyle/>
+        <a:p>
+          <a:pPr lvl="0" algn="l" defTabSz="1066800">
+            <a:lnSpc>
+              <a:spcPct val="90000"/>
+            </a:lnSpc>
+            <a:spcBef>
+              <a:spcPct val="0"/>
+            </a:spcBef>
+            <a:spcAft>
+              <a:spcPct val="35000"/>
+            </a:spcAft>
+          </a:pPr>
+          <a:endParaRPr lang="en-US" sz="2400" kern="1200"/>
+        </a:p>
+      </dsp:txBody>
+      <dsp:txXfrm>
+        <a:off x="6410921" y="3200876"/>
+        <a:ext cx="1881409" cy="1011510"/>
+      </dsp:txXfrm>
+    </dsp:sp>
+    <dsp:sp modelId="{EA8D8AEF-CA32-444E-8227-C3B93B3A7FDD}">
+      <dsp:nvSpPr>
+        <dsp:cNvPr id="0" name=""/>
+        <dsp:cNvSpPr/>
+      </dsp:nvSpPr>
+      <dsp:spPr>
+        <a:xfrm rot="5400000">
+          <a:off x="3206119" y="2973286"/>
+          <a:ext cx="1685850" cy="1466690"/>
+        </a:xfrm>
+        <a:prstGeom prst="hexagon">
+          <a:avLst>
+            <a:gd name="adj" fmla="val 25000"/>
+            <a:gd name="vf" fmla="val 115470"/>
+          </a:avLst>
+        </a:prstGeom>
+        <a:solidFill>
+          <a:schemeClr val="accent1">
+            <a:hueOff val="0"/>
+            <a:satOff val="0"/>
+            <a:lumOff val="0"/>
+            <a:alphaOff val="0"/>
+          </a:schemeClr>
+        </a:solidFill>
+        <a:ln w="12700" cap="flat" cmpd="sng" algn="ctr">
+          <a:solidFill>
+            <a:schemeClr val="lt1">
+              <a:hueOff val="0"/>
+              <a:satOff val="0"/>
+              <a:lumOff val="0"/>
+              <a:alphaOff val="0"/>
+            </a:schemeClr>
+          </a:solidFill>
+          <a:prstDash val="solid"/>
+          <a:miter lim="800000"/>
+        </a:ln>
+        <a:effectLst/>
+      </dsp:spPr>
+      <dsp:style>
+        <a:lnRef idx="2">
+          <a:scrgbClr r="0" g="0" b="0"/>
+        </a:lnRef>
+        <a:fillRef idx="1">
+          <a:scrgbClr r="0" g="0" b="0"/>
+        </a:fillRef>
+        <a:effectRef idx="0">
+          <a:scrgbClr r="0" g="0" b="0"/>
+        </a:effectRef>
+        <a:fontRef idx="minor">
+          <a:schemeClr val="lt1"/>
+        </a:fontRef>
+      </dsp:style>
+      <dsp:txBody>
+        <a:bodyPr spcFirstLastPara="0" vert="horz" wrap="square" lIns="0" tIns="0" rIns="0" bIns="0" numCol="1" spcCol="1270" anchor="ctr" anchorCtr="0">
+          <a:noAutofit/>
+        </a:bodyPr>
+        <a:lstStyle/>
+        <a:p>
+          <a:pPr lvl="0" algn="ctr" defTabSz="1600200">
+            <a:lnSpc>
+              <a:spcPct val="90000"/>
+            </a:lnSpc>
+            <a:spcBef>
+              <a:spcPct val="0"/>
+            </a:spcBef>
+            <a:spcAft>
+              <a:spcPct val="35000"/>
+            </a:spcAft>
+          </a:pPr>
+          <a:endParaRPr lang="en-US" sz="3600" kern="1200"/>
+        </a:p>
+      </dsp:txBody>
+      <dsp:txXfrm rot="-5400000">
+        <a:off x="3544258" y="3126418"/>
+        <a:ext cx="1009572" cy="1160426"/>
+      </dsp:txXfrm>
+    </dsp:sp>
+  </dsp:spTree>
+</dsp:drawing>
+</file>
+
+<file path=ppt/diagrams/layout1.xml><?xml version="1.0" encoding="utf-8"?>
+<dgm:layoutDef xmlns:dgm="http://schemas.openxmlformats.org/drawingml/2006/diagram" xmlns:a="http://schemas.openxmlformats.org/drawingml/2006/main" uniqueId="urn:microsoft.com/office/officeart/2008/layout/AlternatingHexagons">
+  <dgm:title val=""/>
+  <dgm:desc val=""/>
+  <dgm:catLst>
+    <dgm:cat type="list" pri="1500"/>
+  </dgm:catLst>
+  <dgm:sampData>
+    <dgm:dataModel>
+      <dgm:ptLst>
+        <dgm:pt modelId="0" type="doc"/>
+        <dgm:pt modelId="10">
+          <dgm:prSet phldr="1"/>
+        </dgm:pt>
+        <dgm:pt modelId="11">
+          <dgm:prSet phldr="1"/>
+        </dgm:pt>
+        <dgm:pt modelId="20">
+          <dgm:prSet phldr="1"/>
+        </dgm:pt>
+        <dgm:pt modelId="21">
+          <dgm:prSet phldr="1"/>
+        </dgm:pt>
+        <dgm:pt modelId="30">
+          <dgm:prSet phldr="1"/>
+        </dgm:pt>
+        <dgm:pt modelId="31">
+          <dgm:prSet phldr="1"/>
+        </dgm:pt>
+      </dgm:ptLst>
+      <dgm:cxnLst>
+        <dgm:cxn modelId="40" srcId="0" destId="10" srcOrd="0" destOrd="0"/>
+        <dgm:cxn modelId="12" srcId="10" destId="11" srcOrd="0" destOrd="0"/>
+        <dgm:cxn modelId="50" srcId="0" destId="20" srcOrd="1" destOrd="0"/>
+        <dgm:cxn modelId="22" srcId="20" destId="21" srcOrd="0" destOrd="0"/>
+        <dgm:cxn modelId="60" srcId="0" destId="30" srcOrd="1" destOrd="0"/>
+        <dgm:cxn modelId="32" srcId="30" destId="31" srcOrd="0" destOrd="0"/>
+      </dgm:cxnLst>
+      <dgm:bg/>
+      <dgm:whole/>
+    </dgm:dataModel>
+  </dgm:sampData>
+  <dgm:styleData>
+    <dgm:dataModel>
+      <dgm:ptLst>
+        <dgm:pt modelId="0" type="doc"/>
+        <dgm:pt modelId="10">
+          <dgm:prSet phldr="1"/>
+        </dgm:pt>
+        <dgm:pt modelId="20">
+          <dgm:prSet phldr="1"/>
+        </dgm:pt>
+      </dgm:ptLst>
+      <dgm:cxnLst>
+        <dgm:cxn modelId="60" srcId="0" destId="10" srcOrd="0" destOrd="0"/>
+        <dgm:cxn modelId="70" srcId="0" destId="20" srcOrd="1" destOrd="0"/>
+      </dgm:cxnLst>
+      <dgm:bg/>
+      <dgm:whole/>
+    </dgm:dataModel>
+  </dgm:styleData>
+  <dgm:clrData>
+    <dgm:dataModel>
+      <dgm:ptLst>
+        <dgm:pt modelId="0" type="doc"/>
+        <dgm:pt modelId="10">
+          <dgm:prSet phldr="1"/>
+        </dgm:pt>
+        <dgm:pt modelId="20">
+          <dgm:prSet phldr="1"/>
+        </dgm:pt>
+        <dgm:pt modelId="30">
+          <dgm:prSet phldr="1"/>
+        </dgm:pt>
+        <dgm:pt modelId="40">
+          <dgm:prSet phldr="1"/>
+        </dgm:pt>
+      </dgm:ptLst>
+      <dgm:cxnLst>
+        <dgm:cxn modelId="60" srcId="0" destId="10" srcOrd="0" destOrd="0"/>
+        <dgm:cxn modelId="70" srcId="0" destId="20" srcOrd="1" destOrd="0"/>
+        <dgm:cxn modelId="80" srcId="0" destId="30" srcOrd="2" destOrd="0"/>
+        <dgm:cxn modelId="90" srcId="0" destId="40" srcOrd="3" destOrd="0"/>
+      </dgm:cxnLst>
+      <dgm:bg/>
+      <dgm:whole/>
+    </dgm:dataModel>
+  </dgm:clrData>
+  <dgm:layoutNode name="Name0">
+    <dgm:varLst>
+      <dgm:chMax/>
+      <dgm:chPref/>
+      <dgm:dir/>
+      <dgm:animLvl val="lvl"/>
+    </dgm:varLst>
+    <dgm:alg type="lin">
+      <dgm:param type="linDir" val="fromT"/>
+    </dgm:alg>
+    <dgm:shape xmlns:r="http://schemas.openxmlformats.org/officeDocument/2006/relationships" r:blip="">
+      <dgm:adjLst/>
+    </dgm:shape>
+    <dgm:constrLst>
+      <dgm:constr type="primFontSz" for="des" forName="Parent1" val="65"/>
+      <dgm:constr type="primFontSz" for="des" forName="Childtext1" refType="primFontSz" refFor="des" refForName="Parent1" op="lte"/>
+      <dgm:constr type="w" for="ch" forName="composite" refType="w"/>
+      <dgm:constr type="h" for="ch" forName="composite" refType="h"/>
+      <dgm:constr type="h" for="ch" forName="spaceBetweenRectangles" refType="w" refFor="ch" refForName="composite" fact="-0.042"/>
+      <dgm:constr type="sp" refType="h" refFor="ch" refForName="composite" op="equ" fact="0.1"/>
+    </dgm:constrLst>
+    <dgm:forEach name="nodesForEach" axis="ch" ptType="node">
+      <dgm:layoutNode name="composite">
+        <dgm:alg type="composite">
+          <dgm:param type="ar" val="3.6"/>
+        </dgm:alg>
+        <dgm:shape xmlns:r="http://schemas.openxmlformats.org/officeDocument/2006/relationships" r:blip="">
+          <dgm:adjLst/>
+        </dgm:shape>
+        <dgm:choose name="Name1">
+          <dgm:if name="Name2" func="var" arg="dir" op="equ" val="norm">
+            <dgm:choose name="Name3">
+              <dgm:if name="Name4" axis="self" ptType="node" func="posOdd" op="equ" val="1">
+                <dgm:constrLst>
+                  <dgm:constr type="l" for="ch" forName="Accent1" refType="w" fact="0.18"/>
+                  <dgm:constr type="t" for="ch" forName="Accent1" refType="h" fact="0"/>
+                  <dgm:constr type="h" for="ch" forName="Accent1" refType="h"/>
+                  <dgm:constr type="w" for="ch" forName="Accent1" refType="h" fact="0.87"/>
+                  <dgm:constr type="l" for="ch" forName="Accent1Text" refType="w" fact="0.18"/>
+                  <dgm:constr type="t" for="ch" forName="Accent1Text" refType="h" fact="0"/>
+                  <dgm:constr type="h" for="ch" forName="Accent1Text" refType="h"/>
+                  <dgm:constr type="w" for="ch" forName="Accent1Text" refType="h" fact="0.87"/>
+                  <dgm:constr type="l" for="ch" forName="Parent1" refType="w" fact="0.441"/>
+                  <dgm:constr type="t" for="ch" forName="Parent1" refType="h" fact="0"/>
+                  <dgm:constr type="h" for="ch" forName="Parent1" refType="h"/>
+                  <dgm:constr type="w" for="ch" forName="Parent1" refType="h" fact="0.87"/>
+                  <dgm:constr type="l" for="ch" forName="Childtext1" refType="w" fact="0.69"/>
+                  <dgm:constr type="t" for="ch" forName="Childtext1" refType="h" fact="0.2"/>
+                  <dgm:constr type="w" for="ch" forName="Childtext1" refType="w" fact="0.31"/>
+                  <dgm:constr type="h" for="ch" forName="Childtext1" refType="h" fact="0.6"/>
+                  <dgm:constr type="l" for="ch" forName="BalanceSpacing" refType="w" fact="0"/>
+                  <dgm:constr type="t" for="ch" forName="BalanceSpacing" refType="h" fact="0"/>
+                  <dgm:constr type="w" for="ch" forName="BalanceSpacing" refType="w"/>
+                  <dgm:constr type="h" for="ch" forName="BalanceSpacing" refType="h" fact="0.1"/>
+                  <dgm:constr type="l" for="ch" forName="BalanceSpacing1" refType="w" fact="0.69"/>
+                  <dgm:constr type="t" for="ch" forName="BalanceSpacing1" refType="h" fact="0.2"/>
+                  <dgm:constr type="w" for="ch" forName="BalanceSpacing1" refType="w" fact="0.31"/>
+                  <dgm:constr type="h" for="ch" forName="BalanceSpacing1" refType="h" fact="0.6"/>
+                </dgm:constrLst>
+              </dgm:if>
+              <dgm:else name="Name5">
+                <dgm:constrLst>
+                  <dgm:constr type="l" for="ch" forName="Accent1" refType="w" fact="0.571"/>
+                  <dgm:constr type="t" for="ch" forName="Accent1" refType="h" fact="0"/>
+                  <dgm:constr type="h" for="ch" forName="Accent1" refType="h"/>
+                  <dgm:constr type="w" for="ch" forName="Accent1" refType="h" fact="0.87"/>
+                  <dgm:constr type="l" for="ch" forName="Accent1Text" refType="w" fact="0.571"/>
+                  <dgm:constr type="t" for="ch" forName="Accent1Text" refType="h" fact="0"/>
+                  <dgm:constr type="h" for="ch" forName="Accent1Text" refType="h"/>
+                  <dgm:constr type="w" for="ch" forName="Accent1Text" refType="h" fact="0.87"/>
+                  <dgm:constr type="l" for="ch" forName="Parent1" refType="w" fact="0.31"/>
+                  <dgm:constr type="t" for="ch" forName="Parent1" refType="h" fact="0"/>
+                  <dgm:constr type="h" for="ch" forName="Parent1" refType="h"/>
+                  <dgm:constr type="w" for="ch" forName="Parent1" refType="h" fact="0.87"/>
+                  <dgm:constr type="l" for="ch" forName="Childtext1" refType="w" fact="0"/>
+                  <dgm:constr type="t" for="ch" forName="Childtext1" refType="h" fact="0.2"/>
+                  <dgm:constr type="w" for="ch" forName="Childtext1" refType="w" fact="0.3"/>
+                  <dgm:constr type="h" for="ch" forName="Childtext1" refType="h" fact="0.6"/>
+                  <dgm:constr type="l" for="ch" forName="BalanceSpacing" refType="w" fact="0.82"/>
+                  <dgm:constr type="t" for="ch" forName="BalanceSpacing" refType="h" fact="0"/>
+                  <dgm:constr type="w" for="ch" forName="BalanceSpacing" refType="w" fact="0.18"/>
+                  <dgm:constr type="h" for="ch" forName="BalanceSpacing" refType="h"/>
+                  <dgm:constr type="l" for="ch" forName="BalanceSpacing1" refType="w" fact="0"/>
+                  <dgm:constr type="t" for="ch" forName="BalanceSpacing1" refType="h" fact="0.2"/>
+                  <dgm:constr type="w" for="ch" forName="BalanceSpacing1" refType="w" fact="0.3"/>
+                  <dgm:constr type="h" for="ch" forName="BalanceSpacing1" refType="h" fact="0.6"/>
+                </dgm:constrLst>
+              </dgm:else>
+            </dgm:choose>
+          </dgm:if>
+          <dgm:else name="Name6">
+            <dgm:choose name="Name7">
+              <dgm:if name="Name8" axis="self" ptType="node" func="posOdd" op="equ" val="1">
+                <dgm:constrLst>
+                  <dgm:constr type="l" for="ch" forName="Accent1" refType="w" fact="0.571"/>
+                  <dgm:constr type="t" for="ch" forName="Accent1" refType="h" fact="0"/>
+                  <dgm:constr type="h" for="ch" forName="Accent1" refType="h"/>
+                  <dgm:constr type="w" for="ch" forName="Accent1" refType="h" fact="0.87"/>
+                  <dgm:constr type="l" for="ch" forName="Accent1Text" refType="w" fact="0.571"/>
+                  <dgm:constr type="t" for="ch" forName="Accent1Text" refType="h" fact="0"/>
+                  <dgm:constr type="h" for="ch" forName="Accent1Text" refType="h"/>
+                  <dgm:constr type="w" for="ch" forName="Accent1Text" refType="h" fact="0.87"/>
+                  <dgm:constr type="l" for="ch" forName="Parent1" refType="w" fact="0.31"/>
+                  <dgm:constr type="t" for="ch" forName="Parent1" refType="h" fact="0"/>
+                  <dgm:constr type="h" for="ch" forName="Parent1" refType="h"/>
+                  <dgm:constr type="w" for="ch" forName="Parent1" refType="h" fact="0.87"/>
+                  <dgm:constr type="l" for="ch" forName="Childtext1" refType="w" fact="0"/>
+                  <dgm:constr type="t" for="ch" forName="Childtext1" refType="h" fact="0.2"/>
+                  <dgm:constr type="w" for="ch" forName="Childtext1" refType="w" fact="0.3"/>
+                  <dgm:constr type="h" for="ch" forName="Childtext1" refType="h" fact="0.6"/>
+                  <dgm:constr type="l" for="ch" forName="BalanceSpacing" refType="w" fact="0.82"/>
+                  <dgm:constr type="t" for="ch" forName="BalanceSpacing" refType="h" fact="0"/>
+                  <dgm:constr type="w" for="ch" forName="BalanceSpacing" refType="w" fact="0.18"/>
+                  <dgm:constr type="h" for="ch" forName="BalanceSpacing" refType="h"/>
+                </dgm:constrLst>
+              </dgm:if>
+              <dgm:else name="Name9">
+                <dgm:constrLst>
+                  <dgm:constr type="l" for="ch" forName="Accent1" refType="w" fact="0.18"/>
+                  <dgm:constr type="t" for="ch" forName="Accent1" refType="h" fact="0"/>
+                  <dgm:constr type="h" for="ch" forName="Accent1" refType="h"/>
+                  <dgm:constr type="w" for="ch" forName="Accent1" refType="h" fact="0.87"/>
+                  <dgm:constr type="l" for="ch" forName="Accent1Text" refType="w" fact="0.18"/>
+                  <dgm:constr type="t" for="ch" forName="Accent1Text" refType="h" fact="0"/>
+                  <dgm:constr type="h" for="ch" forName="Accent1Text" refType="h"/>
+                  <dgm:constr type="w" for="ch" forName="Accent1Text" refType="h" fact="0.87"/>
+                  <dgm:constr type="l" for="ch" forName="Parent1" refType="w" fact="0.441"/>
+                  <dgm:constr type="t" for="ch" forName="Parent1" refType="h" fact="0"/>
+                  <dgm:constr type="h" for="ch" forName="Parent1" refType="h"/>
+                  <dgm:constr type="w" for="ch" forName="Parent1" refType="h" fact="0.87"/>
+                  <dgm:constr type="l" for="ch" forName="Childtext1" refType="w" fact="0.69"/>
+                  <dgm:constr type="t" for="ch" forName="Childtext1" refType="h" fact="0.2"/>
+                  <dgm:constr type="w" for="ch" forName="Childtext1" refType="w" fact="0.31"/>
+                  <dgm:constr type="h" for="ch" forName="Childtext1" refType="h" fact="0.6"/>
+                  <dgm:constr type="l" for="ch" forName="BalanceSpacing" refType="w" fact="0"/>
+                  <dgm:constr type="t" for="ch" forName="BalanceSpacing" refType="h" fact="0"/>
+                  <dgm:constr type="w" for="ch" forName="BalanceSpacing" refType="w" fact="0.18"/>
+                  <dgm:constr type="h" for="ch" forName="BalanceSpacing" refType="h"/>
+                </dgm:constrLst>
+              </dgm:else>
+            </dgm:choose>
+          </dgm:else>
+        </dgm:choose>
+        <dgm:layoutNode name="Parent1" styleLbl="node1">
+          <dgm:varLst>
+            <dgm:chMax val="1"/>
+            <dgm:chPref val="1"/>
+            <dgm:bulletEnabled val="1"/>
+          </dgm:varLst>
+          <dgm:alg type="tx"/>
+          <dgm:shape xmlns:r="http://schemas.openxmlformats.org/officeDocument/2006/relationships" rot="90" type="hexagon" r:blip="">
+            <dgm:adjLst>
+              <dgm:adj idx="1" val="0.25"/>
+              <dgm:adj idx="2" val="1.1547"/>
+            </dgm:adjLst>
+          </dgm:shape>
+          <dgm:presOf axis="self" ptType="node"/>
+          <dgm:constrLst>
+            <dgm:constr type="lMarg" refType="primFontSz" fact="0.3"/>
+            <dgm:constr type="rMarg" refType="primFontSz" fact="0.3"/>
+            <dgm:constr type="tMarg" refType="primFontSz" fact="0.3"/>
+            <dgm:constr type="bMarg" refType="primFontSz" fact="0.3"/>
+          </dgm:constrLst>
+          <dgm:ruleLst>
+            <dgm:rule type="primFontSz" val="5" fact="NaN" max="NaN"/>
+          </dgm:ruleLst>
+        </dgm:layoutNode>
+        <dgm:layoutNode name="Childtext1" styleLbl="revTx">
+          <dgm:varLst>
+            <dgm:chMax val="0"/>
+            <dgm:chPref val="0"/>
+            <dgm:bulletEnabled val="1"/>
+          </dgm:varLst>
+          <dgm:choose name="Name10">
+            <dgm:if name="Name11" func="var" arg="dir" op="equ" val="norm">
+              <dgm:choose name="Name12">
+                <dgm:if name="Name13" axis="self" ptType="node" func="posOdd" op="equ" val="1">
+                  <dgm:alg type="tx">
+                    <dgm:param type="parTxLTRAlign" val="l"/>
+                  </dgm:alg>
+                </dgm:if>
+                <dgm:else name="Name14">
+                  <dgm:alg type="tx">
+                    <dgm:param type="parTxLTRAlign" val="r"/>
+                  </dgm:alg>
+                </dgm:else>
+              </dgm:choose>
+            </dgm:if>
+            <dgm:else name="Name15">
+              <dgm:choose name="Name16">
+                <dgm:if name="Name17" axis="self" ptType="node" func="posOdd" op="equ" val="1">
+                  <dgm:alg type="tx">
+                    <dgm:param type="parTxLTRAlign" val="r"/>
+                  </dgm:alg>
+                </dgm:if>
+                <dgm:else name="Name18">
+                  <dgm:alg type="tx">
+                    <dgm:param type="parTxLTRAlign" val="l"/>
+                  </dgm:alg>
+                </dgm:else>
+              </dgm:choose>
+            </dgm:else>
+          </dgm:choose>
+          <dgm:shape xmlns:r="http://schemas.openxmlformats.org/officeDocument/2006/relationships" type="rect" r:blip="">
+            <dgm:adjLst/>
+          </dgm:shape>
+          <dgm:presOf axis="des" ptType="node"/>
+          <dgm:constrLst>
+            <dgm:constr type="lMarg" refType="primFontSz" fact="0.3"/>
+            <dgm:constr type="rMarg" refType="primFontSz" fact="0.3"/>
+            <dgm:constr type="tMarg" refType="primFontSz" fact="0.3"/>
+            <dgm:constr type="bMarg" refType="primFontSz" fact="0.3"/>
+          </dgm:constrLst>
+          <dgm:ruleLst>
+            <dgm:rule type="primFontSz" val="5" fact="NaN" max="NaN"/>
+          </dgm:ruleLst>
+        </dgm:layoutNode>
+        <dgm:layoutNode name="BalanceSpacing">
+          <dgm:alg type="sp"/>
+          <dgm:shape xmlns:r="http://schemas.openxmlformats.org/officeDocument/2006/relationships" r:blip="">
+            <dgm:adjLst/>
+          </dgm:shape>
+        </dgm:layoutNode>
+        <dgm:layoutNode name="BalanceSpacing1">
+          <dgm:alg type="sp"/>
+          <dgm:shape xmlns:r="http://schemas.openxmlformats.org/officeDocument/2006/relationships" r:blip="">
+            <dgm:adjLst/>
+          </dgm:shape>
+        </dgm:layoutNode>
+        <dgm:forEach name="Name19" axis="followSib" ptType="sibTrans" hideLastTrans="0" cnt="1">
+          <dgm:layoutNode name="Accent1Text" styleLbl="node1">
+            <dgm:alg type="tx"/>
+            <dgm:shape xmlns:r="http://schemas.openxmlformats.org/officeDocument/2006/relationships" rot="90" type="hexagon" r:blip="">
+              <dgm:adjLst>
+                <dgm:adj idx="1" val="0.25"/>
+                <dgm:adj idx="2" val="1.1547"/>
+              </dgm:adjLst>
+            </dgm:shape>
+            <dgm:presOf axis="self" ptType="sibTrans"/>
+            <dgm:constrLst>
+              <dgm:constr type="lMarg"/>
+              <dgm:constr type="rMarg"/>
+              <dgm:constr type="tMarg"/>
+              <dgm:constr type="bMarg"/>
+            </dgm:constrLst>
+            <dgm:ruleLst>
+              <dgm:rule type="primFontSz" val="5" fact="NaN" max="NaN"/>
+            </dgm:ruleLst>
+          </dgm:layoutNode>
+        </dgm:forEach>
+      </dgm:layoutNode>
+      <dgm:forEach name="Name20" axis="followSib" ptType="sibTrans" cnt="1">
+        <dgm:layoutNode name="spaceBetweenRectangles">
+          <dgm:alg type="sp"/>
+          <dgm:shape xmlns:r="http://schemas.openxmlformats.org/officeDocument/2006/relationships" r:blip="">
+            <dgm:adjLst/>
+          </dgm:shape>
+          <dgm:presOf/>
+          <dgm:constrLst/>
+          <dgm:ruleLst/>
+        </dgm:layoutNode>
+      </dgm:forEach>
+    </dgm:forEach>
+  </dgm:layoutNode>
+</dgm:layoutDef>
+</file>
+
+<file path=ppt/diagrams/quickStyle1.xml><?xml version="1.0" encoding="utf-8"?>
+<dgm:styleDef xmlns:dgm="http://schemas.openxmlformats.org/drawingml/2006/diagram" xmlns:a="http://schemas.openxmlformats.org/drawingml/2006/main" uniqueId="urn:microsoft.com/office/officeart/2005/8/quickstyle/simple1">
+  <dgm:title val=""/>
+  <dgm:desc val=""/>
+  <dgm:catLst>
+    <dgm:cat type="simple" pri="10100"/>
+  </dgm:catLst>
+  <dgm:scene3d>
+    <a:camera prst="orthographicFront"/>
+    <a:lightRig rig="threePt" dir="t"/>
+  </dgm:scene3d>
+  <dgm:styleLbl name="node0">
+    <dgm:scene3d>
+      <a:camera prst="orthographicFront"/>
+      <a:lightRig rig="threePt" dir="t"/>
+    </dgm:scene3d>
+    <dgm:sp3d/>
+    <dgm:txPr/>
+    <dgm:style>
+      <a:lnRef idx="2">
+        <a:scrgbClr r="0" g="0" b="0"/>
+      </a:lnRef>
+      <a:fillRef idx="1">
+        <a:scrgbClr r="0" g="0" b="0"/>
+      </a:fillRef>
+      <a:effectRef idx="0">
+        <a:scrgbClr r="0" g="0" b="0"/>
+      </a:effectRef>
+      <a:fontRef idx="minor">
+        <a:schemeClr val="lt1"/>
+      </a:fontRef>
+    </dgm:style>
+  </dgm:styleLbl>
+  <dgm:styleLbl name="lnNode1">
+    <dgm:scene3d>
+      <a:camera prst="orthographicFront"/>
+      <a:lightRig rig="threePt" dir="t"/>
+    </dgm:scene3d>
+    <dgm:sp3d/>
+    <dgm:txPr/>
+    <dgm:style>
+      <a:lnRef idx="2">
+        <a:scrgbClr r="0" g="0" b="0"/>
+      </a:lnRef>
+      <a:fillRef idx="1">
+        <a:scrgbClr r="0" g="0" b="0"/>
+      </a:fillRef>
+      <a:effectRef idx="0">
+        <a:scrgbClr r="0" g="0" b="0"/>
+      </a:effectRef>
+      <a:fontRef idx="minor">
+        <a:schemeClr val="lt1"/>
+      </a:fontRef>
+    </dgm:style>
+  </dgm:styleLbl>
+  <dgm:styleLbl name="vennNode1">
+    <dgm:scene3d>
+      <a:camera prst="orthographicFront"/>
+      <a:lightRig rig="threePt" dir="t"/>
+    </dgm:scene3d>
+    <dgm:sp3d/>
+    <dgm:txPr/>
+    <dgm:style>
+      <a:lnRef idx="2">
+        <a:scrgbClr r="0" g="0" b="0"/>
+      </a:lnRef>
+      <a:fillRef idx="1">
+        <a:scrgbClr r="0" g="0" b="0"/>
+      </a:fillRef>
+      <a:effectRef idx="0">
+        <a:scrgbClr r="0" g="0" b="0"/>
+      </a:effectRef>
+      <a:fontRef idx="minor">
+        <a:schemeClr val="tx1"/>
+      </a:fontRef>
+    </dgm:style>
+  </dgm:styleLbl>
+  <dgm:styleLbl name="alignNode1">
+    <dgm:scene3d>
+      <a:camera prst="orthographicFront"/>
+      <a:lightRig rig="threePt" dir="t"/>
+    </dgm:scene3d>
+    <dgm:sp3d/>
+    <dgm:txPr/>
+    <dgm:style>
+      <a:lnRef idx="2">
+        <a:scrgbClr r="0" g="0" b="0"/>
+      </a:lnRef>
+      <a:fillRef idx="1">
+        <a:scrgbClr r="0" g="0" b="0"/>
+      </a:fillRef>
+      <a:effectRef idx="0">
+        <a:scrgbClr r="0" g="0" b="0"/>
+      </a:effectRef>
+      <a:fontRef idx="minor">
+        <a:schemeClr val="lt1"/>
+      </a:fontRef>
+    </dgm:style>
+  </dgm:styleLbl>
+  <dgm:styleLbl name="node1">
+    <dgm:scene3d>
+      <a:camera prst="orthographicFront"/>
+      <a:lightRig rig="threePt" dir="t"/>
+    </dgm:scene3d>
+    <dgm:sp3d/>
+    <dgm:txPr/>
+    <dgm:style>
+      <a:lnRef idx="2">
+        <a:scrgbClr r="0" g="0" b="0"/>
+      </a:lnRef>
+      <a:fillRef idx="1">
+        <a:scrgbClr r="0" g="0" b="0"/>
+      </a:fillRef>
+      <a:effectRef idx="0">
+        <a:scrgbClr r="0" g="0" b="0"/>
+      </a:effectRef>
+      <a:fontRef idx="minor">
+        <a:schemeClr val="lt1"/>
+      </a:fontRef>
+    </dgm:style>
+  </dgm:styleLbl>
+  <dgm:styleLbl name="node2">
+    <dgm:scene3d>
+      <a:camera prst="orthographicFront"/>
+      <a:lightRig rig="threePt" dir="t"/>
+    </dgm:scene3d>
+    <dgm:sp3d/>
+    <dgm:txPr/>
+    <dgm:style>
+      <a:lnRef idx="2">
+        <a:scrgbClr r="0" g="0" b="0"/>
+      </a:lnRef>
+      <a:fillRef idx="1">
+        <a:scrgbClr r="0" g="0" b="0"/>
+      </a:fillRef>
+      <a:effectRef idx="0">
+        <a:scrgbClr r="0" g="0" b="0"/>
+      </a:effectRef>
+      <a:fontRef idx="minor">
+        <a:schemeClr val="lt1"/>
+      </a:fontRef>
+    </dgm:style>
+  </dgm:styleLbl>
+  <dgm:styleLbl name="node3">
+    <dgm:scene3d>
+      <a:camera prst="orthographicFront"/>
+      <a:lightRig rig="threePt" dir="t"/>
+    </dgm:scene3d>
+    <dgm:sp3d/>
+    <dgm:txPr/>
+    <dgm:style>
+      <a:lnRef idx="2">
+        <a:scrgbClr r="0" g="0" b="0"/>
+      </a:lnRef>
+      <a:fillRef idx="1">
+        <a:scrgbClr r="0" g="0" b="0"/>
+      </a:fillRef>
+      <a:effectRef idx="0">
+        <a:scrgbClr r="0" g="0" b="0"/>
+      </a:effectRef>
+      <a:fontRef idx="minor">
+        <a:schemeClr val="lt1"/>
+      </a:fontRef>
+    </dgm:style>
+  </dgm:styleLbl>
+  <dgm:styleLbl name="node4">
+    <dgm:scene3d>
+      <a:camera prst="orthographicFront"/>
+      <a:lightRig rig="threePt" dir="t"/>
+    </dgm:scene3d>
+    <dgm:sp3d/>
+    <dgm:txPr/>
+    <dgm:style>
+      <a:lnRef idx="2">
+        <a:scrgbClr r="0" g="0" b="0"/>
+      </a:lnRef>
+      <a:fillRef idx="1">
+        <a:scrgbClr r="0" g="0" b="0"/>
+      </a:fillRef>
+      <a:effectRef idx="0">
+        <a:scrgbClr r="0" g="0" b="0"/>
+      </a:effectRef>
+      <a:fontRef idx="minor">
+        <a:schemeClr val="lt1"/>
+      </a:fontRef>
+    </dgm:style>
+  </dgm:styleLbl>
+  <dgm:styleLbl name="fgImgPlace1">
+    <dgm:scene3d>
+      <a:camera prst="orthographicFront"/>
+      <a:lightRig rig="threePt" dir="t"/>
+    </dgm:scene3d>
+    <dgm:sp3d/>
+    <dgm:txPr/>
+    <dgm:style>
+      <a:lnRef idx="2">
+        <a:scrgbClr r="0" g="0" b="0"/>
+      </a:lnRef>
+      <a:fillRef idx="1">
+        <a:scrgbClr r="0" g="0" b="0"/>
+      </a:fillRef>
+      <a:effectRef idx="0">
+        <a:scrgbClr r="0" g="0" b="0"/>
+      </a:effectRef>
+      <a:fontRef idx="minor"/>
+    </dgm:style>
+  </dgm:styleLbl>
+  <dgm:styleLbl name="alignImgPlace1">
+    <dgm:scene3d>
+      <a:camera prst="orthographicFront"/>
+      <a:lightRig rig="threePt" dir="t"/>
+    </dgm:scene3d>
+    <dgm:sp3d/>
+    <dgm:txPr/>
+    <dgm:style>
+      <a:lnRef idx="2">
+        <a:scrgbClr r="0" g="0" b="0"/>
+      </a:lnRef>
+      <a:fillRef idx="1">
+        <a:scrgbClr r="0" g="0" b="0"/>
+      </a:fillRef>
+      <a:effectRef idx="0">
+        <a:scrgbClr r="0" g="0" b="0"/>
+      </a:effectRef>
+      <a:fontRef idx="minor"/>
+    </dgm:style>
+  </dgm:styleLbl>
+  <dgm:styleLbl name="bgImgPlace1">
+    <dgm:scene3d>
+      <a:camera prst="orthographicFront"/>
+      <a:lightRig rig="threePt" dir="t"/>
+    </dgm:scene3d>
+    <dgm:sp3d/>
+    <dgm:txPr/>
+    <dgm:style>
+      <a:lnRef idx="2">
+        <a:scrgbClr r="0" g="0" b="0"/>
+      </a:lnRef>
+      <a:fillRef idx="1">
+        <a:scrgbClr r="0" g="0" b="0"/>
+      </a:fillRef>
+      <a:effectRef idx="0">
+        <a:scrgbClr r="0" g="0" b="0"/>
+      </a:effectRef>
+      <a:fontRef idx="minor"/>
+    </dgm:style>
+  </dgm:styleLbl>
+  <dgm:styleLbl name="sibTrans2D1">
+    <dgm:scene3d>
+      <a:camera prst="orthographicFront"/>
+      <a:lightRig rig="threePt" dir="t"/>
+    </dgm:scene3d>
+    <dgm:sp3d/>
+    <dgm:txPr/>
+    <dgm:style>
+      <a:lnRef idx="0">
+        <a:scrgbClr r="0" g="0" b="0"/>
+      </a:lnRef>
+      <a:fillRef idx="1">
+        <a:scrgbClr r="0" g="0" b="0"/>
+      </a:fillRef>
+      <a:effectRef idx="0">
+        <a:scrgbClr r="0" g="0" b="0"/>
+      </a:effectRef>
+      <a:fontRef idx="minor">
+        <a:schemeClr val="lt1"/>
+      </a:fontRef>
+    </dgm:style>
+  </dgm:styleLbl>
+  <dgm:styleLbl name="fgSibTrans2D1">
+    <dgm:scene3d>
+      <a:camera prst="orthographicFront"/>
+      <a:lightRig rig="threePt" dir="t"/>
+    </dgm:scene3d>
+    <dgm:sp3d/>
+    <dgm:txPr/>
+    <dgm:style>
+      <a:lnRef idx="0">
+        <a:scrgbClr r="0" g="0" b="0"/>
+      </a:lnRef>
+      <a:fillRef idx="1">
+        <a:scrgbClr r="0" g="0" b="0"/>
+      </a:fillRef>
+      <a:effectRef idx="0">
+        <a:scrgbClr r="0" g="0" b="0"/>
+      </a:effectRef>
+      <a:fontRef idx="minor">
+        <a:schemeClr val="lt1"/>
+      </a:fontRef>
+    </dgm:style>
+  </dgm:styleLbl>
+  <dgm:styleLbl name="bgSibTrans2D1">
+    <dgm:scene3d>
+      <a:camera prst="orthographicFront"/>
+      <a:lightRig rig="threePt" dir="t"/>
+    </dgm:scene3d>
+    <dgm:sp3d/>
+    <dgm:txPr/>
+    <dgm:style>
+      <a:lnRef idx="0">
+        <a:scrgbClr r="0" g="0" b="0"/>
+      </a:lnRef>
+      <a:fillRef idx="1">
+        <a:scrgbClr r="0" g="0" b="0"/>
+      </a:fillRef>
+      <a:effectRef idx="0">
+        <a:scrgbClr r="0" g="0" b="0"/>
+      </a:effectRef>
+      <a:fontRef idx="minor">
+        <a:schemeClr val="lt1"/>
+      </a:fontRef>
+    </dgm:style>
+  </dgm:styleLbl>
+  <dgm:styleLbl name="sibTrans1D1">
+    <dgm:scene3d>
+      <a:camera prst="orthographicFront"/>
+      <a:lightRig rig="threePt" dir="t"/>
+    </dgm:scene3d>
+    <dgm:sp3d/>
+    <dgm:txPr/>
+    <dgm:style>
+      <a:lnRef idx="1">
+        <a:scrgbClr r="0" g="0" b="0"/>
+      </a:lnRef>
+      <a:fillRef idx="0">
+        <a:scrgbClr r="0" g="0" b="0"/>
+      </a:fillRef>
+      <a:effectRef idx="0">
+        <a:scrgbClr r="0" g="0" b="0"/>
+      </a:effectRef>
+      <a:fontRef idx="minor"/>
+    </dgm:style>
+  </dgm:styleLbl>
+  <dgm:styleLbl name="callout">
+    <dgm:scene3d>
+      <a:camera prst="orthographicFront"/>
+      <a:lightRig rig="threePt" dir="t"/>
+    </dgm:scene3d>
+    <dgm:sp3d/>
+    <dgm:txPr/>
+    <dgm:style>
+      <a:lnRef idx="2">
+        <a:scrgbClr r="0" g="0" b="0"/>
+      </a:lnRef>
+      <a:fillRef idx="1">
+        <a:scrgbClr r="0" g="0" b="0"/>
+      </a:fillRef>
+      <a:effectRef idx="0">
+        <a:scrgbClr r="0" g="0" b="0"/>
+      </a:effectRef>
+      <a:fontRef idx="minor"/>
+    </dgm:style>
+  </dgm:styleLbl>
+  <dgm:styleLbl name="asst0">
+    <dgm:scene3d>
+      <a:camera prst="orthographicFront"/>
+      <a:lightRig rig="threePt" dir="t"/>
+    </dgm:scene3d>
+    <dgm:sp3d/>
+    <dgm:txPr/>
+    <dgm:style>
+      <a:lnRef idx="2">
+        <a:scrgbClr r="0" g="0" b="0"/>
+      </a:lnRef>
+      <a:fillRef idx="1">
+        <a:scrgbClr r="0" g="0" b="0"/>
+      </a:fillRef>
+      <a:effectRef idx="0">
+        <a:scrgbClr r="0" g="0" b="0"/>
+      </a:effectRef>
+      <a:fontRef idx="minor">
+        <a:schemeClr val="lt1"/>
+      </a:fontRef>
+    </dgm:style>
+  </dgm:styleLbl>
+  <dgm:styleLbl name="asst1">
+    <dgm:scene3d>
+      <a:camera prst="orthographicFront"/>
+      <a:lightRig rig="threePt" dir="t"/>
+    </dgm:scene3d>
+    <dgm:sp3d/>
+    <dgm:txPr/>
+    <dgm:style>
+      <a:lnRef idx="2">
+        <a:scrgbClr r="0" g="0" b="0"/>
+      </a:lnRef>
+      <a:fillRef idx="1">
+        <a:scrgbClr r="0" g="0" b="0"/>
+      </a:fillRef>
+      <a:effectRef idx="0">
+        <a:scrgbClr r="0" g="0" b="0"/>
+      </a:effectRef>
+      <a:fontRef idx="minor">
+        <a:schemeClr val="lt1"/>
+      </a:fontRef>
+    </dgm:style>
+  </dgm:styleLbl>
+  <dgm:styleLbl name="asst2">
+    <dgm:scene3d>
+      <a:camera prst="orthographicFront"/>
+      <a:lightRig rig="threePt" dir="t"/>
+    </dgm:scene3d>
+    <dgm:sp3d/>
+    <dgm:txPr/>
+    <dgm:style>
+      <a:lnRef idx="2">
+        <a:scrgbClr r="0" g="0" b="0"/>
+      </a:lnRef>
+      <a:fillRef idx="1">
+        <a:scrgbClr r="0" g="0" b="0"/>
+      </a:fillRef>
+      <a:effectRef idx="0">
+        <a:scrgbClr r="0" g="0" b="0"/>
+      </a:effectRef>
+      <a:fontRef idx="minor">
+        <a:schemeClr val="lt1"/>
+      </a:fontRef>
+    </dgm:style>
+  </dgm:styleLbl>
+  <dgm:styleLbl name="asst3">
+    <dgm:scene3d>
+      <a:camera prst="orthographicFront"/>
+      <a:lightRig rig="threePt" dir="t"/>
+    </dgm:scene3d>
+    <dgm:sp3d/>
+    <dgm:txPr/>
+    <dgm:style>
+      <a:lnRef idx="2">
+        <a:scrgbClr r="0" g="0" b="0"/>
+      </a:lnRef>
+      <a:fillRef idx="1">
+        <a:scrgbClr r="0" g="0" b="0"/>
+      </a:fillRef>
+      <a:effectRef idx="0">
+        <a:scrgbClr r="0" g="0" b="0"/>
+      </a:effectRef>
+      <a:fontRef idx="minor">
+        <a:schemeClr val="lt1"/>
+      </a:fontRef>
+    </dgm:style>
+  </dgm:styleLbl>
+  <dgm:styleLbl name="asst4">
+    <dgm:scene3d>
+      <a:camera prst="orthographicFront"/>
+      <a:lightRig rig="threePt" dir="t"/>
+    </dgm:scene3d>
+    <dgm:sp3d/>
+    <dgm:txPr/>
+    <dgm:style>
+      <a:lnRef idx="2">
+        <a:scrgbClr r="0" g="0" b="0"/>
+      </a:lnRef>
+      <a:fillRef idx="1">
+        <a:scrgbClr r="0" g="0" b="0"/>
+      </a:fillRef>
+      <a:effectRef idx="0">
+        <a:scrgbClr r="0" g="0" b="0"/>
+      </a:effectRef>
+      <a:fontRef idx="minor">
+        <a:schemeClr val="lt1"/>
+      </a:fontRef>
+    </dgm:style>
+  </dgm:styleLbl>
+  <dgm:styleLbl name="parChTrans2D1">
+    <dgm:scene3d>
+      <a:camera prst="orthographicFront"/>
+      <a:lightRig rig="threePt" dir="t"/>
+    </dgm:scene3d>
+    <dgm:sp3d/>
+    <dgm:txPr/>
+    <dgm:style>
+      <a:lnRef idx="2">
+        <a:scrgbClr r="0" g="0" b="0"/>
+      </a:lnRef>
+      <a:fillRef idx="1">
+        <a:scrgbClr r="0" g="0" b="0"/>
+      </a:fillRef>
+      <a:effectRef idx="0">
+        <a:scrgbClr r="0" g="0" b="0"/>
+      </a:effectRef>
+      <a:fontRef idx="minor">
+        <a:schemeClr val="lt1"/>
+      </a:fontRef>
+    </dgm:style>
+  </dgm:styleLbl>
+  <dgm:styleLbl name="parChTrans2D2">
+    <dgm:scene3d>
+      <a:camera prst="orthographicFront"/>
+      <a:lightRig rig="threePt" dir="t"/>
+    </dgm:scene3d>
+    <dgm:sp3d/>
+    <dgm:txPr/>
+    <dgm:style>
+      <a:lnRef idx="2">
+        <a:scrgbClr r="0" g="0" b="0"/>
+      </a:lnRef>
+      <a:fillRef idx="1">
+        <a:scrgbClr r="0" g="0" b="0"/>
+      </a:fillRef>
+      <a:effectRef idx="0">
+        <a:scrgbClr r="0" g="0" b="0"/>
+      </a:effectRef>
+      <a:fontRef idx="minor">
+        <a:schemeClr val="lt1"/>
+      </a:fontRef>
+    </dgm:style>
+  </dgm:styleLbl>
+  <dgm:styleLbl name="parChTrans2D3">
+    <dgm:scene3d>
+      <a:camera prst="orthographicFront"/>
+      <a:lightRig rig="threePt" dir="t"/>
+    </dgm:scene3d>
+    <dgm:sp3d/>
+    <dgm:txPr/>
+    <dgm:style>
+      <a:lnRef idx="2">
+        <a:scrgbClr r="0" g="0" b="0"/>
+      </a:lnRef>
+      <a:fillRef idx="1">
+        <a:scrgbClr r="0" g="0" b="0"/>
+      </a:fillRef>
+      <a:effectRef idx="0">
+        <a:scrgbClr r="0" g="0" b="0"/>
+      </a:effectRef>
+      <a:fontRef idx="minor">
+        <a:schemeClr val="lt1"/>
+      </a:fontRef>
+    </dgm:style>
+  </dgm:styleLbl>
+  <dgm:styleLbl name="parChTrans2D4">
+    <dgm:scene3d>
+      <a:camera prst="orthographicFront"/>
+      <a:lightRig rig="threePt" dir="t"/>
+    </dgm:scene3d>
+    <dgm:sp3d/>
+    <dgm:txPr/>
+    <dgm:style>
+      <a:lnRef idx="2">
+        <a:scrgbClr r="0" g="0" b="0"/>
+      </a:lnRef>
+      <a:fillRef idx="1">
+        <a:scrgbClr r="0" g="0" b="0"/>
+      </a:fillRef>
+      <a:effectRef idx="0">
+        <a:scrgbClr r="0" g="0" b="0"/>
+      </a:effectRef>
+      <a:fontRef idx="minor">
+        <a:schemeClr val="lt1"/>
+      </a:fontRef>
+    </dgm:style>
+  </dgm:styleLbl>
+  <dgm:styleLbl name="parChTrans1D1">
+    <dgm:scene3d>
+      <a:camera prst="orthographicFront"/>
+      <a:lightRig rig="threePt" dir="t"/>
+    </dgm:scene3d>
+    <dgm:sp3d/>
+    <dgm:txPr/>
+    <dgm:style>
+      <a:lnRef idx="2">
+        <a:scrgbClr r="0" g="0" b="0"/>
+      </a:lnRef>
+      <a:fillRef idx="0">
+        <a:scrgbClr r="0" g="0" b="0"/>
+      </a:fillRef>
+      <a:effectRef idx="0">
+        <a:scrgbClr r="0" g="0" b="0"/>
+      </a:effectRef>
+      <a:fontRef idx="minor"/>
+    </dgm:style>
+  </dgm:styleLbl>
+  <dgm:styleLbl name="parChTrans1D2">
+    <dgm:scene3d>
+      <a:camera prst="orthographicFront"/>
+      <a:lightRig rig="threePt" dir="t"/>
+    </dgm:scene3d>
+    <dgm:sp3d/>
+    <dgm:txPr/>
+    <dgm:style>
+      <a:lnRef idx="2">
+        <a:scrgbClr r="0" g="0" b="0"/>
+      </a:lnRef>
+      <a:fillRef idx="0">
+        <a:scrgbClr r="0" g="0" b="0"/>
+      </a:fillRef>
+      <a:effectRef idx="0">
+        <a:scrgbClr r="0" g="0" b="0"/>
+      </a:effectRef>
+      <a:fontRef idx="minor"/>
+    </dgm:style>
+  </dgm:styleLbl>
+  <dgm:styleLbl name="parChTrans1D3">
+    <dgm:scene3d>
+      <a:camera prst="orthographicFront"/>
+      <a:lightRig rig="threePt" dir="t"/>
+    </dgm:scene3d>
+    <dgm:sp3d/>
+    <dgm:txPr/>
+    <dgm:style>
+      <a:lnRef idx="2">
+        <a:scrgbClr r="0" g="0" b="0"/>
+      </a:lnRef>
+      <a:fillRef idx="0">
+        <a:scrgbClr r="0" g="0" b="0"/>
+      </a:fillRef>
+      <a:effectRef idx="0">
+        <a:scrgbClr r="0" g="0" b="0"/>
+      </a:effectRef>
+      <a:fontRef idx="minor"/>
+    </dgm:style>
+  </dgm:styleLbl>
+  <dgm:styleLbl name="parChTrans1D4">
+    <dgm:scene3d>
+      <a:camera prst="orthographicFront"/>
+      <a:lightRig rig="threePt" dir="t"/>
+    </dgm:scene3d>
+    <dgm:sp3d/>
+    <dgm:txPr/>
+    <dgm:style>
+      <a:lnRef idx="2">
+        <a:scrgbClr r="0" g="0" b="0"/>
+      </a:lnRef>
+      <a:fillRef idx="0">
+        <a:scrgbClr r="0" g="0" b="0"/>
+      </a:fillRef>
+      <a:effectRef idx="0">
+        <a:scrgbClr r="0" g="0" b="0"/>
+      </a:effectRef>
+      <a:fontRef idx="minor"/>
+    </dgm:style>
+  </dgm:styleLbl>
+  <dgm:styleLbl name="fgAcc1">
+    <dgm:scene3d>
+      <a:camera prst="orthographicFront"/>
+      <a:lightRig rig="threePt" dir="t"/>
+    </dgm:scene3d>
+    <dgm:sp3d/>
+    <dgm:txPr/>
+    <dgm:style>
+      <a:lnRef idx="2">
+        <a:scrgbClr r="0" g="0" b="0"/>
+      </a:lnRef>
+      <a:fillRef idx="1">
+        <a:scrgbClr r="0" g="0" b="0"/>
+      </a:fillRef>
+      <a:effectRef idx="0">
+        <a:scrgbClr r="0" g="0" b="0"/>
+      </a:effectRef>
+      <a:fontRef idx="minor"/>
+    </dgm:style>
+  </dgm:styleLbl>
+  <dgm:styleLbl name="conFgAcc1">
+    <dgm:scene3d>
+      <a:camera prst="orthographicFront"/>
+      <a:lightRig rig="threePt" dir="t"/>
+    </dgm:scene3d>
+    <dgm:sp3d/>
+    <dgm:txPr/>
+    <dgm:style>
+      <a:lnRef idx="2">
+        <a:scrgbClr r="0" g="0" b="0"/>
+      </a:lnRef>
+      <a:fillRef idx="1">
+        <a:scrgbClr r="0" g="0" b="0"/>
+      </a:fillRef>
+      <a:effectRef idx="0">
+        <a:scrgbClr r="0" g="0" b="0"/>
+      </a:effectRef>
+      <a:fontRef idx="minor"/>
+    </dgm:style>
+  </dgm:styleLbl>
+  <dgm:styleLbl name="alignAcc1">
+    <dgm:scene3d>
+      <a:camera prst="orthographicFront"/>
+      <a:lightRig rig="threePt" dir="t"/>
+    </dgm:scene3d>
+    <dgm:sp3d/>
+    <dgm:txPr/>
+    <dgm:style>
+      <a:lnRef idx="2">
+        <a:scrgbClr r="0" g="0" b="0"/>
+      </a:lnRef>
+      <a:fillRef idx="1">
+        <a:scrgbClr r="0" g="0" b="0"/>
+      </a:fillRef>
+      <a:effectRef idx="0">
+        <a:scrgbClr r="0" g="0" b="0"/>
+      </a:effectRef>
+      <a:fontRef idx="minor"/>
+    </dgm:style>
+  </dgm:styleLbl>
+  <dgm:styleLbl name="trAlignAcc1">
+    <dgm:scene3d>
+      <a:camera prst="orthographicFront"/>
+      <a:lightRig rig="threePt" dir="t"/>
+    </dgm:scene3d>
+    <dgm:sp3d/>
+    <dgm:txPr/>
+    <dgm:style>
+      <a:lnRef idx="1">
+        <a:scrgbClr r="0" g="0" b="0"/>
+      </a:lnRef>
+      <a:fillRef idx="1">
+        <a:scrgbClr r="0" g="0" b="0"/>
+      </a:fillRef>
+      <a:effectRef idx="0">
+        <a:scrgbClr r="0" g="0" b="0"/>
+      </a:effectRef>
+      <a:fontRef idx="minor"/>
+    </dgm:style>
+  </dgm:styleLbl>
+  <dgm:styleLbl name="bgAcc1">
+    <dgm:scene3d>
+      <a:camera prst="orthographicFront"/>
+      <a:lightRig rig="threePt" dir="t"/>
+    </dgm:scene3d>
+    <dgm:sp3d/>
+    <dgm:txPr/>
+    <dgm:style>
+      <a:lnRef idx="2">
+        <a:scrgbClr r="0" g="0" b="0"/>
+      </a:lnRef>
+      <a:fillRef idx="1">
+        <a:scrgbClr r="0" g="0" b="0"/>
+      </a:fillRef>
+      <a:effectRef idx="0">
+        <a:scrgbClr r="0" g="0" b="0"/>
+      </a:effectRef>
+      <a:fontRef idx="minor"/>
+    </dgm:style>
+  </dgm:styleLbl>
+  <dgm:styleLbl name="solidFgAcc1">
+    <dgm:scene3d>
+      <a:camera prst="orthographicFront"/>
+      <a:lightRig rig="threePt" dir="t"/>
+    </dgm:scene3d>
+    <dgm:sp3d/>
+    <dgm:txPr/>
+    <dgm:style>
+      <a:lnRef idx="2">
+        <a:scrgbClr r="0" g="0" b="0"/>
+      </a:lnRef>
+      <a:fillRef idx="1">
+        <a:scrgbClr r="0" g="0" b="0"/>
+      </a:fillRef>
+      <a:effectRef idx="0">
+        <a:scrgbClr r="0" g="0" b="0"/>
+      </a:effectRef>
+      <a:fontRef idx="minor"/>
+    </dgm:style>
+  </dgm:styleLbl>
+  <dgm:styleLbl name="solidAlignAcc1">
+    <dgm:scene3d>
+      <a:camera prst="orthographicFront"/>
+      <a:lightRig rig="threePt" dir="t"/>
+    </dgm:scene3d>
+    <dgm:sp3d/>
+    <dgm:txPr/>
+    <dgm:style>
+      <a:lnRef idx="2">
+        <a:scrgbClr r="0" g="0" b="0"/>
+      </a:lnRef>
+      <a:fillRef idx="1">
+        <a:scrgbClr r="0" g="0" b="0"/>
+      </a:fillRef>
+      <a:effectRef idx="0">
+        <a:scrgbClr r="0" g="0" b="0"/>
+      </a:effectRef>
+      <a:fontRef idx="minor"/>
+    </dgm:style>
+  </dgm:styleLbl>
+  <dgm:styleLbl name="solidBgAcc1">
+    <dgm:scene3d>
+      <a:camera prst="orthographicFront"/>
+      <a:lightRig rig="threePt" dir="t"/>
+    </dgm:scene3d>
+    <dgm:sp3d/>
+    <dgm:txPr/>
+    <dgm:style>
+      <a:lnRef idx="2">
+        <a:scrgbClr r="0" g="0" b="0"/>
+      </a:lnRef>
+      <a:fillRef idx="1">
+        <a:scrgbClr r="0" g="0" b="0"/>
+      </a:fillRef>
+      <a:effectRef idx="0">
+        <a:scrgbClr r="0" g="0" b="0"/>
+      </a:effectRef>
+      <a:fontRef idx="minor"/>
+    </dgm:style>
+  </dgm:styleLbl>
+  <dgm:styleLbl name="fgAccFollowNode1">
+    <dgm:scene3d>
+      <a:camera prst="orthographicFront"/>
+      <a:lightRig rig="threePt" dir="t"/>
+    </dgm:scene3d>
+    <dgm:sp3d/>
+    <dgm:txPr/>
+    <dgm:style>
+      <a:lnRef idx="2">
+        <a:scrgbClr r="0" g="0" b="0"/>
+      </a:lnRef>
+      <a:fillRef idx="1">
+        <a:scrgbClr r="0" g="0" b="0"/>
+      </a:fillRef>
+      <a:effectRef idx="0">
+        <a:scrgbClr r="0" g="0" b="0"/>
+      </a:effectRef>
+      <a:fontRef idx="minor"/>
+    </dgm:style>
+  </dgm:styleLbl>
+  <dgm:styleLbl name="alignAccFollowNode1">
+    <dgm:scene3d>
+      <a:camera prst="orthographicFront"/>
+      <a:lightRig rig="threePt" dir="t"/>
+    </dgm:scene3d>
+    <dgm:sp3d/>
+    <dgm:txPr/>
+    <dgm:style>
+      <a:lnRef idx="2">
+        <a:scrgbClr r="0" g="0" b="0"/>
+      </a:lnRef>
+      <a:fillRef idx="1">
+        <a:scrgbClr r="0" g="0" b="0"/>
+      </a:fillRef>
+      <a:effectRef idx="0">
+        <a:scrgbClr r="0" g="0" b="0"/>
+      </a:effectRef>
+      <a:fontRef idx="minor"/>
+    </dgm:style>
+  </dgm:styleLbl>
+  <dgm:styleLbl name="bgAccFollowNode1">
+    <dgm:scene3d>
+      <a:camera prst="orthographicFront"/>
+      <a:lightRig rig="threePt" dir="t"/>
+    </dgm:scene3d>
+    <dgm:sp3d/>
+    <dgm:txPr/>
+    <dgm:style>
+      <a:lnRef idx="2">
+        <a:scrgbClr r="0" g="0" b="0"/>
+      </a:lnRef>
+      <a:fillRef idx="1">
+        <a:scrgbClr r="0" g="0" b="0"/>
+      </a:fillRef>
+      <a:effectRef idx="0">
+        <a:scrgbClr r="0" g="0" b="0"/>
+      </a:effectRef>
+      <a:fontRef idx="minor"/>
+    </dgm:style>
+  </dgm:styleLbl>
+  <dgm:styleLbl name="fgAcc0">
+    <dgm:scene3d>
+      <a:camera prst="orthographicFront"/>
+      <a:lightRig rig="threePt" dir="t"/>
+    </dgm:scene3d>
+    <dgm:sp3d/>
+    <dgm:txPr/>
+    <dgm:style>
+      <a:lnRef idx="2">
+        <a:scrgbClr r="0" g="0" b="0"/>
+      </a:lnRef>
+      <a:fillRef idx="1">
+        <a:scrgbClr r="0" g="0" b="0"/>
+      </a:fillRef>
+      <a:effectRef idx="0">
+        <a:scrgbClr r="0" g="0" b="0"/>
+      </a:effectRef>
+      <a:fontRef idx="minor"/>
+    </dgm:style>
+  </dgm:styleLbl>
+  <dgm:styleLbl name="fgAcc2">
+    <dgm:scene3d>
+      <a:camera prst="orthographicFront"/>
+      <a:lightRig rig="threePt" dir="t"/>
+    </dgm:scene3d>
+    <dgm:sp3d/>
+    <dgm:txPr/>
+    <dgm:style>
+      <a:lnRef idx="2">
+        <a:scrgbClr r="0" g="0" b="0"/>
+      </a:lnRef>
+      <a:fillRef idx="1">
+        <a:scrgbClr r="0" g="0" b="0"/>
+      </a:fillRef>
+      <a:effectRef idx="0">
+        <a:scrgbClr r="0" g="0" b="0"/>
+      </a:effectRef>
+      <a:fontRef idx="minor"/>
+    </dgm:style>
+  </dgm:styleLbl>
+  <dgm:styleLbl name="fgAcc3">
+    <dgm:scene3d>
+      <a:camera prst="orthographicFront"/>
+      <a:lightRig rig="threePt" dir="t"/>
+    </dgm:scene3d>
+    <dgm:sp3d/>
+    <dgm:txPr/>
+    <dgm:style>
+      <a:lnRef idx="2">
+        <a:scrgbClr r="0" g="0" b="0"/>
+      </a:lnRef>
+      <a:fillRef idx="1">
+        <a:scrgbClr r="0" g="0" b="0"/>
+      </a:fillRef>
+      <a:effectRef idx="0">
+        <a:scrgbClr r="0" g="0" b="0"/>
+      </a:effectRef>
+      <a:fontRef idx="minor"/>
+    </dgm:style>
+  </dgm:styleLbl>
+  <dgm:styleLbl name="fgAcc4">
+    <dgm:scene3d>
+      <a:camera prst="orthographicFront"/>
+      <a:lightRig rig="threePt" dir="t"/>
+    </dgm:scene3d>
+    <dgm:sp3d/>
+    <dgm:txPr/>
+    <dgm:style>
+      <a:lnRef idx="2">
+        <a:scrgbClr r="0" g="0" b="0"/>
+      </a:lnRef>
+      <a:fillRef idx="1">
+        <a:scrgbClr r="0" g="0" b="0"/>
+      </a:fillRef>
+      <a:effectRef idx="0">
+        <a:scrgbClr r="0" g="0" b="0"/>
+      </a:effectRef>
+      <a:fontRef idx="minor"/>
+    </dgm:style>
+  </dgm:styleLbl>
+  <dgm:styleLbl name="bgShp">
+    <dgm:scene3d>
+      <a:camera prst="orthographicFront"/>
+      <a:lightRig rig="threePt" dir="t"/>
+    </dgm:scene3d>
+    <dgm:sp3d/>
+    <dgm:txPr/>
+    <dgm:style>
+      <a:lnRef idx="0">
+        <a:scrgbClr r="0" g="0" b="0"/>
+      </a:lnRef>
+      <a:fillRef idx="1">
+        <a:scrgbClr r="0" g="0" b="0"/>
+      </a:fillRef>
+      <a:effectRef idx="0">
+        <a:scrgbClr r="0" g="0" b="0"/>
+      </a:effectRef>
+      <a:fontRef idx="minor"/>
+    </dgm:style>
+  </dgm:styleLbl>
+  <dgm:styleLbl name="dkBgShp">
+    <dgm:scene3d>
+      <a:camera prst="orthographicFront"/>
+      <a:lightRig rig="threePt" dir="t"/>
+    </dgm:scene3d>
+    <dgm:sp3d/>
+    <dgm:txPr/>
+    <dgm:style>
+      <a:lnRef idx="0">
+        <a:scrgbClr r="0" g="0" b="0"/>
+      </a:lnRef>
+      <a:fillRef idx="1">
+        <a:scrgbClr r="0" g="0" b="0"/>
+      </a:fillRef>
+      <a:effectRef idx="0">
+        <a:scrgbClr r="0" g="0" b="0"/>
+      </a:effectRef>
+      <a:fontRef idx="minor"/>
+    </dgm:style>
+  </dgm:styleLbl>
+  <dgm:styleLbl name="trBgShp">
+    <dgm:scene3d>
+      <a:camera prst="orthographicFront"/>
+      <a:lightRig rig="threePt" dir="t"/>
+    </dgm:scene3d>
+    <dgm:sp3d/>
+    <dgm:txPr/>
+    <dgm:style>
+      <a:lnRef idx="0">
+        <a:scrgbClr r="0" g="0" b="0"/>
+      </a:lnRef>
+      <a:fillRef idx="1">
+        <a:scrgbClr r="0" g="0" b="0"/>
+      </a:fillRef>
+      <a:effectRef idx="0">
+        <a:scrgbClr r="0" g="0" b="0"/>
+      </a:effectRef>
+      <a:fontRef idx="minor"/>
+    </dgm:style>
+  </dgm:styleLbl>
+  <dgm:styleLbl name="fgShp">
+    <dgm:scene3d>
+      <a:camera prst="orthographicFront"/>
+      <a:lightRig rig="threePt" dir="t"/>
+    </dgm:scene3d>
+    <dgm:sp3d/>
+    <dgm:txPr/>
+    <dgm:style>
+      <a:lnRef idx="2">
+        <a:scrgbClr r="0" g="0" b="0"/>
+      </a:lnRef>
+      <a:fillRef idx="1">
+        <a:scrgbClr r="0" g="0" b="0"/>
+      </a:fillRef>
+      <a:effectRef idx="0">
+        <a:scrgbClr r="0" g="0" b="0"/>
+      </a:effectRef>
+      <a:fontRef idx="minor"/>
+    </dgm:style>
+  </dgm:styleLbl>
+  <dgm:styleLbl name="revTx">
+    <dgm:scene3d>
+      <a:camera prst="orthographicFront"/>
+      <a:lightRig rig="threePt" dir="t"/>
+    </dgm:scene3d>
+    <dgm:sp3d/>
+    <dgm:txPr/>
+    <dgm:style>
+      <a:lnRef idx="0">
+        <a:scrgbClr r="0" g="0" b="0"/>
+      </a:lnRef>
+      <a:fillRef idx="0">
+        <a:scrgbClr r="0" g="0" b="0"/>
+      </a:fillRef>
+      <a:effectRef idx="0">
+        <a:scrgbClr r="0" g="0" b="0"/>
+      </a:effectRef>
+      <a:fontRef idx="minor"/>
+    </dgm:style>
+  </dgm:styleLbl>
+</dgm:styleDef>
+</file>
+
 <file path=ppt/notesMasters/notesMaster1.xml><?xml version="1.0" encoding="utf-8"?>
 <p:notesMaster xmlns:a="http://schemas.openxmlformats.org/drawingml/2006/main" xmlns:r="http://schemas.openxmlformats.org/officeDocument/2006/relationships" xmlns:p="http://schemas.openxmlformats.org/presentationml/2006/main">
   <p:cSld>
@@ -280,7 +4770,7 @@
           <a:p>
             <a:fld id="{C53FC889-3B05-4F6A-9AB7-C2521E883D0A}" type="datetimeFigureOut">
               <a:rPr lang="en-GB" smtClean="0"/>
-              <a:t>20/03/2020</a:t>
+              <a:t>24/03/2020</a:t>
             </a:fld>
             <a:endParaRPr lang="en-GB" dirty="0"/>
           </a:p>
@@ -1331,7 +5821,7 @@
           <a:p>
             <a:fld id="{253E99D3-575E-4B33-AEE3-580024E0F63F}" type="slidenum">
               <a:rPr lang="en-GB" smtClean="0"/>
-              <a:t>9</a:t>
+              <a:t>11</a:t>
             </a:fld>
             <a:endParaRPr lang="en-GB"/>
           </a:p>
@@ -1415,7 +5905,7 @@
           <a:p>
             <a:fld id="{253E99D3-575E-4B33-AEE3-580024E0F63F}" type="slidenum">
               <a:rPr lang="en-GB" smtClean="0"/>
-              <a:t>10</a:t>
+              <a:t>12</a:t>
             </a:fld>
             <a:endParaRPr lang="en-GB"/>
           </a:p>
@@ -1585,7 +6075,7 @@
           <a:p>
             <a:fld id="{9EFE7453-B082-4124-B5AE-B87EE023CDB1}" type="datetime1">
               <a:rPr lang="sv-SE" smtClean="0"/>
-              <a:t>2020-03-20</a:t>
+              <a:t>2020-03-24</a:t>
             </a:fld>
             <a:endParaRPr lang="en-GB" dirty="0"/>
           </a:p>
@@ -1831,7 +6321,7 @@
                   <a:prstClr val="black"/>
                 </a:solidFill>
               </a:rPr>
-              <a:t>2020-03-20</a:t>
+              <a:t>2020-03-24</a:t>
             </a:fld>
             <a:endParaRPr lang="en-GB" dirty="0">
               <a:solidFill>
@@ -2199,7 +6689,7 @@
                   <a:prstClr val="black"/>
                 </a:solidFill>
               </a:rPr>
-              <a:t>2020-03-20</a:t>
+              <a:t>2020-03-24</a:t>
             </a:fld>
             <a:endParaRPr lang="en-GB" dirty="0">
               <a:solidFill>
@@ -2482,7 +6972,7 @@
                   <a:prstClr val="black"/>
                 </a:solidFill>
               </a:rPr>
-              <a:t>2020-03-20</a:t>
+              <a:t>2020-03-24</a:t>
             </a:fld>
             <a:endParaRPr lang="en-GB" dirty="0">
               <a:solidFill>
@@ -2808,7 +7298,7 @@
                   <a:prstClr val="black"/>
                 </a:solidFill>
               </a:rPr>
-              <a:t>2020-03-20</a:t>
+              <a:t>2020-03-24</a:t>
             </a:fld>
             <a:endParaRPr lang="en-GB" dirty="0">
               <a:solidFill>
@@ -3079,7 +7569,7 @@
                   <a:prstClr val="black"/>
                 </a:solidFill>
               </a:rPr>
-              <a:t>2020-03-20</a:t>
+              <a:t>2020-03-24</a:t>
             </a:fld>
             <a:endParaRPr lang="en-GB" dirty="0">
               <a:solidFill>
@@ -3265,7 +7755,7 @@
                   <a:prstClr val="black"/>
                 </a:solidFill>
               </a:rPr>
-              <a:t>2020-03-20</a:t>
+              <a:t>2020-03-24</a:t>
             </a:fld>
             <a:endParaRPr lang="en-GB" dirty="0">
               <a:solidFill>
@@ -5546,7 +10036,7 @@
                   <a:prstClr val="black"/>
                 </a:solidFill>
               </a:rPr>
-              <a:t>2020-03-20</a:t>
+              <a:t>2020-03-24</a:t>
             </a:fld>
             <a:endParaRPr lang="en-GB" dirty="0">
               <a:solidFill>
@@ -6295,7 +10785,7 @@
             </a:pPr>
             <a:fld id="{D1537DF4-BE14-43E4-9A37-FFE4AFD6E832}" type="datetime1">
               <a:rPr lang="sv-SE" smtClean="0"/>
-              <a:t>2020-03-20</a:t>
+              <a:t>2020-03-24</a:t>
             </a:fld>
             <a:endParaRPr lang="sv-SE"/>
           </a:p>
@@ -6519,7 +11009,7 @@
           <a:p>
             <a:fld id="{80F358A9-049B-44CD-82AF-D1F2A38D371E}" type="datetime1">
               <a:rPr lang="sv-SE" smtClean="0"/>
-              <a:t>2020-03-20</a:t>
+              <a:t>2020-03-24</a:t>
             </a:fld>
             <a:endParaRPr lang="sv-SE"/>
           </a:p>
@@ -6688,7 +11178,7 @@
           <a:p>
             <a:fld id="{0EFFECE1-EFDB-4ED4-A92B-EC11843FA500}" type="datetime1">
               <a:rPr lang="sv-SE" smtClean="0"/>
-              <a:t>2020-03-20</a:t>
+              <a:t>2020-03-24</a:t>
             </a:fld>
             <a:endParaRPr lang="en-US" dirty="0"/>
           </a:p>
@@ -6939,7 +11429,7 @@
           <a:p>
             <a:fld id="{3E8B38C6-DEFB-43C3-9001-532227D2C227}" type="datetime1">
               <a:rPr lang="sv-SE" smtClean="0"/>
-              <a:t>2020-03-20</a:t>
+              <a:t>2020-03-24</a:t>
             </a:fld>
             <a:endParaRPr lang="sv-SE"/>
           </a:p>
@@ -7189,7 +11679,7 @@
           <a:p>
             <a:fld id="{4D6B0352-3FAF-4997-A408-54821387E8C2}" type="datetime1">
               <a:rPr lang="sv-SE" smtClean="0"/>
-              <a:t>2020-03-20</a:t>
+              <a:t>2020-03-24</a:t>
             </a:fld>
             <a:endParaRPr lang="sv-SE"/>
           </a:p>
@@ -7425,7 +11915,7 @@
           <a:p>
             <a:fld id="{716563E9-3DC5-4469-9964-FF98F1612663}" type="datetime1">
               <a:rPr lang="sv-SE" smtClean="0"/>
-              <a:t>2020-03-20</a:t>
+              <a:t>2020-03-24</a:t>
             </a:fld>
             <a:endParaRPr lang="sv-SE"/>
           </a:p>
@@ -7796,7 +12286,7 @@
           <a:p>
             <a:fld id="{1CBF595A-354E-4185-8569-5903072BC314}" type="datetime1">
               <a:rPr lang="sv-SE" smtClean="0"/>
-              <a:t>2020-03-20</a:t>
+              <a:t>2020-03-24</a:t>
             </a:fld>
             <a:endParaRPr lang="sv-SE"/>
           </a:p>
@@ -7918,7 +12408,7 @@
           <a:p>
             <a:fld id="{BFCB468F-8F0C-4472-9C74-13DD7D928865}" type="datetime1">
               <a:rPr lang="sv-SE" smtClean="0"/>
-              <a:t>2020-03-20</a:t>
+              <a:t>2020-03-24</a:t>
             </a:fld>
             <a:endParaRPr lang="sv-SE"/>
           </a:p>
@@ -8017,7 +12507,7 @@
           <a:p>
             <a:fld id="{BC504758-5BE1-4D18-AD7B-70303133ACF8}" type="datetime1">
               <a:rPr lang="sv-SE" smtClean="0"/>
-              <a:t>2020-03-20</a:t>
+              <a:t>2020-03-24</a:t>
             </a:fld>
             <a:endParaRPr lang="sv-SE"/>
           </a:p>
@@ -8298,7 +12788,7 @@
           <a:p>
             <a:fld id="{250C9EB5-F68C-4689-94F6-49C30221888E}" type="datetime1">
               <a:rPr lang="sv-SE" smtClean="0"/>
-              <a:t>2020-03-20</a:t>
+              <a:t>2020-03-24</a:t>
             </a:fld>
             <a:endParaRPr lang="sv-SE"/>
           </a:p>
@@ -8559,7 +13049,7 @@
           <a:p>
             <a:fld id="{7DD110CA-AEED-4DF4-83DE-18633E56C29F}" type="datetime1">
               <a:rPr lang="sv-SE" smtClean="0"/>
-              <a:t>2020-03-20</a:t>
+              <a:t>2020-03-24</a:t>
             </a:fld>
             <a:endParaRPr lang="sv-SE"/>
           </a:p>
@@ -8733,7 +13223,7 @@
           <a:p>
             <a:fld id="{9B2AEE04-1216-4AB6-8CF8-50DAF2F9BED2}" type="datetime1">
               <a:rPr lang="sv-SE" smtClean="0"/>
-              <a:t>2020-03-20</a:t>
+              <a:t>2020-03-24</a:t>
             </a:fld>
             <a:endParaRPr lang="sv-SE"/>
           </a:p>
@@ -8917,7 +13407,7 @@
           <a:p>
             <a:fld id="{FA578C12-CAD3-4D2D-9DA2-12AF1DD8FC8B}" type="datetime1">
               <a:rPr lang="sv-SE" smtClean="0"/>
-              <a:t>2020-03-20</a:t>
+              <a:t>2020-03-24</a:t>
             </a:fld>
             <a:endParaRPr lang="sv-SE"/>
           </a:p>
@@ -9451,7 +13941,7 @@
                   <a:prstClr val="black"/>
                 </a:solidFill>
               </a:rPr>
-              <a:t>2020-03-20</a:t>
+              <a:t>2020-03-24</a:t>
             </a:fld>
             <a:endParaRPr lang="en-GB" dirty="0">
               <a:solidFill>
@@ -9871,7 +14361,7 @@
                   <a:prstClr val="black"/>
                 </a:solidFill>
               </a:rPr>
-              <a:t>2020-03-20</a:t>
+              <a:t>2020-03-24</a:t>
             </a:fld>
             <a:endParaRPr lang="en-GB" dirty="0">
               <a:solidFill>
@@ -10194,7 +14684,7 @@
                   <a:prstClr val="black"/>
                 </a:solidFill>
               </a:rPr>
-              <a:t>2020-03-20</a:t>
+              <a:t>2020-03-24</a:t>
             </a:fld>
             <a:endParaRPr lang="en-GB" dirty="0">
               <a:solidFill>
@@ -10494,7 +14984,7 @@
                   <a:prstClr val="black"/>
                 </a:solidFill>
               </a:rPr>
-              <a:t>2020-03-20</a:t>
+              <a:t>2020-03-24</a:t>
             </a:fld>
             <a:endParaRPr lang="en-GB" dirty="0">
               <a:solidFill>
@@ -11007,7 +15497,7 @@
                   <a:prstClr val="black"/>
                 </a:solidFill>
               </a:rPr>
-              <a:t>2020-03-20</a:t>
+              <a:t>2020-03-24</a:t>
             </a:fld>
             <a:endParaRPr lang="en-GB" dirty="0">
               <a:solidFill>
@@ -11244,7 +15734,7 @@
                   <a:prstClr val="black"/>
                 </a:solidFill>
               </a:rPr>
-              <a:t>2020-03-20</a:t>
+              <a:t>2020-03-24</a:t>
             </a:fld>
             <a:endParaRPr lang="en-GB" dirty="0">
               <a:solidFill>
@@ -12147,7 +16637,7 @@
           <a:p>
             <a:fld id="{B7BDDC76-5D53-4957-9832-0AD3879DA754}" type="datetime1">
               <a:rPr lang="sv-SE" smtClean="0"/>
-              <a:t>2020-03-20</a:t>
+              <a:t>2020-03-24</a:t>
             </a:fld>
             <a:endParaRPr lang="sv-SE"/>
           </a:p>
@@ -12756,6 +17246,387 @@
           <a:chExt cx="0" cy="0"/>
         </a:xfrm>
       </p:grpSpPr>
+      <p:pic>
+        <p:nvPicPr>
+          <p:cNvPr id="7" name="Content Placeholder 6"/>
+          <p:cNvPicPr>
+            <a:picLocks noGrp="1" noChangeAspect="1"/>
+          </p:cNvPicPr>
+          <p:nvPr>
+            <p:ph idx="1"/>
+          </p:nvPr>
+        </p:nvPicPr>
+        <p:blipFill>
+          <a:blip r:embed="rId2" cstate="print">
+            <a:extLst>
+              <a:ext uri="{28A0092B-C50C-407E-A947-70E740481C1C}">
+                <a14:useLocalDpi xmlns:a14="http://schemas.microsoft.com/office/drawing/2010/main" val="0"/>
+              </a:ext>
+            </a:extLst>
+          </a:blip>
+          <a:stretch>
+            <a:fillRect/>
+          </a:stretch>
+        </p:blipFill>
+        <p:spPr>
+          <a:xfrm>
+            <a:off x="3563734" y="1616075"/>
+            <a:ext cx="5064531" cy="4551363"/>
+          </a:xfrm>
+        </p:spPr>
+      </p:pic>
+      <p:sp>
+        <p:nvSpPr>
+          <p:cNvPr id="3" name="Footer Placeholder 2"/>
+          <p:cNvSpPr>
+            <a:spLocks noGrp="1"/>
+          </p:cNvSpPr>
+          <p:nvPr>
+            <p:ph type="ftr" sz="quarter" idx="11"/>
+          </p:nvPr>
+        </p:nvSpPr>
+        <p:spPr/>
+        <p:txBody>
+          <a:bodyPr/>
+          <a:lstStyle/>
+          <a:p>
+            <a:r>
+              <a:rPr lang="en-GB" smtClean="0"/>
+              <a:t>MJ2380-2381 2020</a:t>
+            </a:r>
+            <a:endParaRPr lang="en-GB" dirty="0"/>
+          </a:p>
+        </p:txBody>
+      </p:sp>
+      <p:sp>
+        <p:nvSpPr>
+          <p:cNvPr id="4" name="Slide Number Placeholder 3"/>
+          <p:cNvSpPr>
+            <a:spLocks noGrp="1"/>
+          </p:cNvSpPr>
+          <p:nvPr>
+            <p:ph type="sldNum" sz="quarter" idx="12"/>
+          </p:nvPr>
+        </p:nvSpPr>
+        <p:spPr/>
+        <p:txBody>
+          <a:bodyPr/>
+          <a:lstStyle/>
+          <a:p>
+            <a:fld id="{F36C87F6-986D-49E6-AF40-1B3A1EE8064D}" type="slidenum">
+              <a:rPr lang="en-GB" smtClean="0"/>
+              <a:pPr/>
+              <a:t>10</a:t>
+            </a:fld>
+            <a:endParaRPr lang="en-GB" dirty="0"/>
+          </a:p>
+        </p:txBody>
+      </p:sp>
+      <p:sp>
+        <p:nvSpPr>
+          <p:cNvPr id="5" name="Title 4"/>
+          <p:cNvSpPr>
+            <a:spLocks noGrp="1"/>
+          </p:cNvSpPr>
+          <p:nvPr>
+            <p:ph type="title"/>
+          </p:nvPr>
+        </p:nvSpPr>
+        <p:spPr/>
+        <p:txBody>
+          <a:bodyPr/>
+          <a:lstStyle/>
+          <a:p>
+            <a:r>
+              <a:rPr lang="sv-SE" dirty="0" smtClean="0"/>
+              <a:t>A </a:t>
+            </a:r>
+            <a:r>
+              <a:rPr lang="sv-SE" dirty="0" err="1" smtClean="0"/>
+              <a:t>slide</a:t>
+            </a:r>
+            <a:r>
+              <a:rPr lang="sv-SE" dirty="0" smtClean="0"/>
+              <a:t> </a:t>
+            </a:r>
+            <a:r>
+              <a:rPr lang="sv-SE" dirty="0" err="1" smtClean="0"/>
+              <a:t>with</a:t>
+            </a:r>
+            <a:r>
+              <a:rPr lang="sv-SE" dirty="0" smtClean="0"/>
+              <a:t> </a:t>
+            </a:r>
+            <a:r>
+              <a:rPr lang="sv-SE" dirty="0" err="1" smtClean="0"/>
+              <a:t>one</a:t>
+            </a:r>
+            <a:r>
+              <a:rPr lang="sv-SE" dirty="0" smtClean="0"/>
+              <a:t> </a:t>
+            </a:r>
+            <a:r>
+              <a:rPr lang="sv-SE" dirty="0" err="1" smtClean="0"/>
+              <a:t>Figure</a:t>
+            </a:r>
+            <a:endParaRPr lang="sv-SE" dirty="0"/>
+          </a:p>
+        </p:txBody>
+      </p:sp>
+    </p:spTree>
+    <p:extLst>
+      <p:ext uri="{BB962C8B-B14F-4D97-AF65-F5344CB8AC3E}">
+        <p14:creationId xmlns:p14="http://schemas.microsoft.com/office/powerpoint/2010/main" val="219714151"/>
+      </p:ext>
+    </p:extLst>
+  </p:cSld>
+  <p:clrMapOvr>
+    <a:masterClrMapping/>
+  </p:clrMapOvr>
+  <mc:AlternateContent xmlns:mc="http://schemas.openxmlformats.org/markup-compatibility/2006" xmlns:p14="http://schemas.microsoft.com/office/powerpoint/2010/main">
+    <mc:Choice Requires="p14">
+      <p:transition spd="med" p14:dur="700">
+        <p:fade/>
+      </p:transition>
+    </mc:Choice>
+    <mc:Fallback xmlns="">
+      <p:transition spd="med">
+        <p:fade/>
+      </p:transition>
+    </mc:Fallback>
+  </mc:AlternateContent>
+</p:sld>
+</file>
+
+<file path=ppt/slides/slide11.xml><?xml version="1.0" encoding="utf-8"?>
+<p:sld xmlns:a="http://schemas.openxmlformats.org/drawingml/2006/main" xmlns:r="http://schemas.openxmlformats.org/officeDocument/2006/relationships" xmlns:p="http://schemas.openxmlformats.org/presentationml/2006/main">
+  <p:cSld>
+    <p:spTree>
+      <p:nvGrpSpPr>
+        <p:cNvPr id="1" name=""/>
+        <p:cNvGrpSpPr/>
+        <p:nvPr/>
+      </p:nvGrpSpPr>
+      <p:grpSpPr>
+        <a:xfrm>
+          <a:off x="0" y="0"/>
+          <a:ext cx="0" cy="0"/>
+          <a:chOff x="0" y="0"/>
+          <a:chExt cx="0" cy="0"/>
+        </a:xfrm>
+      </p:grpSpPr>
+      <p:sp>
+        <p:nvSpPr>
+          <p:cNvPr id="2" name="Content Placeholder 1"/>
+          <p:cNvSpPr>
+            <a:spLocks noGrp="1"/>
+          </p:cNvSpPr>
+          <p:nvPr>
+            <p:ph idx="1"/>
+          </p:nvPr>
+        </p:nvSpPr>
+        <p:spPr/>
+        <p:txBody>
+          <a:bodyPr/>
+          <a:lstStyle/>
+          <a:p>
+            <a:pPr marL="457200" indent="-457200">
+              <a:buFont typeface="Arial" panose="020B0604020202020204" pitchFamily="34" charset="0"/>
+              <a:buChar char="•"/>
+            </a:pPr>
+            <a:r>
+              <a:rPr lang="en-US" dirty="0"/>
+              <a:t>The energy system is a complicated network of processes and flows</a:t>
+            </a:r>
+          </a:p>
+          <a:p>
+            <a:pPr marL="457200" indent="-457200">
+              <a:buFont typeface="Arial" panose="020B0604020202020204" pitchFamily="34" charset="0"/>
+              <a:buChar char="•"/>
+            </a:pPr>
+            <a:r>
+              <a:rPr lang="en-US" dirty="0"/>
+              <a:t>Models are a useful tool to understand the energy system and formulate sound energy policies</a:t>
+            </a:r>
+          </a:p>
+          <a:p>
+            <a:pPr marL="457200" indent="-457200">
+              <a:buFont typeface="Arial" panose="020B0604020202020204" pitchFamily="34" charset="0"/>
+              <a:buChar char="•"/>
+            </a:pPr>
+            <a:r>
+              <a:rPr lang="en-US" dirty="0"/>
+              <a:t>Energy models provide </a:t>
+            </a:r>
+            <a:r>
+              <a:rPr lang="en-US" b="1" dirty="0"/>
+              <a:t>insights for energy policies, not numbers</a:t>
+            </a:r>
+          </a:p>
+          <a:p>
+            <a:pPr marL="457200" indent="-457200">
+              <a:buFont typeface="Arial" panose="020B0604020202020204" pitchFamily="34" charset="0"/>
+              <a:buChar char="•"/>
+            </a:pPr>
+            <a:r>
+              <a:rPr lang="en-US" dirty="0"/>
+              <a:t>Modelling tools can be categorized into top-down and bottom-up. We will look at one type of bottom-up tools: </a:t>
+            </a:r>
+            <a:r>
+              <a:rPr lang="en-US" b="1" dirty="0"/>
+              <a:t>optimization tools</a:t>
+            </a:r>
+          </a:p>
+        </p:txBody>
+      </p:sp>
+      <p:sp>
+        <p:nvSpPr>
+          <p:cNvPr id="5" name="Slide Number Placeholder 4"/>
+          <p:cNvSpPr>
+            <a:spLocks noGrp="1"/>
+          </p:cNvSpPr>
+          <p:nvPr>
+            <p:ph type="sldNum" sz="quarter" idx="12"/>
+          </p:nvPr>
+        </p:nvSpPr>
+        <p:spPr/>
+        <p:txBody>
+          <a:bodyPr/>
+          <a:lstStyle/>
+          <a:p>
+            <a:fld id="{A0B7FA9A-6BCF-4CFA-8685-B7A43319A6CD}" type="slidenum">
+              <a:rPr lang="en-GB" smtClean="0"/>
+              <a:pPr/>
+              <a:t>11</a:t>
+            </a:fld>
+            <a:endParaRPr lang="en-GB" dirty="0"/>
+          </a:p>
+        </p:txBody>
+      </p:sp>
+      <p:sp>
+        <p:nvSpPr>
+          <p:cNvPr id="6" name="Title 5"/>
+          <p:cNvSpPr>
+            <a:spLocks noGrp="1"/>
+          </p:cNvSpPr>
+          <p:nvPr>
+            <p:ph type="title"/>
+          </p:nvPr>
+        </p:nvSpPr>
+        <p:spPr/>
+        <p:txBody>
+          <a:bodyPr/>
+          <a:lstStyle/>
+          <a:p>
+            <a:r>
+              <a:rPr lang="sv-SE" dirty="0" err="1"/>
+              <a:t>Key</a:t>
+            </a:r>
+            <a:r>
+              <a:rPr lang="sv-SE" dirty="0"/>
+              <a:t> </a:t>
+            </a:r>
+            <a:r>
+              <a:rPr lang="sv-SE" dirty="0" err="1"/>
+              <a:t>take</a:t>
+            </a:r>
+            <a:r>
+              <a:rPr lang="sv-SE" dirty="0"/>
+              <a:t> </a:t>
+            </a:r>
+            <a:r>
+              <a:rPr lang="sv-SE" dirty="0" err="1"/>
+              <a:t>away</a:t>
+            </a:r>
+            <a:r>
+              <a:rPr lang="sv-SE" dirty="0"/>
+              <a:t> </a:t>
+            </a:r>
+            <a:r>
+              <a:rPr lang="sv-SE" dirty="0" err="1"/>
+              <a:t>messages</a:t>
+            </a:r>
+            <a:endParaRPr lang="sv-SE" dirty="0"/>
+          </a:p>
+        </p:txBody>
+      </p:sp>
+      <p:sp>
+        <p:nvSpPr>
+          <p:cNvPr id="7" name="Footer Placeholder 4"/>
+          <p:cNvSpPr>
+            <a:spLocks noGrp="1"/>
+          </p:cNvSpPr>
+          <p:nvPr>
+            <p:ph type="ftr" sz="quarter" idx="11"/>
+          </p:nvPr>
+        </p:nvSpPr>
+        <p:spPr>
+          <a:xfrm>
+            <a:off x="4038600" y="6356350"/>
+            <a:ext cx="4114800" cy="365125"/>
+          </a:xfrm>
+        </p:spPr>
+        <p:txBody>
+          <a:bodyPr/>
+          <a:lstStyle/>
+          <a:p>
+            <a:r>
+              <a:rPr lang="en-GB" smtClean="0"/>
+              <a:t>MJ2380-2381 2020</a:t>
+            </a:r>
+            <a:endParaRPr lang="en-GB" dirty="0"/>
+          </a:p>
+        </p:txBody>
+      </p:sp>
+    </p:spTree>
+    <p:extLst>
+      <p:ext uri="{BB962C8B-B14F-4D97-AF65-F5344CB8AC3E}">
+        <p14:creationId xmlns:p14="http://schemas.microsoft.com/office/powerpoint/2010/main" val="2837304566"/>
+      </p:ext>
+    </p:extLst>
+  </p:cSld>
+  <p:clrMapOvr>
+    <a:masterClrMapping/>
+  </p:clrMapOvr>
+  <mc:AlternateContent xmlns:mc="http://schemas.openxmlformats.org/markup-compatibility/2006" xmlns:p14="http://schemas.microsoft.com/office/powerpoint/2010/main">
+    <mc:Choice Requires="p14">
+      <p:transition spd="med" p14:dur="700">
+        <p:fade/>
+      </p:transition>
+    </mc:Choice>
+    <mc:Fallback xmlns="">
+      <p:transition spd="med">
+        <p:fade/>
+      </p:transition>
+    </mc:Fallback>
+  </mc:AlternateContent>
+  <p:timing>
+    <p:tnLst>
+      <p:par>
+        <p:cTn id="1" dur="indefinite" restart="never" nodeType="tmRoot"/>
+      </p:par>
+    </p:tnLst>
+  </p:timing>
+</p:sld>
+</file>
+
+<file path=ppt/slides/slide12.xml><?xml version="1.0" encoding="utf-8"?>
+<p:sld xmlns:a="http://schemas.openxmlformats.org/drawingml/2006/main" xmlns:r="http://schemas.openxmlformats.org/officeDocument/2006/relationships" xmlns:p="http://schemas.openxmlformats.org/presentationml/2006/main">
+  <p:cSld>
+    <p:spTree>
+      <p:nvGrpSpPr>
+        <p:cNvPr id="1" name=""/>
+        <p:cNvGrpSpPr/>
+        <p:nvPr/>
+      </p:nvGrpSpPr>
+      <p:grpSpPr>
+        <a:xfrm>
+          <a:off x="0" y="0"/>
+          <a:ext cx="0" cy="0"/>
+          <a:chOff x="0" y="0"/>
+          <a:chExt cx="0" cy="0"/>
+        </a:xfrm>
+      </p:grpSpPr>
       <p:sp>
         <p:nvSpPr>
           <p:cNvPr id="2" name="Content Placeholder 1"/>
@@ -12853,7 +17724,7 @@
             <a:fld id="{A0B7FA9A-6BCF-4CFA-8685-B7A43319A6CD}" type="slidenum">
               <a:rPr lang="en-GB" smtClean="0"/>
               <a:pPr/>
-              <a:t>10</a:t>
+              <a:t>12</a:t>
             </a:fld>
             <a:endParaRPr lang="en-GB" dirty="0"/>
           </a:p>
@@ -12941,7 +17812,7 @@
 </p:sld>
 </file>
 
-<file path=ppt/slides/slide11.xml><?xml version="1.0" encoding="utf-8"?>
+<file path=ppt/slides/slide13.xml><?xml version="1.0" encoding="utf-8"?>
 <p:sld xmlns:a="http://schemas.openxmlformats.org/drawingml/2006/main" xmlns:r="http://schemas.openxmlformats.org/officeDocument/2006/relationships" xmlns:p="http://schemas.openxmlformats.org/presentationml/2006/main">
   <p:cSld>
     <p:spTree>
@@ -13043,7 +17914,7 @@
                 </a:solidFill>
               </a:rPr>
               <a:pPr/>
-              <a:t>11</a:t>
+              <a:t>13</a:t>
             </a:fld>
             <a:endParaRPr lang="en-GB" sz="1400" dirty="0">
               <a:solidFill>
@@ -14725,6 +19596,94 @@
           </a:p>
         </p:txBody>
       </p:sp>
+      <p:sp>
+        <p:nvSpPr>
+          <p:cNvPr id="2" name="TextBox 1"/>
+          <p:cNvSpPr txBox="1"/>
+          <p:nvPr/>
+        </p:nvSpPr>
+        <p:spPr>
+          <a:xfrm>
+            <a:off x="838200" y="3255264"/>
+            <a:ext cx="7772400" cy="1499616"/>
+          </a:xfrm>
+          <a:prstGeom prst="rect">
+            <a:avLst/>
+          </a:prstGeom>
+        </p:spPr>
+        <p:txBody>
+          <a:bodyPr vert="horz" wrap="square" lIns="91440" tIns="0" rIns="91440" bIns="0" rtlCol="0" anchor="t">
+            <a:normAutofit/>
+          </a:bodyPr>
+          <a:lstStyle/>
+          <a:p>
+            <a:pPr marL="457200" indent="0"/>
+            <a:r>
+              <a:rPr lang="sv-SE" sz="3000" b="1" spc="-150" dirty="0" err="1" smtClean="0">
+                <a:solidFill>
+                  <a:schemeClr val="bg2">
+                    <a:lumMod val="50000"/>
+                  </a:schemeClr>
+                </a:solidFill>
+                <a:latin typeface="+mn-lt"/>
+              </a:rPr>
+              <a:t>Some</a:t>
+            </a:r>
+            <a:r>
+              <a:rPr lang="sv-SE" sz="3000" b="1" spc="-150" dirty="0" smtClean="0">
+                <a:solidFill>
+                  <a:schemeClr val="bg2">
+                    <a:lumMod val="50000"/>
+                  </a:schemeClr>
+                </a:solidFill>
+                <a:latin typeface="+mn-lt"/>
+              </a:rPr>
+              <a:t> text </a:t>
+            </a:r>
+            <a:r>
+              <a:rPr lang="sv-SE" sz="3000" b="1" spc="-150" dirty="0" err="1" smtClean="0">
+                <a:solidFill>
+                  <a:schemeClr val="bg2">
+                    <a:lumMod val="50000"/>
+                  </a:schemeClr>
+                </a:solidFill>
+                <a:latin typeface="+mn-lt"/>
+              </a:rPr>
+              <a:t>below</a:t>
+            </a:r>
+            <a:r>
+              <a:rPr lang="sv-SE" sz="3000" b="1" spc="-150" dirty="0" smtClean="0">
+                <a:solidFill>
+                  <a:schemeClr val="bg2">
+                    <a:lumMod val="50000"/>
+                  </a:schemeClr>
+                </a:solidFill>
+                <a:latin typeface="+mn-lt"/>
+              </a:rPr>
+              <a:t> </a:t>
+            </a:r>
+            <a:r>
+              <a:rPr lang="sv-SE" sz="3000" b="1" spc="-150" smtClean="0">
+                <a:solidFill>
+                  <a:schemeClr val="bg2">
+                    <a:lumMod val="50000"/>
+                  </a:schemeClr>
+                </a:solidFill>
+                <a:latin typeface="+mn-lt"/>
+              </a:rPr>
+              <a:t>the table</a:t>
+            </a:r>
+            <a:endParaRPr lang="sv-SE" sz="3000" b="1" spc="-150" dirty="0" smtClean="0">
+              <a:solidFill>
+                <a:schemeClr val="bg2">
+                  <a:lumMod val="50000"/>
+                </a:schemeClr>
+              </a:solidFill>
+              <a:latin typeface="+mn-lt"/>
+            </a:endParaRPr>
+          </a:p>
+        </p:txBody>
+      </p:sp>
     </p:spTree>
     <p:extLst>
       <p:ext uri="{BB962C8B-B14F-4D97-AF65-F5344CB8AC3E}">
@@ -14767,35 +19726,31 @@
           <a:chExt cx="0" cy="0"/>
         </a:xfrm>
       </p:grpSpPr>
-      <p:pic>
-        <p:nvPicPr>
-          <p:cNvPr id="7" name="Content Placeholder 6"/>
-          <p:cNvPicPr>
-            <a:picLocks noGrp="1" noChangeAspect="1"/>
-          </p:cNvPicPr>
+      <p:graphicFrame>
+        <p:nvGraphicFramePr>
+          <p:cNvPr id="6" name="Content Placeholder 5"/>
+          <p:cNvGraphicFramePr>
+            <a:graphicFrameLocks noGrp="1"/>
+          </p:cNvGraphicFramePr>
           <p:nvPr>
             <p:ph idx="1"/>
-          </p:nvPr>
-        </p:nvPicPr>
-        <p:blipFill>
-          <a:blip r:embed="rId2" cstate="print">
-            <a:extLst>
-              <a:ext uri="{28A0092B-C50C-407E-A947-70E740481C1C}">
-                <a14:useLocalDpi xmlns:a14="http://schemas.microsoft.com/office/drawing/2010/main" val="0"/>
-              </a:ext>
-            </a:extLst>
-          </a:blip>
-          <a:stretch>
-            <a:fillRect/>
-          </a:stretch>
-        </p:blipFill>
-        <p:spPr>
-          <a:xfrm>
-            <a:off x="3563734" y="1616075"/>
-            <a:ext cx="5064531" cy="4551363"/>
-          </a:xfrm>
-        </p:spPr>
-      </p:pic>
+            <p:extLst>
+              <p:ext uri="{D42A27DB-BD31-4B8C-83A1-F6EECF244321}">
+                <p14:modId xmlns:p14="http://schemas.microsoft.com/office/powerpoint/2010/main" val="703963240"/>
+              </p:ext>
+            </p:extLst>
+          </p:nvPr>
+        </p:nvGraphicFramePr>
+        <p:xfrm>
+          <a:off x="838200" y="1616075"/>
+          <a:ext cx="10515600" cy="4551363"/>
+        </p:xfrm>
+        <a:graphic>
+          <a:graphicData uri="http://schemas.openxmlformats.org/drawingml/2006/diagram">
+            <dgm:relIds xmlns:dgm="http://schemas.openxmlformats.org/drawingml/2006/diagram" xmlns:r="http://schemas.openxmlformats.org/officeDocument/2006/relationships" r:dm="rId2" r:lo="rId3" r:qs="rId4" r:cs="rId5"/>
+          </a:graphicData>
+        </a:graphic>
+      </p:graphicFrame>
       <p:sp>
         <p:nvSpPr>
           <p:cNvPr id="3" name="Footer Placeholder 2"/>
@@ -14859,12 +19814,8 @@
           <a:lstStyle/>
           <a:p>
             <a:r>
-              <a:rPr lang="sv-SE" dirty="0" smtClean="0"/>
-              <a:t>A </a:t>
-            </a:r>
-            <a:r>
               <a:rPr lang="sv-SE" dirty="0" err="1" smtClean="0"/>
-              <a:t>slide</a:t>
+              <a:t>Slide</a:t>
             </a:r>
             <a:r>
               <a:rPr lang="sv-SE" dirty="0" smtClean="0"/>
@@ -14884,11 +19835,7 @@
             </a:r>
             <a:r>
               <a:rPr lang="sv-SE" dirty="0" smtClean="0"/>
-              <a:t> </a:t>
-            </a:r>
-            <a:r>
-              <a:rPr lang="sv-SE" dirty="0" err="1" smtClean="0"/>
-              <a:t>Figure</a:t>
+              <a:t> Smart art</a:t>
             </a:r>
             <a:endParaRPr lang="sv-SE" dirty="0"/>
           </a:p>
@@ -14897,7 +19844,7 @@
     </p:spTree>
     <p:extLst>
       <p:ext uri="{BB962C8B-B14F-4D97-AF65-F5344CB8AC3E}">
-        <p14:creationId xmlns:p14="http://schemas.microsoft.com/office/powerpoint/2010/main" val="219714151"/>
+        <p14:creationId xmlns:p14="http://schemas.microsoft.com/office/powerpoint/2010/main" val="798762713"/>
       </p:ext>
     </p:extLst>
   </p:cSld>
@@ -14938,12 +19885,12 @@
       </p:grpSpPr>
       <p:sp>
         <p:nvSpPr>
-          <p:cNvPr id="2" name="Content Placeholder 1"/>
-          <p:cNvSpPr>
-            <a:spLocks noGrp="1"/>
-          </p:cNvSpPr>
-          <p:nvPr>
-            <p:ph idx="1"/>
+          <p:cNvPr id="3" name="Footer Placeholder 2"/>
+          <p:cNvSpPr>
+            <a:spLocks noGrp="1"/>
+          </p:cNvSpPr>
+          <p:nvPr>
+            <p:ph type="ftr" sz="quarter" idx="11"/>
           </p:nvPr>
         </p:nvSpPr>
         <p:spPr/>
@@ -14951,58 +19898,17 @@
           <a:bodyPr/>
           <a:lstStyle/>
           <a:p>
-            <a:pPr marL="457200" indent="-457200">
-              <a:buFont typeface="Arial" panose="020B0604020202020204" pitchFamily="34" charset="0"/>
-              <a:buChar char="•"/>
-            </a:pPr>
-            <a:r>
-              <a:rPr lang="en-US" dirty="0"/>
-              <a:t>The energy system is a complicated network of processes and flows</a:t>
-            </a:r>
-          </a:p>
-          <a:p>
-            <a:pPr marL="457200" indent="-457200">
-              <a:buFont typeface="Arial" panose="020B0604020202020204" pitchFamily="34" charset="0"/>
-              <a:buChar char="•"/>
-            </a:pPr>
-            <a:r>
-              <a:rPr lang="en-US" dirty="0"/>
-              <a:t>Models are a useful tool to understand the energy system and formulate sound energy policies</a:t>
-            </a:r>
-          </a:p>
-          <a:p>
-            <a:pPr marL="457200" indent="-457200">
-              <a:buFont typeface="Arial" panose="020B0604020202020204" pitchFamily="34" charset="0"/>
-              <a:buChar char="•"/>
-            </a:pPr>
-            <a:r>
-              <a:rPr lang="en-US" dirty="0"/>
-              <a:t>Energy models provide </a:t>
-            </a:r>
-            <a:r>
-              <a:rPr lang="en-US" b="1" dirty="0"/>
-              <a:t>insights for energy policies, not numbers</a:t>
-            </a:r>
-          </a:p>
-          <a:p>
-            <a:pPr marL="457200" indent="-457200">
-              <a:buFont typeface="Arial" panose="020B0604020202020204" pitchFamily="34" charset="0"/>
-              <a:buChar char="•"/>
-            </a:pPr>
-            <a:r>
-              <a:rPr lang="en-US" dirty="0"/>
-              <a:t>Modelling tools can be categorized into top-down and bottom-up. We will look at one type of bottom-up tools: </a:t>
-            </a:r>
-            <a:r>
-              <a:rPr lang="en-US" b="1" dirty="0"/>
-              <a:t>optimization tools</a:t>
-            </a:r>
-          </a:p>
-        </p:txBody>
-      </p:sp>
-      <p:sp>
-        <p:nvSpPr>
-          <p:cNvPr id="5" name="Slide Number Placeholder 4"/>
+            <a:r>
+              <a:rPr lang="en-GB" smtClean="0"/>
+              <a:t>MJ2380-2381 2020</a:t>
+            </a:r>
+            <a:endParaRPr lang="en-GB" dirty="0"/>
+          </a:p>
+        </p:txBody>
+      </p:sp>
+      <p:sp>
+        <p:nvSpPr>
+          <p:cNvPr id="4" name="Slide Number Placeholder 3"/>
           <p:cNvSpPr>
             <a:spLocks noGrp="1"/>
           </p:cNvSpPr>
@@ -15015,7 +19921,7 @@
           <a:bodyPr/>
           <a:lstStyle/>
           <a:p>
-            <a:fld id="{A0B7FA9A-6BCF-4CFA-8685-B7A43319A6CD}" type="slidenum">
+            <a:fld id="{F36C87F6-986D-49E6-AF40-1B3A1EE8064D}" type="slidenum">
               <a:rPr lang="en-GB" smtClean="0"/>
               <a:pPr/>
               <a:t>9</a:t>
@@ -15026,7 +19932,7 @@
       </p:sp>
       <p:sp>
         <p:nvSpPr>
-          <p:cNvPr id="6" name="Title 5"/>
+          <p:cNvPr id="5" name="Title 4"/>
           <p:cNvSpPr>
             <a:spLocks noGrp="1"/>
           </p:cNvSpPr>
@@ -15040,69 +19946,66 @@
           <a:lstStyle/>
           <a:p>
             <a:r>
-              <a:rPr lang="sv-SE" dirty="0" err="1"/>
-              <a:t>Key</a:t>
-            </a:r>
-            <a:r>
-              <a:rPr lang="sv-SE" dirty="0"/>
+              <a:rPr lang="sv-SE" dirty="0" err="1" smtClean="0"/>
+              <a:t>Slide</a:t>
+            </a:r>
+            <a:r>
+              <a:rPr lang="sv-SE" dirty="0" smtClean="0"/>
               <a:t> </a:t>
             </a:r>
             <a:r>
-              <a:rPr lang="sv-SE" dirty="0" err="1"/>
-              <a:t>take</a:t>
-            </a:r>
-            <a:r>
-              <a:rPr lang="sv-SE" dirty="0"/>
+              <a:rPr lang="sv-SE" dirty="0" err="1" smtClean="0"/>
+              <a:t>with</a:t>
+            </a:r>
+            <a:r>
+              <a:rPr lang="sv-SE" dirty="0" smtClean="0"/>
               <a:t> </a:t>
             </a:r>
             <a:r>
-              <a:rPr lang="sv-SE" dirty="0" err="1"/>
-              <a:t>away</a:t>
-            </a:r>
-            <a:r>
-              <a:rPr lang="sv-SE" dirty="0"/>
+              <a:rPr lang="sv-SE" dirty="0" err="1" smtClean="0"/>
+              <a:t>one</a:t>
+            </a:r>
+            <a:r>
+              <a:rPr lang="sv-SE" dirty="0" smtClean="0"/>
               <a:t> </a:t>
             </a:r>
             <a:r>
-              <a:rPr lang="sv-SE" dirty="0" err="1"/>
-              <a:t>messages</a:t>
+              <a:rPr lang="sv-SE" dirty="0" err="1" smtClean="0"/>
+              <a:t>graph</a:t>
             </a:r>
             <a:endParaRPr lang="sv-SE" dirty="0"/>
           </a:p>
         </p:txBody>
       </p:sp>
-      <p:sp>
-        <p:nvSpPr>
-          <p:cNvPr id="7" name="Footer Placeholder 4"/>
-          <p:cNvSpPr>
-            <a:spLocks noGrp="1"/>
-          </p:cNvSpPr>
-          <p:nvPr>
-            <p:ph type="ftr" sz="quarter" idx="11"/>
-          </p:nvPr>
-        </p:nvSpPr>
-        <p:spPr>
-          <a:xfrm>
-            <a:off x="4038600" y="6356350"/>
-            <a:ext cx="4114800" cy="365125"/>
-          </a:xfrm>
-        </p:spPr>
-        <p:txBody>
-          <a:bodyPr/>
-          <a:lstStyle/>
-          <a:p>
-            <a:r>
-              <a:rPr lang="en-GB" smtClean="0"/>
-              <a:t>MJ2380-2381 2020</a:t>
-            </a:r>
-            <a:endParaRPr lang="en-GB" dirty="0"/>
-          </a:p>
-        </p:txBody>
-      </p:sp>
+      <p:graphicFrame>
+        <p:nvGraphicFramePr>
+          <p:cNvPr id="6" name="Content Placeholder 5"/>
+          <p:cNvGraphicFramePr>
+            <a:graphicFrameLocks noGrp="1"/>
+          </p:cNvGraphicFramePr>
+          <p:nvPr>
+            <p:ph idx="1"/>
+            <p:extLst>
+              <p:ext uri="{D42A27DB-BD31-4B8C-83A1-F6EECF244321}">
+                <p14:modId xmlns:p14="http://schemas.microsoft.com/office/powerpoint/2010/main" val="2421602425"/>
+              </p:ext>
+            </p:extLst>
+          </p:nvPr>
+        </p:nvGraphicFramePr>
+        <p:xfrm>
+          <a:off x="838200" y="1616075"/>
+          <a:ext cx="10515600" cy="4551363"/>
+        </p:xfrm>
+        <a:graphic>
+          <a:graphicData uri="http://schemas.openxmlformats.org/drawingml/2006/chart">
+            <c:chart xmlns:c="http://schemas.openxmlformats.org/drawingml/2006/chart" xmlns:r="http://schemas.openxmlformats.org/officeDocument/2006/relationships" r:id="rId2"/>
+          </a:graphicData>
+        </a:graphic>
+      </p:graphicFrame>
     </p:spTree>
     <p:extLst>
       <p:ext uri="{BB962C8B-B14F-4D97-AF65-F5344CB8AC3E}">
-        <p14:creationId xmlns:p14="http://schemas.microsoft.com/office/powerpoint/2010/main" val="2837304566"/>
+        <p14:creationId xmlns:p14="http://schemas.microsoft.com/office/powerpoint/2010/main" val="2133619278"/>
       </p:ext>
     </p:extLst>
   </p:cSld>
@@ -15121,13 +20024,6 @@
       </p:transition>
     </mc:Fallback>
   </mc:AlternateContent>
-  <p:timing>
-    <p:tnLst>
-      <p:par>
-        <p:cTn id="1" dur="indefinite" restart="never" nodeType="tmRoot"/>
-      </p:par>
-    </p:tnLst>
-  </p:timing>
 </p:sld>
 </file>
 
@@ -15944,7 +20840,7 @@
 </file>
 
 <file path=customXml/itemProps3.xml><?xml version="1.0" encoding="utf-8"?>
-<ds:datastoreItem xmlns:ds="http://schemas.openxmlformats.org/officeDocument/2006/customXml" ds:itemID="{E01F304E-8A23-4F3A-A522-8F0F304C2F57}">
+<ds:datastoreItem xmlns:ds="http://schemas.openxmlformats.org/officeDocument/2006/customXml" ds:itemID="{0103A532-5B2C-4425-9F2A-7F4721A16C4C}">
   <ds:schemaRefs>
     <ds:schemaRef ds:uri="http://schemas.microsoft.com/VisualStudio/2011/storyboarding/control"/>
   </ds:schemaRefs>
@@ -15968,6 +20864,22 @@
 </file>
 
 <file path=customXml/itemProps6.xml><?xml version="1.0" encoding="utf-8"?>
+<ds:datastoreItem xmlns:ds="http://schemas.openxmlformats.org/officeDocument/2006/customXml" ds:itemID="{C617D7A1-438A-4842-B3E3-9908A6EB6D2C}">
+  <ds:schemaRefs>
+    <ds:schemaRef ds:uri="http://schemas.microsoft.com/VisualStudio/2011/storyboarding/control"/>
+  </ds:schemaRefs>
+</ds:datastoreItem>
+</file>
+
+<file path=customXml/itemProps7.xml><?xml version="1.0" encoding="utf-8"?>
+<ds:datastoreItem xmlns:ds="http://schemas.openxmlformats.org/officeDocument/2006/customXml" ds:itemID="{E01F304E-8A23-4F3A-A522-8F0F304C2F57}">
+  <ds:schemaRefs>
+    <ds:schemaRef ds:uri="http://schemas.microsoft.com/VisualStudio/2011/storyboarding/control"/>
+  </ds:schemaRefs>
+</ds:datastoreItem>
+</file>
+
+<file path=customXml/itemProps8.xml><?xml version="1.0" encoding="utf-8"?>
 <ds:datastoreItem xmlns:ds="http://schemas.openxmlformats.org/officeDocument/2006/customXml" ds:itemID="{C4C77668-3C09-4800-9078-32A63FDB8878}">
   <ds:schemaRefs>
     <ds:schemaRef ds:uri="http://schemas.microsoft.com/VisualStudio/2011/storyboarding/control"/>
@@ -15975,26 +20887,10 @@
 </ds:datastoreItem>
 </file>
 
-<file path=customXml/itemProps7.xml><?xml version="1.0" encoding="utf-8"?>
-<ds:datastoreItem xmlns:ds="http://schemas.openxmlformats.org/officeDocument/2006/customXml" ds:itemID="{C617D7A1-438A-4842-B3E3-9908A6EB6D2C}">
-  <ds:schemaRefs>
-    <ds:schemaRef ds:uri="http://schemas.microsoft.com/VisualStudio/2011/storyboarding/control"/>
-  </ds:schemaRefs>
-</ds:datastoreItem>
-</file>
-
-<file path=customXml/itemProps8.xml><?xml version="1.0" encoding="utf-8"?>
+<file path=customXml/itemProps9.xml><?xml version="1.0" encoding="utf-8"?>
 <ds:datastoreItem xmlns:ds="http://schemas.openxmlformats.org/officeDocument/2006/customXml" ds:itemID="{1CFCFB3A-1124-4BB9-AF75-CF97631426FE}">
   <ds:schemaRefs>
     <ds:schemaRef ds:uri="http://schemas.microsoft.com/VisualStudio/2011/storyboarding/control"/>
   </ds:schemaRefs>
 </ds:datastoreItem>
-</file>
-
-<file path=customXml/itemProps9.xml><?xml version="1.0" encoding="utf-8"?>
-<ds:datastoreItem xmlns:ds="http://schemas.openxmlformats.org/officeDocument/2006/customXml" ds:itemID="{0103A532-5B2C-4425-9F2A-7F4721A16C4C}">
-  <ds:schemaRefs>
-    <ds:schemaRef ds:uri="http://schemas.microsoft.com/VisualStudio/2011/storyboarding/control"/>
-  </ds:schemaRefs>
-</ds:datastoreItem>
 </file>
--- a/files/ppt_demo.pptx
+++ b/files/ppt_demo.pptx
@@ -6,7 +6,7 @@
     <p:sldMasterId id="2147483699" r:id="rId11"/>
   </p:sldMasterIdLst>
   <p:notesMasterIdLst>
-    <p:notesMasterId r:id="rId25"/>
+    <p:notesMasterId r:id="rId26"/>
   </p:notesMasterIdLst>
   <p:sldIdLst>
     <p:sldId id="257" r:id="rId12"/>
@@ -19,9 +19,10 @@
     <p:sldId id="494" r:id="rId19"/>
     <p:sldId id="495" r:id="rId20"/>
     <p:sldId id="493" r:id="rId21"/>
-    <p:sldId id="339" r:id="rId22"/>
-    <p:sldId id="380" r:id="rId23"/>
-    <p:sldId id="330" r:id="rId24"/>
+    <p:sldId id="496" r:id="rId22"/>
+    <p:sldId id="339" r:id="rId23"/>
+    <p:sldId id="380" r:id="rId24"/>
+    <p:sldId id="330" r:id="rId25"/>
   </p:sldIdLst>
   <p:sldSz cx="12192000" cy="6858000"/>
   <p:notesSz cx="6858000" cy="9144000"/>
@@ -135,6 +136,7 @@
             <p14:sldId id="494"/>
             <p14:sldId id="495"/>
             <p14:sldId id="493"/>
+            <p14:sldId id="496"/>
           </p14:sldIdLst>
         </p14:section>
         <p14:section name="Context" id="{065BED4C-6380-4DDB-97EA-F07556E2D9B4}">
@@ -242,7 +244,6 @@
           </a:p>
         </c:rich>
       </c:tx>
-      <c:layout/>
       <c:overlay val="0"/>
       <c:spPr>
         <a:noFill/>
@@ -875,7 +876,6 @@
         <c:idx val="9"/>
         <c:delete val="1"/>
       </c:legendEntry>
-      <c:layout/>
       <c:overlay val="0"/>
       <c:spPr>
         <a:noFill/>
@@ -2472,6 +2472,13 @@
         </dgm:presLayoutVars>
       </dgm:prSet>
       <dgm:spPr/>
+      <dgm:t>
+        <a:bodyPr/>
+        <a:lstStyle/>
+        <a:p>
+          <a:endParaRPr lang="en-US"/>
+        </a:p>
+      </dgm:t>
     </dgm:pt>
     <dgm:pt modelId="{FBBE1E9B-7D6D-4EBF-A90A-18F5A44CF0BD}" type="pres">
       <dgm:prSet presAssocID="{13989C2D-5BBD-4C79-89C8-04F5098C2D1D}" presName="composite" presStyleCnt="0"/>
@@ -2486,6 +2493,13 @@
         </dgm:presLayoutVars>
       </dgm:prSet>
       <dgm:spPr/>
+      <dgm:t>
+        <a:bodyPr/>
+        <a:lstStyle/>
+        <a:p>
+          <a:endParaRPr lang="en-US"/>
+        </a:p>
+      </dgm:t>
     </dgm:pt>
     <dgm:pt modelId="{BCF88D8A-FAF2-44AB-8CE4-A78B28883FED}" type="pres">
       <dgm:prSet presAssocID="{13989C2D-5BBD-4C79-89C8-04F5098C2D1D}" presName="Childtext1" presStyleLbl="revTx" presStyleIdx="0" presStyleCnt="3">
@@ -2496,6 +2510,13 @@
         </dgm:presLayoutVars>
       </dgm:prSet>
       <dgm:spPr/>
+      <dgm:t>
+        <a:bodyPr/>
+        <a:lstStyle/>
+        <a:p>
+          <a:endParaRPr lang="en-US"/>
+        </a:p>
+      </dgm:t>
     </dgm:pt>
     <dgm:pt modelId="{79500A40-9EEA-43CA-A468-E088D4BA6D70}" type="pres">
       <dgm:prSet presAssocID="{13989C2D-5BBD-4C79-89C8-04F5098C2D1D}" presName="BalanceSpacing" presStyleCnt="0"/>
@@ -2508,6 +2529,13 @@
     <dgm:pt modelId="{CB9678F9-7D6E-4B2B-A26F-490F905A17B5}" type="pres">
       <dgm:prSet presAssocID="{C31D5DD6-C492-4017-AEC5-16326E39A0B1}" presName="Accent1Text" presStyleLbl="node1" presStyleIdx="1" presStyleCnt="6"/>
       <dgm:spPr/>
+      <dgm:t>
+        <a:bodyPr/>
+        <a:lstStyle/>
+        <a:p>
+          <a:endParaRPr lang="en-US"/>
+        </a:p>
+      </dgm:t>
     </dgm:pt>
     <dgm:pt modelId="{15A6742B-6728-4E0E-B2C2-4DB74ED5D7DE}" type="pres">
       <dgm:prSet presAssocID="{C31D5DD6-C492-4017-AEC5-16326E39A0B1}" presName="spaceBetweenRectangles" presStyleCnt="0"/>
@@ -2526,6 +2554,13 @@
         </dgm:presLayoutVars>
       </dgm:prSet>
       <dgm:spPr/>
+      <dgm:t>
+        <a:bodyPr/>
+        <a:lstStyle/>
+        <a:p>
+          <a:endParaRPr lang="en-US"/>
+        </a:p>
+      </dgm:t>
     </dgm:pt>
     <dgm:pt modelId="{5191775C-C28A-43D4-8072-9D8259C2FAA7}" type="pres">
       <dgm:prSet presAssocID="{7A38B58A-A11A-41D6-B673-E485D411F451}" presName="Childtext1" presStyleLbl="revTx" presStyleIdx="1" presStyleCnt="3">
@@ -2536,6 +2571,13 @@
         </dgm:presLayoutVars>
       </dgm:prSet>
       <dgm:spPr/>
+      <dgm:t>
+        <a:bodyPr/>
+        <a:lstStyle/>
+        <a:p>
+          <a:endParaRPr lang="en-US"/>
+        </a:p>
+      </dgm:t>
     </dgm:pt>
     <dgm:pt modelId="{11AB6FE1-425C-41F9-B050-C913AF1FBC2F}" type="pres">
       <dgm:prSet presAssocID="{7A38B58A-A11A-41D6-B673-E485D411F451}" presName="BalanceSpacing" presStyleCnt="0"/>
@@ -2548,6 +2590,13 @@
     <dgm:pt modelId="{958E7863-7E03-4CBC-951F-059E66E465E3}" type="pres">
       <dgm:prSet presAssocID="{25D57FB3-053C-44B6-9F14-C1B73557C87F}" presName="Accent1Text" presStyleLbl="node1" presStyleIdx="3" presStyleCnt="6"/>
       <dgm:spPr/>
+      <dgm:t>
+        <a:bodyPr/>
+        <a:lstStyle/>
+        <a:p>
+          <a:endParaRPr lang="en-US"/>
+        </a:p>
+      </dgm:t>
     </dgm:pt>
     <dgm:pt modelId="{530997C0-A59A-4570-998B-35BDE1159949}" type="pres">
       <dgm:prSet presAssocID="{25D57FB3-053C-44B6-9F14-C1B73557C87F}" presName="spaceBetweenRectangles" presStyleCnt="0"/>
@@ -2583,6 +2632,13 @@
         </dgm:presLayoutVars>
       </dgm:prSet>
       <dgm:spPr/>
+      <dgm:t>
+        <a:bodyPr/>
+        <a:lstStyle/>
+        <a:p>
+          <a:endParaRPr lang="en-US"/>
+        </a:p>
+      </dgm:t>
     </dgm:pt>
     <dgm:pt modelId="{97D90B55-A70C-4A58-AA46-B13F368B55FE}" type="pres">
       <dgm:prSet presAssocID="{3A882E34-6617-4325-8A39-F5280B090C59}" presName="BalanceSpacing" presStyleCnt="0"/>
@@ -2595,6 +2651,13 @@
     <dgm:pt modelId="{EA8D8AEF-CA32-444E-8227-C3B93B3A7FDD}" type="pres">
       <dgm:prSet presAssocID="{1D81F829-D153-4CE3-A785-095A58AAB5F8}" presName="Accent1Text" presStyleLbl="node1" presStyleIdx="5" presStyleCnt="6"/>
       <dgm:spPr/>
+      <dgm:t>
+        <a:bodyPr/>
+        <a:lstStyle/>
+        <a:p>
+          <a:endParaRPr lang="en-US"/>
+        </a:p>
+      </dgm:t>
     </dgm:pt>
   </dgm:ptLst>
   <dgm:cxnLst>
@@ -4770,7 +4833,7 @@
           <a:p>
             <a:fld id="{C53FC889-3B05-4F6A-9AB7-C2521E883D0A}" type="datetimeFigureOut">
               <a:rPr lang="en-GB" smtClean="0"/>
-              <a:t>24/03/2020</a:t>
+              <a:t>26/03/2020</a:t>
             </a:fld>
             <a:endParaRPr lang="en-GB" dirty="0"/>
           </a:p>
@@ -5821,7 +5884,7 @@
           <a:p>
             <a:fld id="{253E99D3-575E-4B33-AEE3-580024E0F63F}" type="slidenum">
               <a:rPr lang="en-GB" smtClean="0"/>
-              <a:t>11</a:t>
+              <a:t>12</a:t>
             </a:fld>
             <a:endParaRPr lang="en-GB"/>
           </a:p>
@@ -5905,7 +5968,7 @@
           <a:p>
             <a:fld id="{253E99D3-575E-4B33-AEE3-580024E0F63F}" type="slidenum">
               <a:rPr lang="en-GB" smtClean="0"/>
-              <a:t>12</a:t>
+              <a:t>13</a:t>
             </a:fld>
             <a:endParaRPr lang="en-GB"/>
           </a:p>
@@ -6075,7 +6138,7 @@
           <a:p>
             <a:fld id="{9EFE7453-B082-4124-B5AE-B87EE023CDB1}" type="datetime1">
               <a:rPr lang="sv-SE" smtClean="0"/>
-              <a:t>2020-03-24</a:t>
+              <a:t>2020-03-26</a:t>
             </a:fld>
             <a:endParaRPr lang="en-GB" dirty="0"/>
           </a:p>
@@ -6321,7 +6384,7 @@
                   <a:prstClr val="black"/>
                 </a:solidFill>
               </a:rPr>
-              <a:t>2020-03-24</a:t>
+              <a:t>2020-03-26</a:t>
             </a:fld>
             <a:endParaRPr lang="en-GB" dirty="0">
               <a:solidFill>
@@ -6689,7 +6752,7 @@
                   <a:prstClr val="black"/>
                 </a:solidFill>
               </a:rPr>
-              <a:t>2020-03-24</a:t>
+              <a:t>2020-03-26</a:t>
             </a:fld>
             <a:endParaRPr lang="en-GB" dirty="0">
               <a:solidFill>
@@ -6972,7 +7035,7 @@
                   <a:prstClr val="black"/>
                 </a:solidFill>
               </a:rPr>
-              <a:t>2020-03-24</a:t>
+              <a:t>2020-03-26</a:t>
             </a:fld>
             <a:endParaRPr lang="en-GB" dirty="0">
               <a:solidFill>
@@ -7298,7 +7361,7 @@
                   <a:prstClr val="black"/>
                 </a:solidFill>
               </a:rPr>
-              <a:t>2020-03-24</a:t>
+              <a:t>2020-03-26</a:t>
             </a:fld>
             <a:endParaRPr lang="en-GB" dirty="0">
               <a:solidFill>
@@ -7569,7 +7632,7 @@
                   <a:prstClr val="black"/>
                 </a:solidFill>
               </a:rPr>
-              <a:t>2020-03-24</a:t>
+              <a:t>2020-03-26</a:t>
             </a:fld>
             <a:endParaRPr lang="en-GB" dirty="0">
               <a:solidFill>
@@ -7755,7 +7818,7 @@
                   <a:prstClr val="black"/>
                 </a:solidFill>
               </a:rPr>
-              <a:t>2020-03-24</a:t>
+              <a:t>2020-03-26</a:t>
             </a:fld>
             <a:endParaRPr lang="en-GB" dirty="0">
               <a:solidFill>
@@ -10036,7 +10099,7 @@
                   <a:prstClr val="black"/>
                 </a:solidFill>
               </a:rPr>
-              <a:t>2020-03-24</a:t>
+              <a:t>2020-03-26</a:t>
             </a:fld>
             <a:endParaRPr lang="en-GB" dirty="0">
               <a:solidFill>
@@ -10785,7 +10848,7 @@
             </a:pPr>
             <a:fld id="{D1537DF4-BE14-43E4-9A37-FFE4AFD6E832}" type="datetime1">
               <a:rPr lang="sv-SE" smtClean="0"/>
-              <a:t>2020-03-24</a:t>
+              <a:t>2020-03-26</a:t>
             </a:fld>
             <a:endParaRPr lang="sv-SE"/>
           </a:p>
@@ -11009,7 +11072,7 @@
           <a:p>
             <a:fld id="{80F358A9-049B-44CD-82AF-D1F2A38D371E}" type="datetime1">
               <a:rPr lang="sv-SE" smtClean="0"/>
-              <a:t>2020-03-24</a:t>
+              <a:t>2020-03-26</a:t>
             </a:fld>
             <a:endParaRPr lang="sv-SE"/>
           </a:p>
@@ -11178,7 +11241,7 @@
           <a:p>
             <a:fld id="{0EFFECE1-EFDB-4ED4-A92B-EC11843FA500}" type="datetime1">
               <a:rPr lang="sv-SE" smtClean="0"/>
-              <a:t>2020-03-24</a:t>
+              <a:t>2020-03-26</a:t>
             </a:fld>
             <a:endParaRPr lang="en-US" dirty="0"/>
           </a:p>
@@ -11429,7 +11492,7 @@
           <a:p>
             <a:fld id="{3E8B38C6-DEFB-43C3-9001-532227D2C227}" type="datetime1">
               <a:rPr lang="sv-SE" smtClean="0"/>
-              <a:t>2020-03-24</a:t>
+              <a:t>2020-03-26</a:t>
             </a:fld>
             <a:endParaRPr lang="sv-SE"/>
           </a:p>
@@ -11679,7 +11742,7 @@
           <a:p>
             <a:fld id="{4D6B0352-3FAF-4997-A408-54821387E8C2}" type="datetime1">
               <a:rPr lang="sv-SE" smtClean="0"/>
-              <a:t>2020-03-24</a:t>
+              <a:t>2020-03-26</a:t>
             </a:fld>
             <a:endParaRPr lang="sv-SE"/>
           </a:p>
@@ -11915,7 +11978,7 @@
           <a:p>
             <a:fld id="{716563E9-3DC5-4469-9964-FF98F1612663}" type="datetime1">
               <a:rPr lang="sv-SE" smtClean="0"/>
-              <a:t>2020-03-24</a:t>
+              <a:t>2020-03-26</a:t>
             </a:fld>
             <a:endParaRPr lang="sv-SE"/>
           </a:p>
@@ -12286,7 +12349,7 @@
           <a:p>
             <a:fld id="{1CBF595A-354E-4185-8569-5903072BC314}" type="datetime1">
               <a:rPr lang="sv-SE" smtClean="0"/>
-              <a:t>2020-03-24</a:t>
+              <a:t>2020-03-26</a:t>
             </a:fld>
             <a:endParaRPr lang="sv-SE"/>
           </a:p>
@@ -12408,7 +12471,7 @@
           <a:p>
             <a:fld id="{BFCB468F-8F0C-4472-9C74-13DD7D928865}" type="datetime1">
               <a:rPr lang="sv-SE" smtClean="0"/>
-              <a:t>2020-03-24</a:t>
+              <a:t>2020-03-26</a:t>
             </a:fld>
             <a:endParaRPr lang="sv-SE"/>
           </a:p>
@@ -12507,7 +12570,7 @@
           <a:p>
             <a:fld id="{BC504758-5BE1-4D18-AD7B-70303133ACF8}" type="datetime1">
               <a:rPr lang="sv-SE" smtClean="0"/>
-              <a:t>2020-03-24</a:t>
+              <a:t>2020-03-26</a:t>
             </a:fld>
             <a:endParaRPr lang="sv-SE"/>
           </a:p>
@@ -12788,7 +12851,7 @@
           <a:p>
             <a:fld id="{250C9EB5-F68C-4689-94F6-49C30221888E}" type="datetime1">
               <a:rPr lang="sv-SE" smtClean="0"/>
-              <a:t>2020-03-24</a:t>
+              <a:t>2020-03-26</a:t>
             </a:fld>
             <a:endParaRPr lang="sv-SE"/>
           </a:p>
@@ -13049,7 +13112,7 @@
           <a:p>
             <a:fld id="{7DD110CA-AEED-4DF4-83DE-18633E56C29F}" type="datetime1">
               <a:rPr lang="sv-SE" smtClean="0"/>
-              <a:t>2020-03-24</a:t>
+              <a:t>2020-03-26</a:t>
             </a:fld>
             <a:endParaRPr lang="sv-SE"/>
           </a:p>
@@ -13223,7 +13286,7 @@
           <a:p>
             <a:fld id="{9B2AEE04-1216-4AB6-8CF8-50DAF2F9BED2}" type="datetime1">
               <a:rPr lang="sv-SE" smtClean="0"/>
-              <a:t>2020-03-24</a:t>
+              <a:t>2020-03-26</a:t>
             </a:fld>
             <a:endParaRPr lang="sv-SE"/>
           </a:p>
@@ -13407,7 +13470,7 @@
           <a:p>
             <a:fld id="{FA578C12-CAD3-4D2D-9DA2-12AF1DD8FC8B}" type="datetime1">
               <a:rPr lang="sv-SE" smtClean="0"/>
-              <a:t>2020-03-24</a:t>
+              <a:t>2020-03-26</a:t>
             </a:fld>
             <a:endParaRPr lang="sv-SE"/>
           </a:p>
@@ -13941,7 +14004,7 @@
                   <a:prstClr val="black"/>
                 </a:solidFill>
               </a:rPr>
-              <a:t>2020-03-24</a:t>
+              <a:t>2020-03-26</a:t>
             </a:fld>
             <a:endParaRPr lang="en-GB" dirty="0">
               <a:solidFill>
@@ -14361,7 +14424,7 @@
                   <a:prstClr val="black"/>
                 </a:solidFill>
               </a:rPr>
-              <a:t>2020-03-24</a:t>
+              <a:t>2020-03-26</a:t>
             </a:fld>
             <a:endParaRPr lang="en-GB" dirty="0">
               <a:solidFill>
@@ -14684,7 +14747,7 @@
                   <a:prstClr val="black"/>
                 </a:solidFill>
               </a:rPr>
-              <a:t>2020-03-24</a:t>
+              <a:t>2020-03-26</a:t>
             </a:fld>
             <a:endParaRPr lang="en-GB" dirty="0">
               <a:solidFill>
@@ -14984,7 +15047,7 @@
                   <a:prstClr val="black"/>
                 </a:solidFill>
               </a:rPr>
-              <a:t>2020-03-24</a:t>
+              <a:t>2020-03-26</a:t>
             </a:fld>
             <a:endParaRPr lang="en-GB" dirty="0">
               <a:solidFill>
@@ -15497,7 +15560,7 @@
                   <a:prstClr val="black"/>
                 </a:solidFill>
               </a:rPr>
-              <a:t>2020-03-24</a:t>
+              <a:t>2020-03-26</a:t>
             </a:fld>
             <a:endParaRPr lang="en-GB" dirty="0">
               <a:solidFill>
@@ -15734,7 +15797,7 @@
                   <a:prstClr val="black"/>
                 </a:solidFill>
               </a:rPr>
-              <a:t>2020-03-24</a:t>
+              <a:t>2020-03-26</a:t>
             </a:fld>
             <a:endParaRPr lang="en-GB" dirty="0">
               <a:solidFill>
@@ -16637,7 +16700,7 @@
           <a:p>
             <a:fld id="{B7BDDC76-5D53-4957-9832-0AD3879DA754}" type="datetime1">
               <a:rPr lang="sv-SE" smtClean="0"/>
-              <a:t>2020-03-24</a:t>
+              <a:t>2020-03-26</a:t>
             </a:fld>
             <a:endParaRPr lang="sv-SE"/>
           </a:p>
@@ -17417,12 +17480,12 @@
       </p:grpSpPr>
       <p:sp>
         <p:nvSpPr>
-          <p:cNvPr id="2" name="Content Placeholder 1"/>
-          <p:cNvSpPr>
-            <a:spLocks noGrp="1"/>
-          </p:cNvSpPr>
-          <p:nvPr>
-            <p:ph idx="1"/>
+          <p:cNvPr id="3" name="Footer Placeholder 2"/>
+          <p:cNvSpPr>
+            <a:spLocks noGrp="1"/>
+          </p:cNvSpPr>
+          <p:nvPr>
+            <p:ph type="ftr" sz="quarter" idx="11"/>
           </p:nvPr>
         </p:nvSpPr>
         <p:spPr/>
@@ -17430,58 +17493,17 @@
           <a:bodyPr/>
           <a:lstStyle/>
           <a:p>
-            <a:pPr marL="457200" indent="-457200">
-              <a:buFont typeface="Arial" panose="020B0604020202020204" pitchFamily="34" charset="0"/>
-              <a:buChar char="•"/>
-            </a:pPr>
-            <a:r>
-              <a:rPr lang="en-US" dirty="0"/>
-              <a:t>The energy system is a complicated network of processes and flows</a:t>
-            </a:r>
-          </a:p>
-          <a:p>
-            <a:pPr marL="457200" indent="-457200">
-              <a:buFont typeface="Arial" panose="020B0604020202020204" pitchFamily="34" charset="0"/>
-              <a:buChar char="•"/>
-            </a:pPr>
-            <a:r>
-              <a:rPr lang="en-US" dirty="0"/>
-              <a:t>Models are a useful tool to understand the energy system and formulate sound energy policies</a:t>
-            </a:r>
-          </a:p>
-          <a:p>
-            <a:pPr marL="457200" indent="-457200">
-              <a:buFont typeface="Arial" panose="020B0604020202020204" pitchFamily="34" charset="0"/>
-              <a:buChar char="•"/>
-            </a:pPr>
-            <a:r>
-              <a:rPr lang="en-US" dirty="0"/>
-              <a:t>Energy models provide </a:t>
-            </a:r>
-            <a:r>
-              <a:rPr lang="en-US" b="1" dirty="0"/>
-              <a:t>insights for energy policies, not numbers</a:t>
-            </a:r>
-          </a:p>
-          <a:p>
-            <a:pPr marL="457200" indent="-457200">
-              <a:buFont typeface="Arial" panose="020B0604020202020204" pitchFamily="34" charset="0"/>
-              <a:buChar char="•"/>
-            </a:pPr>
-            <a:r>
-              <a:rPr lang="en-US" dirty="0"/>
-              <a:t>Modelling tools can be categorized into top-down and bottom-up. We will look at one type of bottom-up tools: </a:t>
-            </a:r>
-            <a:r>
-              <a:rPr lang="en-US" b="1" dirty="0"/>
-              <a:t>optimization tools</a:t>
-            </a:r>
-          </a:p>
-        </p:txBody>
-      </p:sp>
-      <p:sp>
-        <p:nvSpPr>
-          <p:cNvPr id="5" name="Slide Number Placeholder 4"/>
+            <a:r>
+              <a:rPr lang="en-GB" dirty="0" smtClean="0"/>
+              <a:t>MJ2380-2381 2020</a:t>
+            </a:r>
+            <a:endParaRPr lang="en-GB" dirty="0"/>
+          </a:p>
+        </p:txBody>
+      </p:sp>
+      <p:sp>
+        <p:nvSpPr>
+          <p:cNvPr id="4" name="Slide Number Placeholder 3"/>
           <p:cNvSpPr>
             <a:spLocks noGrp="1"/>
           </p:cNvSpPr>
@@ -17494,7 +17516,7 @@
           <a:bodyPr/>
           <a:lstStyle/>
           <a:p>
-            <a:fld id="{A0B7FA9A-6BCF-4CFA-8685-B7A43319A6CD}" type="slidenum">
+            <a:fld id="{F36C87F6-986D-49E6-AF40-1B3A1EE8064D}" type="slidenum">
               <a:rPr lang="en-GB" smtClean="0"/>
               <a:pPr/>
               <a:t>11</a:t>
@@ -17505,7 +17527,7 @@
       </p:sp>
       <p:sp>
         <p:nvSpPr>
-          <p:cNvPr id="6" name="Title 5"/>
+          <p:cNvPr id="5" name="Title 4"/>
           <p:cNvSpPr>
             <a:spLocks noGrp="1"/>
           </p:cNvSpPr>
@@ -17519,69 +17541,461 @@
           <a:lstStyle/>
           <a:p>
             <a:r>
-              <a:rPr lang="sv-SE" dirty="0" err="1"/>
-              <a:t>Key</a:t>
-            </a:r>
-            <a:r>
-              <a:rPr lang="sv-SE" dirty="0"/>
-              <a:t> </a:t>
-            </a:r>
-            <a:r>
-              <a:rPr lang="sv-SE" dirty="0" err="1"/>
-              <a:t>take</a:t>
-            </a:r>
-            <a:r>
-              <a:rPr lang="sv-SE" dirty="0"/>
-              <a:t> </a:t>
-            </a:r>
-            <a:r>
-              <a:rPr lang="sv-SE" dirty="0" err="1"/>
-              <a:t>away</a:t>
-            </a:r>
-            <a:r>
-              <a:rPr lang="sv-SE" dirty="0"/>
-              <a:t> </a:t>
-            </a:r>
-            <a:r>
-              <a:rPr lang="sv-SE" dirty="0" err="1"/>
-              <a:t>messages</a:t>
+              <a:rPr lang="sv-SE" dirty="0" err="1" smtClean="0"/>
+              <a:t>Figure</a:t>
+            </a:r>
+            <a:r>
+              <a:rPr lang="sv-SE" dirty="0" smtClean="0"/>
+              <a:t> + text</a:t>
             </a:r>
             <a:endParaRPr lang="sv-SE" dirty="0"/>
           </a:p>
         </p:txBody>
       </p:sp>
-      <p:sp>
-        <p:nvSpPr>
-          <p:cNvPr id="7" name="Footer Placeholder 4"/>
-          <p:cNvSpPr>
-            <a:spLocks noGrp="1"/>
-          </p:cNvSpPr>
-          <p:nvPr>
-            <p:ph type="ftr" sz="quarter" idx="11"/>
-          </p:nvPr>
-        </p:nvSpPr>
+      <p:pic>
+        <p:nvPicPr>
+          <p:cNvPr id="6" name="Content Placeholder 6"/>
+          <p:cNvPicPr>
+            <a:picLocks noGrp="1" noChangeAspect="1"/>
+          </p:cNvPicPr>
+          <p:nvPr>
+            <p:ph idx="1"/>
+          </p:nvPr>
+        </p:nvPicPr>
+        <p:blipFill>
+          <a:blip r:embed="rId2" cstate="print">
+            <a:extLst>
+              <a:ext uri="{28A0092B-C50C-407E-A947-70E740481C1C}">
+                <a14:useLocalDpi xmlns:a14="http://schemas.microsoft.com/office/drawing/2010/main" val="0"/>
+              </a:ext>
+            </a:extLst>
+          </a:blip>
+          <a:stretch>
+            <a:fillRect/>
+          </a:stretch>
+        </p:blipFill>
         <p:spPr>
           <a:xfrm>
-            <a:off x="4038600" y="6356350"/>
-            <a:ext cx="4114800" cy="365125"/>
+            <a:off x="1033389" y="1632057"/>
+            <a:ext cx="5062695" cy="4551438"/>
           </a:xfrm>
         </p:spPr>
-        <p:txBody>
-          <a:bodyPr/>
-          <a:lstStyle/>
-          <a:p>
-            <a:r>
-              <a:rPr lang="en-GB" smtClean="0"/>
-              <a:t>MJ2380-2381 2020</a:t>
-            </a:r>
-            <a:endParaRPr lang="en-GB" dirty="0"/>
+      </p:pic>
+      <p:sp>
+        <p:nvSpPr>
+          <p:cNvPr id="7" name="Content Placeholder 1"/>
+          <p:cNvSpPr txBox="1">
+            <a:spLocks/>
+          </p:cNvSpPr>
+          <p:nvPr/>
+        </p:nvSpPr>
+        <p:spPr>
+          <a:xfrm>
+            <a:off x="6215604" y="1621738"/>
+            <a:ext cx="5138195" cy="1688621"/>
+          </a:xfrm>
+          <a:prstGeom prst="rect">
+            <a:avLst/>
+          </a:prstGeom>
+        </p:spPr>
+        <p:txBody>
+          <a:bodyPr vert="horz" lIns="91440" tIns="45720" rIns="91440" bIns="45720" rtlCol="0">
+            <a:normAutofit/>
+          </a:bodyPr>
+          <a:lstStyle>
+            <a:lvl1pPr marL="0" indent="0" algn="l" defTabSz="914400" rtl="0" eaLnBrk="1" latinLnBrk="0" hangingPunct="1">
+              <a:lnSpc>
+                <a:spcPct val="90000"/>
+              </a:lnSpc>
+              <a:spcBef>
+                <a:spcPts val="1000"/>
+              </a:spcBef>
+              <a:buFont typeface="Arial" panose="020B0604020202020204" pitchFamily="34" charset="0"/>
+              <a:buNone/>
+              <a:defRPr sz="2800" kern="1200" spc="-150">
+                <a:solidFill>
+                  <a:schemeClr val="tx1"/>
+                </a:solidFill>
+                <a:latin typeface="+mn-lt"/>
+                <a:ea typeface="+mn-ea"/>
+                <a:cs typeface="+mn-cs"/>
+              </a:defRPr>
+            </a:lvl1pPr>
+            <a:lvl2pPr marL="685800" indent="-228600" algn="l" defTabSz="914400" rtl="0" eaLnBrk="1" latinLnBrk="0" hangingPunct="1">
+              <a:lnSpc>
+                <a:spcPct val="90000"/>
+              </a:lnSpc>
+              <a:spcBef>
+                <a:spcPts val="500"/>
+              </a:spcBef>
+              <a:buFont typeface="Arial" panose="020B0604020202020204" pitchFamily="34" charset="0"/>
+              <a:buChar char="•"/>
+              <a:defRPr sz="2400" kern="1200" spc="-150">
+                <a:solidFill>
+                  <a:schemeClr val="tx1"/>
+                </a:solidFill>
+                <a:latin typeface="+mn-lt"/>
+                <a:ea typeface="+mn-ea"/>
+                <a:cs typeface="+mn-cs"/>
+              </a:defRPr>
+            </a:lvl2pPr>
+            <a:lvl3pPr marL="1143000" indent="-228600" algn="l" defTabSz="914400" rtl="0" eaLnBrk="1" latinLnBrk="0" hangingPunct="1">
+              <a:lnSpc>
+                <a:spcPct val="90000"/>
+              </a:lnSpc>
+              <a:spcBef>
+                <a:spcPts val="500"/>
+              </a:spcBef>
+              <a:buFont typeface="Arial" panose="020B0604020202020204" pitchFamily="34" charset="0"/>
+              <a:buChar char="•"/>
+              <a:defRPr sz="2000" kern="1200" spc="-150">
+                <a:solidFill>
+                  <a:schemeClr val="tx1"/>
+                </a:solidFill>
+                <a:latin typeface="+mn-lt"/>
+                <a:ea typeface="+mn-ea"/>
+                <a:cs typeface="+mn-cs"/>
+              </a:defRPr>
+            </a:lvl3pPr>
+            <a:lvl4pPr marL="1600200" indent="-228600" algn="l" defTabSz="914400" rtl="0" eaLnBrk="1" latinLnBrk="0" hangingPunct="1">
+              <a:lnSpc>
+                <a:spcPct val="90000"/>
+              </a:lnSpc>
+              <a:spcBef>
+                <a:spcPts val="500"/>
+              </a:spcBef>
+              <a:buFont typeface="Arial" panose="020B0604020202020204" pitchFamily="34" charset="0"/>
+              <a:buChar char="•"/>
+              <a:defRPr sz="1800" kern="1200" spc="-150">
+                <a:solidFill>
+                  <a:schemeClr val="tx1"/>
+                </a:solidFill>
+                <a:latin typeface="+mn-lt"/>
+                <a:ea typeface="+mn-ea"/>
+                <a:cs typeface="+mn-cs"/>
+              </a:defRPr>
+            </a:lvl4pPr>
+            <a:lvl5pPr marL="2057400" indent="-228600" algn="l" defTabSz="914400" rtl="0" eaLnBrk="1" latinLnBrk="0" hangingPunct="1">
+              <a:lnSpc>
+                <a:spcPct val="90000"/>
+              </a:lnSpc>
+              <a:spcBef>
+                <a:spcPts val="500"/>
+              </a:spcBef>
+              <a:buFont typeface="Arial" panose="020B0604020202020204" pitchFamily="34" charset="0"/>
+              <a:buChar char="•"/>
+              <a:defRPr sz="1800" kern="1200" spc="-150">
+                <a:solidFill>
+                  <a:schemeClr val="tx1"/>
+                </a:solidFill>
+                <a:latin typeface="+mn-lt"/>
+                <a:ea typeface="+mn-ea"/>
+                <a:cs typeface="+mn-cs"/>
+              </a:defRPr>
+            </a:lvl5pPr>
+            <a:lvl6pPr marL="2514600" indent="-228600" algn="l" defTabSz="914400" rtl="0" eaLnBrk="1" latinLnBrk="0" hangingPunct="1">
+              <a:lnSpc>
+                <a:spcPct val="90000"/>
+              </a:lnSpc>
+              <a:spcBef>
+                <a:spcPts val="500"/>
+              </a:spcBef>
+              <a:buFont typeface="Arial" panose="020B0604020202020204" pitchFamily="34" charset="0"/>
+              <a:buChar char="•"/>
+              <a:defRPr sz="1800" kern="1200">
+                <a:solidFill>
+                  <a:schemeClr val="tx1"/>
+                </a:solidFill>
+                <a:latin typeface="+mn-lt"/>
+                <a:ea typeface="+mn-ea"/>
+                <a:cs typeface="+mn-cs"/>
+              </a:defRPr>
+            </a:lvl6pPr>
+            <a:lvl7pPr marL="2971800" indent="-228600" algn="l" defTabSz="914400" rtl="0" eaLnBrk="1" latinLnBrk="0" hangingPunct="1">
+              <a:lnSpc>
+                <a:spcPct val="90000"/>
+              </a:lnSpc>
+              <a:spcBef>
+                <a:spcPts val="500"/>
+              </a:spcBef>
+              <a:buFont typeface="Arial" panose="020B0604020202020204" pitchFamily="34" charset="0"/>
+              <a:buChar char="•"/>
+              <a:defRPr sz="1800" kern="1200">
+                <a:solidFill>
+                  <a:schemeClr val="tx1"/>
+                </a:solidFill>
+                <a:latin typeface="+mn-lt"/>
+                <a:ea typeface="+mn-ea"/>
+                <a:cs typeface="+mn-cs"/>
+              </a:defRPr>
+            </a:lvl7pPr>
+            <a:lvl8pPr marL="3429000" indent="-228600" algn="l" defTabSz="914400" rtl="0" eaLnBrk="1" latinLnBrk="0" hangingPunct="1">
+              <a:lnSpc>
+                <a:spcPct val="90000"/>
+              </a:lnSpc>
+              <a:spcBef>
+                <a:spcPts val="500"/>
+              </a:spcBef>
+              <a:buFont typeface="Arial" panose="020B0604020202020204" pitchFamily="34" charset="0"/>
+              <a:buChar char="•"/>
+              <a:defRPr sz="1800" kern="1200">
+                <a:solidFill>
+                  <a:schemeClr val="tx1"/>
+                </a:solidFill>
+                <a:latin typeface="+mn-lt"/>
+                <a:ea typeface="+mn-ea"/>
+                <a:cs typeface="+mn-cs"/>
+              </a:defRPr>
+            </a:lvl8pPr>
+            <a:lvl9pPr marL="3886200" indent="-228600" algn="l" defTabSz="914400" rtl="0" eaLnBrk="1" latinLnBrk="0" hangingPunct="1">
+              <a:lnSpc>
+                <a:spcPct val="90000"/>
+              </a:lnSpc>
+              <a:spcBef>
+                <a:spcPts val="500"/>
+              </a:spcBef>
+              <a:buFont typeface="Arial" panose="020B0604020202020204" pitchFamily="34" charset="0"/>
+              <a:buChar char="•"/>
+              <a:defRPr sz="1800" kern="1200">
+                <a:solidFill>
+                  <a:schemeClr val="tx1"/>
+                </a:solidFill>
+                <a:latin typeface="+mn-lt"/>
+                <a:ea typeface="+mn-ea"/>
+                <a:cs typeface="+mn-cs"/>
+              </a:defRPr>
+            </a:lvl9pPr>
+          </a:lstStyle>
+          <a:p>
+            <a:pPr>
+              <a:defRPr/>
+            </a:pPr>
+            <a:r>
+              <a:rPr lang="en-US" sz="2400" dirty="0" smtClean="0"/>
+              <a:t>Text on the right of the picture,</a:t>
+            </a:r>
+          </a:p>
+          <a:p>
+            <a:pPr>
+              <a:defRPr/>
+            </a:pPr>
+            <a:r>
+              <a:rPr lang="en-US" sz="2400" dirty="0" smtClean="0"/>
+              <a:t>Might be difficult </a:t>
+            </a:r>
+            <a:r>
+              <a:rPr lang="en-US" sz="2400" dirty="0"/>
+              <a:t> </a:t>
+            </a:r>
+            <a:r>
+              <a:rPr lang="en-US" sz="2400" dirty="0" smtClean="0"/>
+              <a:t>to make it show in the slide</a:t>
+            </a:r>
+            <a:endParaRPr lang="en-US" sz="2400" dirty="0"/>
+          </a:p>
+        </p:txBody>
+      </p:sp>
+      <p:sp>
+        <p:nvSpPr>
+          <p:cNvPr id="8" name="Content Placeholder 1"/>
+          <p:cNvSpPr txBox="1">
+            <a:spLocks/>
+          </p:cNvSpPr>
+          <p:nvPr/>
+        </p:nvSpPr>
+        <p:spPr>
+          <a:xfrm>
+            <a:off x="6335208" y="3298094"/>
+            <a:ext cx="5138195" cy="1688621"/>
+          </a:xfrm>
+          <a:prstGeom prst="rect">
+            <a:avLst/>
+          </a:prstGeom>
+        </p:spPr>
+        <p:txBody>
+          <a:bodyPr vert="horz" lIns="91440" tIns="45720" rIns="91440" bIns="45720" rtlCol="0">
+            <a:normAutofit/>
+          </a:bodyPr>
+          <a:lstStyle>
+            <a:lvl1pPr marL="0" indent="0" algn="l" defTabSz="914400" rtl="0" eaLnBrk="1" latinLnBrk="0" hangingPunct="1">
+              <a:lnSpc>
+                <a:spcPct val="90000"/>
+              </a:lnSpc>
+              <a:spcBef>
+                <a:spcPts val="1000"/>
+              </a:spcBef>
+              <a:buFont typeface="Arial" panose="020B0604020202020204" pitchFamily="34" charset="0"/>
+              <a:buNone/>
+              <a:defRPr sz="2800" kern="1200" spc="-150">
+                <a:solidFill>
+                  <a:schemeClr val="tx1"/>
+                </a:solidFill>
+                <a:latin typeface="+mn-lt"/>
+                <a:ea typeface="+mn-ea"/>
+                <a:cs typeface="+mn-cs"/>
+              </a:defRPr>
+            </a:lvl1pPr>
+            <a:lvl2pPr marL="685800" indent="-228600" algn="l" defTabSz="914400" rtl="0" eaLnBrk="1" latinLnBrk="0" hangingPunct="1">
+              <a:lnSpc>
+                <a:spcPct val="90000"/>
+              </a:lnSpc>
+              <a:spcBef>
+                <a:spcPts val="500"/>
+              </a:spcBef>
+              <a:buFont typeface="Arial" panose="020B0604020202020204" pitchFamily="34" charset="0"/>
+              <a:buChar char="•"/>
+              <a:defRPr sz="2400" kern="1200" spc="-150">
+                <a:solidFill>
+                  <a:schemeClr val="tx1"/>
+                </a:solidFill>
+                <a:latin typeface="+mn-lt"/>
+                <a:ea typeface="+mn-ea"/>
+                <a:cs typeface="+mn-cs"/>
+              </a:defRPr>
+            </a:lvl2pPr>
+            <a:lvl3pPr marL="1143000" indent="-228600" algn="l" defTabSz="914400" rtl="0" eaLnBrk="1" latinLnBrk="0" hangingPunct="1">
+              <a:lnSpc>
+                <a:spcPct val="90000"/>
+              </a:lnSpc>
+              <a:spcBef>
+                <a:spcPts val="500"/>
+              </a:spcBef>
+              <a:buFont typeface="Arial" panose="020B0604020202020204" pitchFamily="34" charset="0"/>
+              <a:buChar char="•"/>
+              <a:defRPr sz="2000" kern="1200" spc="-150">
+                <a:solidFill>
+                  <a:schemeClr val="tx1"/>
+                </a:solidFill>
+                <a:latin typeface="+mn-lt"/>
+                <a:ea typeface="+mn-ea"/>
+                <a:cs typeface="+mn-cs"/>
+              </a:defRPr>
+            </a:lvl3pPr>
+            <a:lvl4pPr marL="1600200" indent="-228600" algn="l" defTabSz="914400" rtl="0" eaLnBrk="1" latinLnBrk="0" hangingPunct="1">
+              <a:lnSpc>
+                <a:spcPct val="90000"/>
+              </a:lnSpc>
+              <a:spcBef>
+                <a:spcPts val="500"/>
+              </a:spcBef>
+              <a:buFont typeface="Arial" panose="020B0604020202020204" pitchFamily="34" charset="0"/>
+              <a:buChar char="•"/>
+              <a:defRPr sz="1800" kern="1200" spc="-150">
+                <a:solidFill>
+                  <a:schemeClr val="tx1"/>
+                </a:solidFill>
+                <a:latin typeface="+mn-lt"/>
+                <a:ea typeface="+mn-ea"/>
+                <a:cs typeface="+mn-cs"/>
+              </a:defRPr>
+            </a:lvl4pPr>
+            <a:lvl5pPr marL="2057400" indent="-228600" algn="l" defTabSz="914400" rtl="0" eaLnBrk="1" latinLnBrk="0" hangingPunct="1">
+              <a:lnSpc>
+                <a:spcPct val="90000"/>
+              </a:lnSpc>
+              <a:spcBef>
+                <a:spcPts val="500"/>
+              </a:spcBef>
+              <a:buFont typeface="Arial" panose="020B0604020202020204" pitchFamily="34" charset="0"/>
+              <a:buChar char="•"/>
+              <a:defRPr sz="1800" kern="1200" spc="-150">
+                <a:solidFill>
+                  <a:schemeClr val="tx1"/>
+                </a:solidFill>
+                <a:latin typeface="+mn-lt"/>
+                <a:ea typeface="+mn-ea"/>
+                <a:cs typeface="+mn-cs"/>
+              </a:defRPr>
+            </a:lvl5pPr>
+            <a:lvl6pPr marL="2514600" indent="-228600" algn="l" defTabSz="914400" rtl="0" eaLnBrk="1" latinLnBrk="0" hangingPunct="1">
+              <a:lnSpc>
+                <a:spcPct val="90000"/>
+              </a:lnSpc>
+              <a:spcBef>
+                <a:spcPts val="500"/>
+              </a:spcBef>
+              <a:buFont typeface="Arial" panose="020B0604020202020204" pitchFamily="34" charset="0"/>
+              <a:buChar char="•"/>
+              <a:defRPr sz="1800" kern="1200">
+                <a:solidFill>
+                  <a:schemeClr val="tx1"/>
+                </a:solidFill>
+                <a:latin typeface="+mn-lt"/>
+                <a:ea typeface="+mn-ea"/>
+                <a:cs typeface="+mn-cs"/>
+              </a:defRPr>
+            </a:lvl6pPr>
+            <a:lvl7pPr marL="2971800" indent="-228600" algn="l" defTabSz="914400" rtl="0" eaLnBrk="1" latinLnBrk="0" hangingPunct="1">
+              <a:lnSpc>
+                <a:spcPct val="90000"/>
+              </a:lnSpc>
+              <a:spcBef>
+                <a:spcPts val="500"/>
+              </a:spcBef>
+              <a:buFont typeface="Arial" panose="020B0604020202020204" pitchFamily="34" charset="0"/>
+              <a:buChar char="•"/>
+              <a:defRPr sz="1800" kern="1200">
+                <a:solidFill>
+                  <a:schemeClr val="tx1"/>
+                </a:solidFill>
+                <a:latin typeface="+mn-lt"/>
+                <a:ea typeface="+mn-ea"/>
+                <a:cs typeface="+mn-cs"/>
+              </a:defRPr>
+            </a:lvl7pPr>
+            <a:lvl8pPr marL="3429000" indent="-228600" algn="l" defTabSz="914400" rtl="0" eaLnBrk="1" latinLnBrk="0" hangingPunct="1">
+              <a:lnSpc>
+                <a:spcPct val="90000"/>
+              </a:lnSpc>
+              <a:spcBef>
+                <a:spcPts val="500"/>
+              </a:spcBef>
+              <a:buFont typeface="Arial" panose="020B0604020202020204" pitchFamily="34" charset="0"/>
+              <a:buChar char="•"/>
+              <a:defRPr sz="1800" kern="1200">
+                <a:solidFill>
+                  <a:schemeClr val="tx1"/>
+                </a:solidFill>
+                <a:latin typeface="+mn-lt"/>
+                <a:ea typeface="+mn-ea"/>
+                <a:cs typeface="+mn-cs"/>
+              </a:defRPr>
+            </a:lvl8pPr>
+            <a:lvl9pPr marL="3886200" indent="-228600" algn="l" defTabSz="914400" rtl="0" eaLnBrk="1" latinLnBrk="0" hangingPunct="1">
+              <a:lnSpc>
+                <a:spcPct val="90000"/>
+              </a:lnSpc>
+              <a:spcBef>
+                <a:spcPts val="500"/>
+              </a:spcBef>
+              <a:buFont typeface="Arial" panose="020B0604020202020204" pitchFamily="34" charset="0"/>
+              <a:buChar char="•"/>
+              <a:defRPr sz="1800" kern="1200">
+                <a:solidFill>
+                  <a:schemeClr val="tx1"/>
+                </a:solidFill>
+                <a:latin typeface="+mn-lt"/>
+                <a:ea typeface="+mn-ea"/>
+                <a:cs typeface="+mn-cs"/>
+              </a:defRPr>
+            </a:lvl9pPr>
+          </a:lstStyle>
+          <a:p>
+            <a:pPr>
+              <a:defRPr/>
+            </a:pPr>
+            <a:r>
+              <a:rPr lang="en-US" sz="2400" dirty="0" smtClean="0"/>
+              <a:t>Second text box next to the picture</a:t>
+            </a:r>
+            <a:endParaRPr lang="en-US" sz="2400" dirty="0"/>
           </a:p>
         </p:txBody>
       </p:sp>
     </p:spTree>
     <p:extLst>
       <p:ext uri="{BB962C8B-B14F-4D97-AF65-F5344CB8AC3E}">
-        <p14:creationId xmlns:p14="http://schemas.microsoft.com/office/powerpoint/2010/main" val="2837304566"/>
+        <p14:creationId xmlns:p14="http://schemas.microsoft.com/office/powerpoint/2010/main" val="3640970149"/>
       </p:ext>
     </p:extLst>
   </p:cSld>
@@ -17600,13 +18014,6 @@
       </p:transition>
     </mc:Fallback>
   </mc:AlternateContent>
-  <p:timing>
-    <p:tnLst>
-      <p:par>
-        <p:cTn id="1" dur="indefinite" restart="never" nodeType="tmRoot"/>
-      </p:par>
-    </p:tnLst>
-  </p:timing>
 </p:sld>
 </file>
 
@@ -17642,66 +18049,51 @@
           <a:bodyPr/>
           <a:lstStyle/>
           <a:p>
-            <a:pPr marL="285750" lvl="1" indent="-285750">
-              <a:spcAft>
-                <a:spcPct val="50000"/>
-              </a:spcAft>
+            <a:pPr marL="457200" indent="-457200">
+              <a:buFont typeface="Arial" panose="020B0604020202020204" pitchFamily="34" charset="0"/>
+              <a:buChar char="•"/>
             </a:pPr>
             <a:r>
-              <a:rPr lang="sv-SE" dirty="0"/>
-              <a:t>Modelling for insights, not numbers - Huntington et al.  (1982): </a:t>
-            </a:r>
-            <a:r>
-              <a:rPr lang="sv-SE" dirty="0">
-                <a:hlinkClick r:id="rId3"/>
-              </a:rPr>
-              <a:t>https://www.sciencedirect.com/science/article/pii/0305048382900020</a:t>
-            </a:r>
-            <a:r>
-              <a:rPr lang="sv-SE" dirty="0"/>
-              <a:t> </a:t>
-            </a:r>
-          </a:p>
-          <a:p>
-            <a:pPr marL="285750" lvl="1" indent="-285750">
-              <a:spcAft>
-                <a:spcPct val="50000"/>
-              </a:spcAft>
+              <a:rPr lang="en-US" dirty="0"/>
+              <a:t>The energy system is a complicated network of processes and flows</a:t>
+            </a:r>
+          </a:p>
+          <a:p>
+            <a:pPr marL="457200" indent="-457200">
+              <a:buFont typeface="Arial" panose="020B0604020202020204" pitchFamily="34" charset="0"/>
+              <a:buChar char="•"/>
             </a:pPr>
             <a:r>
-              <a:rPr lang="sv-SE" dirty="0"/>
-              <a:t>Categorisation of modelling tools – Herbst et al. (2012): </a:t>
-            </a:r>
-            <a:r>
-              <a:rPr lang="sv-SE" dirty="0">
-                <a:hlinkClick r:id="rId4"/>
-              </a:rPr>
-              <a:t>https://link.springer.com/content/pdf/10.1007%2FBF03399363.pdf</a:t>
-            </a:r>
-            <a:r>
-              <a:rPr lang="sv-SE" dirty="0"/>
-              <a:t> </a:t>
-            </a:r>
-          </a:p>
-          <a:p>
-            <a:pPr marL="285750" lvl="1" indent="-285750">
-              <a:spcAft>
-                <a:spcPct val="50000"/>
-              </a:spcAft>
+              <a:rPr lang="en-US" dirty="0"/>
+              <a:t>Models are a useful tool to understand the energy system and formulate sound energy policies</a:t>
+            </a:r>
+          </a:p>
+          <a:p>
+            <a:pPr marL="457200" indent="-457200">
+              <a:buFont typeface="Arial" panose="020B0604020202020204" pitchFamily="34" charset="0"/>
+              <a:buChar char="•"/>
             </a:pPr>
             <a:r>
-              <a:rPr lang="sv-SE" dirty="0"/>
-              <a:t>Review of different categorisation methods – Müller et al. (2018): </a:t>
-            </a:r>
-            <a:r>
-              <a:rPr lang="sv-SE" dirty="0">
-                <a:hlinkClick r:id="rId5"/>
-              </a:rPr>
-              <a:t>https://www.sciencedirect.com/science/article/pii/S2211467X18300154</a:t>
-            </a:r>
-            <a:r>
-              <a:rPr lang="sv-SE" dirty="0"/>
-              <a:t> </a:t>
+              <a:rPr lang="en-US" dirty="0"/>
+              <a:t>Energy models provide </a:t>
+            </a:r>
+            <a:r>
+              <a:rPr lang="en-US" b="1" dirty="0"/>
+              <a:t>insights for energy policies, not numbers</a:t>
+            </a:r>
+          </a:p>
+          <a:p>
+            <a:pPr marL="457200" indent="-457200">
+              <a:buFont typeface="Arial" panose="020B0604020202020204" pitchFamily="34" charset="0"/>
+              <a:buChar char="•"/>
+            </a:pPr>
+            <a:r>
+              <a:rPr lang="en-US" dirty="0"/>
+              <a:t>Modelling tools can be categorized into top-down and bottom-up. We will look at one type of bottom-up tools: </a:t>
+            </a:r>
+            <a:r>
+              <a:rPr lang="en-US" b="1" dirty="0"/>
+              <a:t>optimization tools</a:t>
             </a:r>
           </a:p>
         </p:txBody>
@@ -17746,9 +18138,34 @@
           <a:lstStyle/>
           <a:p>
             <a:r>
+              <a:rPr lang="sv-SE" dirty="0" err="1"/>
+              <a:t>Key</a:t>
+            </a:r>
+            <a:r>
               <a:rPr lang="sv-SE" dirty="0"/>
-              <a:t>Reading material</a:t>
-            </a:r>
+              <a:t> </a:t>
+            </a:r>
+            <a:r>
+              <a:rPr lang="sv-SE" dirty="0" err="1"/>
+              <a:t>take</a:t>
+            </a:r>
+            <a:r>
+              <a:rPr lang="sv-SE" dirty="0"/>
+              <a:t> </a:t>
+            </a:r>
+            <a:r>
+              <a:rPr lang="sv-SE" dirty="0" err="1"/>
+              <a:t>away</a:t>
+            </a:r>
+            <a:r>
+              <a:rPr lang="sv-SE" dirty="0"/>
+              <a:t> </a:t>
+            </a:r>
+            <a:r>
+              <a:rPr lang="sv-SE" dirty="0" err="1"/>
+              <a:t>messages</a:t>
+            </a:r>
+            <a:endParaRPr lang="sv-SE" dirty="0"/>
           </a:p>
         </p:txBody>
       </p:sp>
@@ -17783,7 +18200,7 @@
     </p:spTree>
     <p:extLst>
       <p:ext uri="{BB962C8B-B14F-4D97-AF65-F5344CB8AC3E}">
-        <p14:creationId xmlns:p14="http://schemas.microsoft.com/office/powerpoint/2010/main" val="1208241015"/>
+        <p14:creationId xmlns:p14="http://schemas.microsoft.com/office/powerpoint/2010/main" val="2837304566"/>
       </p:ext>
     </p:extLst>
   </p:cSld>
@@ -17831,6 +18248,208 @@
       </p:grpSpPr>
       <p:sp>
         <p:nvSpPr>
+          <p:cNvPr id="2" name="Content Placeholder 1"/>
+          <p:cNvSpPr>
+            <a:spLocks noGrp="1"/>
+          </p:cNvSpPr>
+          <p:nvPr>
+            <p:ph idx="1"/>
+          </p:nvPr>
+        </p:nvSpPr>
+        <p:spPr/>
+        <p:txBody>
+          <a:bodyPr/>
+          <a:lstStyle/>
+          <a:p>
+            <a:pPr marL="285750" lvl="1" indent="-285750">
+              <a:spcAft>
+                <a:spcPct val="50000"/>
+              </a:spcAft>
+            </a:pPr>
+            <a:r>
+              <a:rPr lang="sv-SE" dirty="0"/>
+              <a:t>Modelling for insights, not numbers - Huntington et al.  (1982): </a:t>
+            </a:r>
+            <a:r>
+              <a:rPr lang="sv-SE" dirty="0">
+                <a:hlinkClick r:id="rId3"/>
+              </a:rPr>
+              <a:t>https://www.sciencedirect.com/science/article/pii/0305048382900020</a:t>
+            </a:r>
+            <a:r>
+              <a:rPr lang="sv-SE" dirty="0"/>
+              <a:t> </a:t>
+            </a:r>
+          </a:p>
+          <a:p>
+            <a:pPr marL="285750" lvl="1" indent="-285750">
+              <a:spcAft>
+                <a:spcPct val="50000"/>
+              </a:spcAft>
+            </a:pPr>
+            <a:r>
+              <a:rPr lang="sv-SE" dirty="0"/>
+              <a:t>Categorisation of modelling tools – Herbst et al. (2012): </a:t>
+            </a:r>
+            <a:r>
+              <a:rPr lang="sv-SE" dirty="0">
+                <a:hlinkClick r:id="rId4"/>
+              </a:rPr>
+              <a:t>https://link.springer.com/content/pdf/10.1007%2FBF03399363.pdf</a:t>
+            </a:r>
+            <a:r>
+              <a:rPr lang="sv-SE" dirty="0"/>
+              <a:t> </a:t>
+            </a:r>
+          </a:p>
+          <a:p>
+            <a:pPr marL="285750" lvl="1" indent="-285750">
+              <a:spcAft>
+                <a:spcPct val="50000"/>
+              </a:spcAft>
+            </a:pPr>
+            <a:r>
+              <a:rPr lang="sv-SE" dirty="0"/>
+              <a:t>Review of different categorisation methods – Müller et al. (2018): </a:t>
+            </a:r>
+            <a:r>
+              <a:rPr lang="sv-SE" dirty="0">
+                <a:hlinkClick r:id="rId5"/>
+              </a:rPr>
+              <a:t>https://www.sciencedirect.com/science/article/pii/S2211467X18300154</a:t>
+            </a:r>
+            <a:r>
+              <a:rPr lang="sv-SE" dirty="0"/>
+              <a:t> </a:t>
+            </a:r>
+          </a:p>
+        </p:txBody>
+      </p:sp>
+      <p:sp>
+        <p:nvSpPr>
+          <p:cNvPr id="5" name="Slide Number Placeholder 4"/>
+          <p:cNvSpPr>
+            <a:spLocks noGrp="1"/>
+          </p:cNvSpPr>
+          <p:nvPr>
+            <p:ph type="sldNum" sz="quarter" idx="12"/>
+          </p:nvPr>
+        </p:nvSpPr>
+        <p:spPr/>
+        <p:txBody>
+          <a:bodyPr/>
+          <a:lstStyle/>
+          <a:p>
+            <a:fld id="{A0B7FA9A-6BCF-4CFA-8685-B7A43319A6CD}" type="slidenum">
+              <a:rPr lang="en-GB" smtClean="0"/>
+              <a:pPr/>
+              <a:t>13</a:t>
+            </a:fld>
+            <a:endParaRPr lang="en-GB" dirty="0"/>
+          </a:p>
+        </p:txBody>
+      </p:sp>
+      <p:sp>
+        <p:nvSpPr>
+          <p:cNvPr id="6" name="Title 5"/>
+          <p:cNvSpPr>
+            <a:spLocks noGrp="1"/>
+          </p:cNvSpPr>
+          <p:nvPr>
+            <p:ph type="title"/>
+          </p:nvPr>
+        </p:nvSpPr>
+        <p:spPr/>
+        <p:txBody>
+          <a:bodyPr/>
+          <a:lstStyle/>
+          <a:p>
+            <a:r>
+              <a:rPr lang="sv-SE" dirty="0"/>
+              <a:t>Reading material</a:t>
+            </a:r>
+          </a:p>
+        </p:txBody>
+      </p:sp>
+      <p:sp>
+        <p:nvSpPr>
+          <p:cNvPr id="7" name="Footer Placeholder 4"/>
+          <p:cNvSpPr>
+            <a:spLocks noGrp="1"/>
+          </p:cNvSpPr>
+          <p:nvPr>
+            <p:ph type="ftr" sz="quarter" idx="11"/>
+          </p:nvPr>
+        </p:nvSpPr>
+        <p:spPr>
+          <a:xfrm>
+            <a:off x="4038600" y="6356350"/>
+            <a:ext cx="4114800" cy="365125"/>
+          </a:xfrm>
+        </p:spPr>
+        <p:txBody>
+          <a:bodyPr/>
+          <a:lstStyle/>
+          <a:p>
+            <a:r>
+              <a:rPr lang="en-GB" smtClean="0"/>
+              <a:t>MJ2380-2381 2020</a:t>
+            </a:r>
+            <a:endParaRPr lang="en-GB" dirty="0"/>
+          </a:p>
+        </p:txBody>
+      </p:sp>
+    </p:spTree>
+    <p:extLst>
+      <p:ext uri="{BB962C8B-B14F-4D97-AF65-F5344CB8AC3E}">
+        <p14:creationId xmlns:p14="http://schemas.microsoft.com/office/powerpoint/2010/main" val="1208241015"/>
+      </p:ext>
+    </p:extLst>
+  </p:cSld>
+  <p:clrMapOvr>
+    <a:masterClrMapping/>
+  </p:clrMapOvr>
+  <mc:AlternateContent xmlns:mc="http://schemas.openxmlformats.org/markup-compatibility/2006" xmlns:p14="http://schemas.microsoft.com/office/powerpoint/2010/main">
+    <mc:Choice Requires="p14">
+      <p:transition spd="med" p14:dur="700">
+        <p:fade/>
+      </p:transition>
+    </mc:Choice>
+    <mc:Fallback xmlns="">
+      <p:transition spd="med">
+        <p:fade/>
+      </p:transition>
+    </mc:Fallback>
+  </mc:AlternateContent>
+  <p:timing>
+    <p:tnLst>
+      <p:par>
+        <p:cTn id="1" dur="indefinite" restart="never" nodeType="tmRoot"/>
+      </p:par>
+    </p:tnLst>
+  </p:timing>
+</p:sld>
+</file>
+
+<file path=ppt/slides/slide14.xml><?xml version="1.0" encoding="utf-8"?>
+<p:sld xmlns:a="http://schemas.openxmlformats.org/drawingml/2006/main" xmlns:r="http://schemas.openxmlformats.org/officeDocument/2006/relationships" xmlns:p="http://schemas.openxmlformats.org/presentationml/2006/main">
+  <p:cSld>
+    <p:spTree>
+      <p:nvGrpSpPr>
+        <p:cNvPr id="1" name=""/>
+        <p:cNvGrpSpPr/>
+        <p:nvPr/>
+      </p:nvGrpSpPr>
+      <p:grpSpPr>
+        <a:xfrm>
+          <a:off x="0" y="0"/>
+          <a:ext cx="0" cy="0"/>
+          <a:chOff x="0" y="0"/>
+          <a:chExt cx="0" cy="0"/>
+        </a:xfrm>
+      </p:grpSpPr>
+      <p:sp>
+        <p:nvSpPr>
           <p:cNvPr id="3" name="Title 2"/>
           <p:cNvSpPr>
             <a:spLocks noGrp="1"/>
@@ -17914,7 +18533,7 @@
                 </a:solidFill>
               </a:rPr>
               <a:pPr/>
-              <a:t>13</a:t>
+              <a:t>14</a:t>
             </a:fld>
             <a:endParaRPr lang="en-GB" sz="1400" dirty="0">
               <a:solidFill>
@@ -20832,7 +21451,7 @@
 </file>
 
 <file path=customXml/itemProps2.xml><?xml version="1.0" encoding="utf-8"?>
-<ds:datastoreItem xmlns:ds="http://schemas.openxmlformats.org/officeDocument/2006/customXml" ds:itemID="{834A27C6-F506-436C-BE80-EBD990020008}">
+<ds:datastoreItem xmlns:ds="http://schemas.openxmlformats.org/officeDocument/2006/customXml" ds:itemID="{C617D7A1-438A-4842-B3E3-9908A6EB6D2C}">
   <ds:schemaRefs>
     <ds:schemaRef ds:uri="http://schemas.microsoft.com/VisualStudio/2011/storyboarding/control"/>
   </ds:schemaRefs>
@@ -20840,7 +21459,7 @@
 </file>
 
 <file path=customXml/itemProps3.xml><?xml version="1.0" encoding="utf-8"?>
-<ds:datastoreItem xmlns:ds="http://schemas.openxmlformats.org/officeDocument/2006/customXml" ds:itemID="{0103A532-5B2C-4425-9F2A-7F4721A16C4C}">
+<ds:datastoreItem xmlns:ds="http://schemas.openxmlformats.org/officeDocument/2006/customXml" ds:itemID="{834A27C6-F506-436C-BE80-EBD990020008}">
   <ds:schemaRefs>
     <ds:schemaRef ds:uri="http://schemas.microsoft.com/VisualStudio/2011/storyboarding/control"/>
   </ds:schemaRefs>
@@ -20856,7 +21475,7 @@
 </file>
 
 <file path=customXml/itemProps5.xml><?xml version="1.0" encoding="utf-8"?>
-<ds:datastoreItem xmlns:ds="http://schemas.openxmlformats.org/officeDocument/2006/customXml" ds:itemID="{2611C6C5-73A8-4088-8E8F-45AC80A93639}">
+<ds:datastoreItem xmlns:ds="http://schemas.openxmlformats.org/officeDocument/2006/customXml" ds:itemID="{1CFCFB3A-1124-4BB9-AF75-CF97631426FE}">
   <ds:schemaRefs>
     <ds:schemaRef ds:uri="http://schemas.microsoft.com/VisualStudio/2011/storyboarding/control"/>
   </ds:schemaRefs>
@@ -20864,7 +21483,7 @@
 </file>
 
 <file path=customXml/itemProps6.xml><?xml version="1.0" encoding="utf-8"?>
-<ds:datastoreItem xmlns:ds="http://schemas.openxmlformats.org/officeDocument/2006/customXml" ds:itemID="{C617D7A1-438A-4842-B3E3-9908A6EB6D2C}">
+<ds:datastoreItem xmlns:ds="http://schemas.openxmlformats.org/officeDocument/2006/customXml" ds:itemID="{0103A532-5B2C-4425-9F2A-7F4721A16C4C}">
   <ds:schemaRefs>
     <ds:schemaRef ds:uri="http://schemas.microsoft.com/VisualStudio/2011/storyboarding/control"/>
   </ds:schemaRefs>
@@ -20872,7 +21491,7 @@
 </file>
 
 <file path=customXml/itemProps7.xml><?xml version="1.0" encoding="utf-8"?>
-<ds:datastoreItem xmlns:ds="http://schemas.openxmlformats.org/officeDocument/2006/customXml" ds:itemID="{E01F304E-8A23-4F3A-A522-8F0F304C2F57}">
+<ds:datastoreItem xmlns:ds="http://schemas.openxmlformats.org/officeDocument/2006/customXml" ds:itemID="{2611C6C5-73A8-4088-8E8F-45AC80A93639}">
   <ds:schemaRefs>
     <ds:schemaRef ds:uri="http://schemas.microsoft.com/VisualStudio/2011/storyboarding/control"/>
   </ds:schemaRefs>
@@ -20888,7 +21507,7 @@
 </file>
 
 <file path=customXml/itemProps9.xml><?xml version="1.0" encoding="utf-8"?>
-<ds:datastoreItem xmlns:ds="http://schemas.openxmlformats.org/officeDocument/2006/customXml" ds:itemID="{1CFCFB3A-1124-4BB9-AF75-CF97631426FE}">
+<ds:datastoreItem xmlns:ds="http://schemas.openxmlformats.org/officeDocument/2006/customXml" ds:itemID="{E01F304E-8A23-4F3A-A522-8F0F304C2F57}">
   <ds:schemaRefs>
     <ds:schemaRef ds:uri="http://schemas.microsoft.com/VisualStudio/2011/storyboarding/control"/>
   </ds:schemaRefs>
